--- a/master-course/ppt/map-projections.pptx
+++ b/master-course/ppt/map-projections.pptx
@@ -5,17 +5,19 @@
     <p:sldMasterId id="2147483720" r:id="rId1"/>
   </p:sldMasterIdLst>
   <p:notesMasterIdLst>
-    <p:notesMasterId r:id="rId10"/>
+    <p:notesMasterId r:id="rId12"/>
   </p:notesMasterIdLst>
   <p:sldIdLst>
     <p:sldId id="256" r:id="rId2"/>
     <p:sldId id="264" r:id="rId3"/>
     <p:sldId id="265" r:id="rId4"/>
     <p:sldId id="271" r:id="rId5"/>
-    <p:sldId id="267" r:id="rId6"/>
-    <p:sldId id="268" r:id="rId7"/>
-    <p:sldId id="269" r:id="rId8"/>
-    <p:sldId id="270" r:id="rId9"/>
+    <p:sldId id="268" r:id="rId6"/>
+    <p:sldId id="269" r:id="rId7"/>
+    <p:sldId id="272" r:id="rId8"/>
+    <p:sldId id="274" r:id="rId9"/>
+    <p:sldId id="273" r:id="rId10"/>
+    <p:sldId id="276" r:id="rId11"/>
   </p:sldIdLst>
   <p:sldSz cx="9144000" cy="6858000" type="screen4x3"/>
   <p:notesSz cx="6858000" cy="9144000"/>
@@ -114,6 +116,22 @@
       </a:defRPr>
     </a:lvl9pPr>
   </p:defaultTextStyle>
+  <p:extLst>
+    <p:ext uri="{EFAFB233-063F-42B5-8137-9DF3F51BA10A}">
+      <p15:sldGuideLst xmlns:p15="http://schemas.microsoft.com/office/powerpoint/2012/main">
+        <p15:guide id="1" orient="horz" pos="2160">
+          <p15:clr>
+            <a:srgbClr val="A4A3A4"/>
+          </p15:clr>
+        </p15:guide>
+        <p15:guide id="2" pos="2880">
+          <p15:clr>
+            <a:srgbClr val="A4A3A4"/>
+          </p15:clr>
+        </p15:guide>
+      </p15:sldGuideLst>
+    </p:ext>
+  </p:extLst>
 </p:presentation>
 </file>
 
@@ -199,7 +217,7 @@
           <a:p>
             <a:fld id="{E1385254-52DA-4615-918E-B5E32E05281B}" type="datetimeFigureOut">
               <a:rPr lang="fr-FR" smtClean="0"/>
-              <a:t>9/26/16</a:t>
+              <a:t>08/04/2019</a:t>
             </a:fld>
             <a:endParaRPr lang="fr-FR"/>
           </a:p>
@@ -263,35 +281,35 @@
           <a:p>
             <a:pPr lvl="0"/>
             <a:r>
-              <a:rPr lang="en-US" smtClean="0"/>
+              <a:rPr lang="en-US"/>
               <a:t>Click to edit Master text styles</a:t>
             </a:r>
           </a:p>
           <a:p>
             <a:pPr lvl="1"/>
             <a:r>
-              <a:rPr lang="en-US" smtClean="0"/>
+              <a:rPr lang="en-US"/>
               <a:t>Second level</a:t>
             </a:r>
           </a:p>
           <a:p>
             <a:pPr lvl="2"/>
             <a:r>
-              <a:rPr lang="en-US" smtClean="0"/>
+              <a:rPr lang="en-US"/>
               <a:t>Third level</a:t>
             </a:r>
           </a:p>
           <a:p>
             <a:pPr lvl="3"/>
             <a:r>
-              <a:rPr lang="en-US" smtClean="0"/>
+              <a:rPr lang="en-US"/>
               <a:t>Fourth level</a:t>
             </a:r>
           </a:p>
           <a:p>
             <a:pPr lvl="4"/>
             <a:r>
-              <a:rPr lang="en-US" smtClean="0"/>
+              <a:rPr lang="en-US"/>
               <a:t>Fifth level</a:t>
             </a:r>
             <a:endParaRPr lang="fr-FR"/>
@@ -1055,6 +1073,174 @@
 </p:notes>
 </file>
 
+<file path=ppt/notesSlides/notesSlide8.xml><?xml version="1.0" encoding="utf-8"?>
+<p:notes xmlns:a="http://schemas.openxmlformats.org/drawingml/2006/main" xmlns:r="http://schemas.openxmlformats.org/officeDocument/2006/relationships" xmlns:p="http://schemas.openxmlformats.org/presentationml/2006/main">
+  <p:cSld>
+    <p:spTree>
+      <p:nvGrpSpPr>
+        <p:cNvPr id="1" name=""/>
+        <p:cNvGrpSpPr/>
+        <p:nvPr/>
+      </p:nvGrpSpPr>
+      <p:grpSpPr>
+        <a:xfrm>
+          <a:off x="0" y="0"/>
+          <a:ext cx="0" cy="0"/>
+          <a:chOff x="0" y="0"/>
+          <a:chExt cx="0" cy="0"/>
+        </a:xfrm>
+      </p:grpSpPr>
+      <p:sp>
+        <p:nvSpPr>
+          <p:cNvPr id="2" name="Slide Image Placeholder 1"/>
+          <p:cNvSpPr>
+            <a:spLocks noGrp="1" noRot="1" noChangeAspect="1"/>
+          </p:cNvSpPr>
+          <p:nvPr>
+            <p:ph type="sldImg"/>
+          </p:nvPr>
+        </p:nvSpPr>
+        <p:spPr/>
+      </p:sp>
+      <p:sp>
+        <p:nvSpPr>
+          <p:cNvPr id="3" name="Notes Placeholder 2"/>
+          <p:cNvSpPr>
+            <a:spLocks noGrp="1"/>
+          </p:cNvSpPr>
+          <p:nvPr>
+            <p:ph type="body" idx="1"/>
+          </p:nvPr>
+        </p:nvSpPr>
+        <p:spPr/>
+        <p:txBody>
+          <a:bodyPr/>
+          <a:lstStyle/>
+          <a:p>
+            <a:endParaRPr lang="fr-FR"/>
+          </a:p>
+        </p:txBody>
+      </p:sp>
+      <p:sp>
+        <p:nvSpPr>
+          <p:cNvPr id="4" name="Slide Number Placeholder 3"/>
+          <p:cNvSpPr>
+            <a:spLocks noGrp="1"/>
+          </p:cNvSpPr>
+          <p:nvPr>
+            <p:ph type="sldNum" sz="quarter" idx="10"/>
+          </p:nvPr>
+        </p:nvSpPr>
+        <p:spPr/>
+        <p:txBody>
+          <a:bodyPr/>
+          <a:lstStyle/>
+          <a:p>
+            <a:fld id="{B3E847A0-9C2C-4878-B945-463B2F414424}" type="slidenum">
+              <a:rPr lang="fr-FR" smtClean="0"/>
+              <a:t>9</a:t>
+            </a:fld>
+            <a:endParaRPr lang="fr-FR"/>
+          </a:p>
+        </p:txBody>
+      </p:sp>
+    </p:spTree>
+    <p:extLst>
+      <p:ext uri="{BB962C8B-B14F-4D97-AF65-F5344CB8AC3E}">
+        <p14:creationId xmlns:p14="http://schemas.microsoft.com/office/powerpoint/2010/main" val="107688128"/>
+      </p:ext>
+    </p:extLst>
+  </p:cSld>
+  <p:clrMapOvr>
+    <a:masterClrMapping/>
+  </p:clrMapOvr>
+</p:notes>
+</file>
+
+<file path=ppt/notesSlides/notesSlide9.xml><?xml version="1.0" encoding="utf-8"?>
+<p:notes xmlns:a="http://schemas.openxmlformats.org/drawingml/2006/main" xmlns:r="http://schemas.openxmlformats.org/officeDocument/2006/relationships" xmlns:p="http://schemas.openxmlformats.org/presentationml/2006/main">
+  <p:cSld>
+    <p:spTree>
+      <p:nvGrpSpPr>
+        <p:cNvPr id="1" name=""/>
+        <p:cNvGrpSpPr/>
+        <p:nvPr/>
+      </p:nvGrpSpPr>
+      <p:grpSpPr>
+        <a:xfrm>
+          <a:off x="0" y="0"/>
+          <a:ext cx="0" cy="0"/>
+          <a:chOff x="0" y="0"/>
+          <a:chExt cx="0" cy="0"/>
+        </a:xfrm>
+      </p:grpSpPr>
+      <p:sp>
+        <p:nvSpPr>
+          <p:cNvPr id="2" name="Slide Image Placeholder 1"/>
+          <p:cNvSpPr>
+            <a:spLocks noGrp="1" noRot="1" noChangeAspect="1"/>
+          </p:cNvSpPr>
+          <p:nvPr>
+            <p:ph type="sldImg"/>
+          </p:nvPr>
+        </p:nvSpPr>
+        <p:spPr/>
+      </p:sp>
+      <p:sp>
+        <p:nvSpPr>
+          <p:cNvPr id="3" name="Notes Placeholder 2"/>
+          <p:cNvSpPr>
+            <a:spLocks noGrp="1"/>
+          </p:cNvSpPr>
+          <p:nvPr>
+            <p:ph type="body" idx="1"/>
+          </p:nvPr>
+        </p:nvSpPr>
+        <p:spPr/>
+        <p:txBody>
+          <a:bodyPr/>
+          <a:lstStyle/>
+          <a:p>
+            <a:endParaRPr lang="fr-FR"/>
+          </a:p>
+        </p:txBody>
+      </p:sp>
+      <p:sp>
+        <p:nvSpPr>
+          <p:cNvPr id="4" name="Slide Number Placeholder 3"/>
+          <p:cNvSpPr>
+            <a:spLocks noGrp="1"/>
+          </p:cNvSpPr>
+          <p:nvPr>
+            <p:ph type="sldNum" sz="quarter" idx="10"/>
+          </p:nvPr>
+        </p:nvSpPr>
+        <p:spPr/>
+        <p:txBody>
+          <a:bodyPr/>
+          <a:lstStyle/>
+          <a:p>
+            <a:fld id="{B3E847A0-9C2C-4878-B945-463B2F414424}" type="slidenum">
+              <a:rPr lang="fr-FR" smtClean="0"/>
+              <a:t>10</a:t>
+            </a:fld>
+            <a:endParaRPr lang="fr-FR"/>
+          </a:p>
+        </p:txBody>
+      </p:sp>
+    </p:spTree>
+    <p:extLst>
+      <p:ext uri="{BB962C8B-B14F-4D97-AF65-F5344CB8AC3E}">
+        <p14:creationId xmlns:p14="http://schemas.microsoft.com/office/powerpoint/2010/main" val="107688128"/>
+      </p:ext>
+    </p:extLst>
+  </p:cSld>
+  <p:clrMapOvr>
+    <a:masterClrMapping/>
+  </p:clrMapOvr>
+</p:notes>
+</file>
+
 <file path=ppt/slideLayouts/slideLayout1.xml><?xml version="1.0" encoding="utf-8"?>
 <p:sldLayout xmlns:a="http://schemas.openxmlformats.org/drawingml/2006/main" xmlns:r="http://schemas.openxmlformats.org/officeDocument/2006/relationships" xmlns:p="http://schemas.openxmlformats.org/presentationml/2006/main" showMasterSp="0" type="title" preserve="1">
   <p:cSld name="Title Slide">
@@ -1093,7 +1279,7 @@
           <a:lstStyle/>
           <a:p>
             <a:r>
-              <a:rPr lang="en-US" smtClean="0"/>
+              <a:rPr lang="en-US"/>
               <a:t>Click to edit Master title style</a:t>
             </a:r>
             <a:endParaRPr lang="fr-FR"/>
@@ -1212,7 +1398,7 @@
           </a:lstStyle>
           <a:p>
             <a:r>
-              <a:rPr lang="en-US" smtClean="0"/>
+              <a:rPr lang="en-US"/>
               <a:t>Click to edit Master subtitle style</a:t>
             </a:r>
             <a:endParaRPr lang="fr-FR"/>
@@ -1236,7 +1422,7 @@
           <a:p>
             <a:fld id="{2014E7C4-24FC-4230-AB13-A61DC0124D69}" type="datetimeFigureOut">
               <a:rPr lang="fr-FR" smtClean="0"/>
-              <a:t>9/26/16</a:t>
+              <a:t>08/04/2019</a:t>
             </a:fld>
             <a:endParaRPr lang="fr-FR"/>
           </a:p>
@@ -1330,7 +1516,7 @@
           <a:lstStyle/>
           <a:p>
             <a:r>
-              <a:rPr lang="en-US" smtClean="0"/>
+              <a:rPr lang="en-US"/>
               <a:t>Click to edit Master title style</a:t>
             </a:r>
             <a:endParaRPr lang="fr-FR"/>
@@ -1354,35 +1540,35 @@
           <a:p>
             <a:pPr lvl="0"/>
             <a:r>
-              <a:rPr lang="en-US" smtClean="0"/>
+              <a:rPr lang="en-US"/>
               <a:t>Click to edit Master text styles</a:t>
             </a:r>
           </a:p>
           <a:p>
             <a:pPr lvl="1"/>
             <a:r>
-              <a:rPr lang="en-US" smtClean="0"/>
+              <a:rPr lang="en-US"/>
               <a:t>Second level</a:t>
             </a:r>
           </a:p>
           <a:p>
             <a:pPr lvl="2"/>
             <a:r>
-              <a:rPr lang="en-US" smtClean="0"/>
+              <a:rPr lang="en-US"/>
               <a:t>Third level</a:t>
             </a:r>
           </a:p>
           <a:p>
             <a:pPr lvl="3"/>
             <a:r>
-              <a:rPr lang="en-US" smtClean="0"/>
+              <a:rPr lang="en-US"/>
               <a:t>Fourth level</a:t>
             </a:r>
           </a:p>
           <a:p>
             <a:pPr lvl="4"/>
             <a:r>
-              <a:rPr lang="en-US" smtClean="0"/>
+              <a:rPr lang="en-US"/>
               <a:t>Fifth level</a:t>
             </a:r>
             <a:endParaRPr lang="fr-FR"/>
@@ -1406,7 +1592,7 @@
           <a:p>
             <a:fld id="{2014E7C4-24FC-4230-AB13-A61DC0124D69}" type="datetimeFigureOut">
               <a:rPr lang="fr-FR" smtClean="0"/>
-              <a:t>9/26/16</a:t>
+              <a:t>08/04/2019</a:t>
             </a:fld>
             <a:endParaRPr lang="fr-FR"/>
           </a:p>
@@ -1505,7 +1691,7 @@
           <a:lstStyle/>
           <a:p>
             <a:r>
-              <a:rPr lang="en-US" smtClean="0"/>
+              <a:rPr lang="en-US"/>
               <a:t>Click to edit Master title style</a:t>
             </a:r>
             <a:endParaRPr lang="fr-FR"/>
@@ -1534,35 +1720,35 @@
           <a:p>
             <a:pPr lvl="0"/>
             <a:r>
-              <a:rPr lang="en-US" smtClean="0"/>
+              <a:rPr lang="en-US"/>
               <a:t>Click to edit Master text styles</a:t>
             </a:r>
           </a:p>
           <a:p>
             <a:pPr lvl="1"/>
             <a:r>
-              <a:rPr lang="en-US" smtClean="0"/>
+              <a:rPr lang="en-US"/>
               <a:t>Second level</a:t>
             </a:r>
           </a:p>
           <a:p>
             <a:pPr lvl="2"/>
             <a:r>
-              <a:rPr lang="en-US" smtClean="0"/>
+              <a:rPr lang="en-US"/>
               <a:t>Third level</a:t>
             </a:r>
           </a:p>
           <a:p>
             <a:pPr lvl="3"/>
             <a:r>
-              <a:rPr lang="en-US" smtClean="0"/>
+              <a:rPr lang="en-US"/>
               <a:t>Fourth level</a:t>
             </a:r>
           </a:p>
           <a:p>
             <a:pPr lvl="4"/>
             <a:r>
-              <a:rPr lang="en-US" smtClean="0"/>
+              <a:rPr lang="en-US"/>
               <a:t>Fifth level</a:t>
             </a:r>
             <a:endParaRPr lang="fr-FR"/>
@@ -1586,7 +1772,7 @@
           <a:p>
             <a:fld id="{2014E7C4-24FC-4230-AB13-A61DC0124D69}" type="datetimeFigureOut">
               <a:rPr lang="fr-FR" smtClean="0"/>
-              <a:t>9/26/16</a:t>
+              <a:t>08/04/2019</a:t>
             </a:fld>
             <a:endParaRPr lang="fr-FR"/>
           </a:p>
@@ -1680,7 +1866,7 @@
           <a:lstStyle/>
           <a:p>
             <a:r>
-              <a:rPr lang="en-US" smtClean="0"/>
+              <a:rPr lang="en-US"/>
               <a:t>Click to edit Master title style</a:t>
             </a:r>
             <a:endParaRPr lang="fr-FR"/>
@@ -1704,35 +1890,35 @@
           <a:p>
             <a:pPr lvl="0"/>
             <a:r>
-              <a:rPr lang="en-US" smtClean="0"/>
+              <a:rPr lang="en-US"/>
               <a:t>Click to edit Master text styles</a:t>
             </a:r>
           </a:p>
           <a:p>
             <a:pPr lvl="1"/>
             <a:r>
-              <a:rPr lang="en-US" smtClean="0"/>
+              <a:rPr lang="en-US"/>
               <a:t>Second level</a:t>
             </a:r>
           </a:p>
           <a:p>
             <a:pPr lvl="2"/>
             <a:r>
-              <a:rPr lang="en-US" smtClean="0"/>
+              <a:rPr lang="en-US"/>
               <a:t>Third level</a:t>
             </a:r>
           </a:p>
           <a:p>
             <a:pPr lvl="3"/>
             <a:r>
-              <a:rPr lang="en-US" smtClean="0"/>
+              <a:rPr lang="en-US"/>
               <a:t>Fourth level</a:t>
             </a:r>
           </a:p>
           <a:p>
             <a:pPr lvl="4"/>
             <a:r>
-              <a:rPr lang="en-US" smtClean="0"/>
+              <a:rPr lang="en-US"/>
               <a:t>Fifth level</a:t>
             </a:r>
             <a:endParaRPr lang="fr-FR"/>
@@ -1756,7 +1942,7 @@
           <a:p>
             <a:fld id="{2014E7C4-24FC-4230-AB13-A61DC0124D69}" type="datetimeFigureOut">
               <a:rPr lang="fr-FR" smtClean="0"/>
-              <a:t>9/26/16</a:t>
+              <a:t>08/04/2019</a:t>
             </a:fld>
             <a:endParaRPr lang="fr-FR"/>
           </a:p>
@@ -1859,7 +2045,7 @@
           </a:lstStyle>
           <a:p>
             <a:r>
-              <a:rPr lang="en-US" smtClean="0"/>
+              <a:rPr lang="en-US"/>
               <a:t>Click to edit Master title style</a:t>
             </a:r>
             <a:endParaRPr lang="fr-FR"/>
@@ -1979,7 +2165,7 @@
           <a:p>
             <a:pPr lvl="0"/>
             <a:r>
-              <a:rPr lang="en-US" smtClean="0"/>
+              <a:rPr lang="en-US"/>
               <a:t>Click to edit Master text styles</a:t>
             </a:r>
           </a:p>
@@ -2002,7 +2188,7 @@
           <a:p>
             <a:fld id="{2014E7C4-24FC-4230-AB13-A61DC0124D69}" type="datetimeFigureOut">
               <a:rPr lang="fr-FR" smtClean="0"/>
-              <a:t>9/26/16</a:t>
+              <a:t>08/04/2019</a:t>
             </a:fld>
             <a:endParaRPr lang="fr-FR"/>
           </a:p>
@@ -2096,7 +2282,7 @@
           <a:lstStyle/>
           <a:p>
             <a:r>
-              <a:rPr lang="en-US" smtClean="0"/>
+              <a:rPr lang="en-US"/>
               <a:t>Click to edit Master title style</a:t>
             </a:r>
             <a:endParaRPr lang="fr-FR"/>
@@ -2153,35 +2339,35 @@
           <a:p>
             <a:pPr lvl="0"/>
             <a:r>
-              <a:rPr lang="en-US" smtClean="0"/>
+              <a:rPr lang="en-US"/>
               <a:t>Click to edit Master text styles</a:t>
             </a:r>
           </a:p>
           <a:p>
             <a:pPr lvl="1"/>
             <a:r>
-              <a:rPr lang="en-US" smtClean="0"/>
+              <a:rPr lang="en-US"/>
               <a:t>Second level</a:t>
             </a:r>
           </a:p>
           <a:p>
             <a:pPr lvl="2"/>
             <a:r>
-              <a:rPr lang="en-US" smtClean="0"/>
+              <a:rPr lang="en-US"/>
               <a:t>Third level</a:t>
             </a:r>
           </a:p>
           <a:p>
             <a:pPr lvl="3"/>
             <a:r>
-              <a:rPr lang="en-US" smtClean="0"/>
+              <a:rPr lang="en-US"/>
               <a:t>Fourth level</a:t>
             </a:r>
           </a:p>
           <a:p>
             <a:pPr lvl="4"/>
             <a:r>
-              <a:rPr lang="en-US" smtClean="0"/>
+              <a:rPr lang="en-US"/>
               <a:t>Fifth level</a:t>
             </a:r>
             <a:endParaRPr lang="fr-FR"/>
@@ -2238,35 +2424,35 @@
           <a:p>
             <a:pPr lvl="0"/>
             <a:r>
-              <a:rPr lang="en-US" smtClean="0"/>
+              <a:rPr lang="en-US"/>
               <a:t>Click to edit Master text styles</a:t>
             </a:r>
           </a:p>
           <a:p>
             <a:pPr lvl="1"/>
             <a:r>
-              <a:rPr lang="en-US" smtClean="0"/>
+              <a:rPr lang="en-US"/>
               <a:t>Second level</a:t>
             </a:r>
           </a:p>
           <a:p>
             <a:pPr lvl="2"/>
             <a:r>
-              <a:rPr lang="en-US" smtClean="0"/>
+              <a:rPr lang="en-US"/>
               <a:t>Third level</a:t>
             </a:r>
           </a:p>
           <a:p>
             <a:pPr lvl="3"/>
             <a:r>
-              <a:rPr lang="en-US" smtClean="0"/>
+              <a:rPr lang="en-US"/>
               <a:t>Fourth level</a:t>
             </a:r>
           </a:p>
           <a:p>
             <a:pPr lvl="4"/>
             <a:r>
-              <a:rPr lang="en-US" smtClean="0"/>
+              <a:rPr lang="en-US"/>
               <a:t>Fifth level</a:t>
             </a:r>
             <a:endParaRPr lang="fr-FR"/>
@@ -2290,7 +2476,7 @@
           <a:p>
             <a:fld id="{2014E7C4-24FC-4230-AB13-A61DC0124D69}" type="datetimeFigureOut">
               <a:rPr lang="fr-FR" smtClean="0"/>
-              <a:t>9/26/16</a:t>
+              <a:t>08/04/2019</a:t>
             </a:fld>
             <a:endParaRPr lang="fr-FR"/>
           </a:p>
@@ -2388,7 +2574,7 @@
           </a:lstStyle>
           <a:p>
             <a:r>
-              <a:rPr lang="en-US" smtClean="0"/>
+              <a:rPr lang="en-US"/>
               <a:t>Click to edit Master title style</a:t>
             </a:r>
             <a:endParaRPr lang="fr-FR"/>
@@ -2454,7 +2640,7 @@
           <a:p>
             <a:pPr lvl="0"/>
             <a:r>
-              <a:rPr lang="en-US" smtClean="0"/>
+              <a:rPr lang="en-US"/>
               <a:t>Click to edit Master text styles</a:t>
             </a:r>
           </a:p>
@@ -2510,35 +2696,35 @@
           <a:p>
             <a:pPr lvl="0"/>
             <a:r>
-              <a:rPr lang="en-US" smtClean="0"/>
+              <a:rPr lang="en-US"/>
               <a:t>Click to edit Master text styles</a:t>
             </a:r>
           </a:p>
           <a:p>
             <a:pPr lvl="1"/>
             <a:r>
-              <a:rPr lang="en-US" smtClean="0"/>
+              <a:rPr lang="en-US"/>
               <a:t>Second level</a:t>
             </a:r>
           </a:p>
           <a:p>
             <a:pPr lvl="2"/>
             <a:r>
-              <a:rPr lang="en-US" smtClean="0"/>
+              <a:rPr lang="en-US"/>
               <a:t>Third level</a:t>
             </a:r>
           </a:p>
           <a:p>
             <a:pPr lvl="3"/>
             <a:r>
-              <a:rPr lang="en-US" smtClean="0"/>
+              <a:rPr lang="en-US"/>
               <a:t>Fourth level</a:t>
             </a:r>
           </a:p>
           <a:p>
             <a:pPr lvl="4"/>
             <a:r>
-              <a:rPr lang="en-US" smtClean="0"/>
+              <a:rPr lang="en-US"/>
               <a:t>Fifth level</a:t>
             </a:r>
             <a:endParaRPr lang="fr-FR"/>
@@ -2604,7 +2790,7 @@
           <a:p>
             <a:pPr lvl="0"/>
             <a:r>
-              <a:rPr lang="en-US" smtClean="0"/>
+              <a:rPr lang="en-US"/>
               <a:t>Click to edit Master text styles</a:t>
             </a:r>
           </a:p>
@@ -2660,35 +2846,35 @@
           <a:p>
             <a:pPr lvl="0"/>
             <a:r>
-              <a:rPr lang="en-US" smtClean="0"/>
+              <a:rPr lang="en-US"/>
               <a:t>Click to edit Master text styles</a:t>
             </a:r>
           </a:p>
           <a:p>
             <a:pPr lvl="1"/>
             <a:r>
-              <a:rPr lang="en-US" smtClean="0"/>
+              <a:rPr lang="en-US"/>
               <a:t>Second level</a:t>
             </a:r>
           </a:p>
           <a:p>
             <a:pPr lvl="2"/>
             <a:r>
-              <a:rPr lang="en-US" smtClean="0"/>
+              <a:rPr lang="en-US"/>
               <a:t>Third level</a:t>
             </a:r>
           </a:p>
           <a:p>
             <a:pPr lvl="3"/>
             <a:r>
-              <a:rPr lang="en-US" smtClean="0"/>
+              <a:rPr lang="en-US"/>
               <a:t>Fourth level</a:t>
             </a:r>
           </a:p>
           <a:p>
             <a:pPr lvl="4"/>
             <a:r>
-              <a:rPr lang="en-US" smtClean="0"/>
+              <a:rPr lang="en-US"/>
               <a:t>Fifth level</a:t>
             </a:r>
             <a:endParaRPr lang="fr-FR"/>
@@ -2712,7 +2898,7 @@
           <a:p>
             <a:fld id="{2014E7C4-24FC-4230-AB13-A61DC0124D69}" type="datetimeFigureOut">
               <a:rPr lang="fr-FR" smtClean="0"/>
-              <a:t>9/26/16</a:t>
+              <a:t>08/04/2019</a:t>
             </a:fld>
             <a:endParaRPr lang="fr-FR"/>
           </a:p>
@@ -2806,7 +2992,7 @@
           <a:lstStyle/>
           <a:p>
             <a:r>
-              <a:rPr lang="en-US" smtClean="0"/>
+              <a:rPr lang="en-US"/>
               <a:t>Click to edit Master title style</a:t>
             </a:r>
             <a:endParaRPr lang="fr-FR"/>
@@ -2830,7 +3016,7 @@
           <a:p>
             <a:fld id="{2014E7C4-24FC-4230-AB13-A61DC0124D69}" type="datetimeFigureOut">
               <a:rPr lang="fr-FR" smtClean="0"/>
-              <a:t>9/26/16</a:t>
+              <a:t>08/04/2019</a:t>
             </a:fld>
             <a:endParaRPr lang="fr-FR"/>
           </a:p>
@@ -2925,7 +3111,7 @@
           <a:p>
             <a:fld id="{2014E7C4-24FC-4230-AB13-A61DC0124D69}" type="datetimeFigureOut">
               <a:rPr lang="fr-FR" smtClean="0"/>
-              <a:t>9/26/16</a:t>
+              <a:t>08/04/2019</a:t>
             </a:fld>
             <a:endParaRPr lang="fr-FR"/>
           </a:p>
@@ -3028,7 +3214,7 @@
           </a:lstStyle>
           <a:p>
             <a:r>
-              <a:rPr lang="en-US" smtClean="0"/>
+              <a:rPr lang="en-US"/>
               <a:t>Click to edit Master title style</a:t>
             </a:r>
             <a:endParaRPr lang="fr-FR"/>
@@ -3085,35 +3271,35 @@
           <a:p>
             <a:pPr lvl="0"/>
             <a:r>
-              <a:rPr lang="en-US" smtClean="0"/>
+              <a:rPr lang="en-US"/>
               <a:t>Click to edit Master text styles</a:t>
             </a:r>
           </a:p>
           <a:p>
             <a:pPr lvl="1"/>
             <a:r>
-              <a:rPr lang="en-US" smtClean="0"/>
+              <a:rPr lang="en-US"/>
               <a:t>Second level</a:t>
             </a:r>
           </a:p>
           <a:p>
             <a:pPr lvl="2"/>
             <a:r>
-              <a:rPr lang="en-US" smtClean="0"/>
+              <a:rPr lang="en-US"/>
               <a:t>Third level</a:t>
             </a:r>
           </a:p>
           <a:p>
             <a:pPr lvl="3"/>
             <a:r>
-              <a:rPr lang="en-US" smtClean="0"/>
+              <a:rPr lang="en-US"/>
               <a:t>Fourth level</a:t>
             </a:r>
           </a:p>
           <a:p>
             <a:pPr lvl="4"/>
             <a:r>
-              <a:rPr lang="en-US" smtClean="0"/>
+              <a:rPr lang="en-US"/>
               <a:t>Fifth level</a:t>
             </a:r>
             <a:endParaRPr lang="fr-FR"/>
@@ -3179,7 +3365,7 @@
           <a:p>
             <a:pPr lvl="0"/>
             <a:r>
-              <a:rPr lang="en-US" smtClean="0"/>
+              <a:rPr lang="en-US"/>
               <a:t>Click to edit Master text styles</a:t>
             </a:r>
           </a:p>
@@ -3202,7 +3388,7 @@
           <a:p>
             <a:fld id="{2014E7C4-24FC-4230-AB13-A61DC0124D69}" type="datetimeFigureOut">
               <a:rPr lang="fr-FR" smtClean="0"/>
-              <a:t>9/26/16</a:t>
+              <a:t>08/04/2019</a:t>
             </a:fld>
             <a:endParaRPr lang="fr-FR"/>
           </a:p>
@@ -3305,7 +3491,7 @@
           </a:lstStyle>
           <a:p>
             <a:r>
-              <a:rPr lang="en-US" smtClean="0"/>
+              <a:rPr lang="en-US"/>
               <a:t>Click to edit Master title style</a:t>
             </a:r>
             <a:endParaRPr lang="fr-FR"/>
@@ -3432,7 +3618,7 @@
           <a:p>
             <a:pPr lvl="0"/>
             <a:r>
-              <a:rPr lang="en-US" smtClean="0"/>
+              <a:rPr lang="en-US"/>
               <a:t>Click to edit Master text styles</a:t>
             </a:r>
           </a:p>
@@ -3455,7 +3641,7 @@
           <a:p>
             <a:fld id="{2014E7C4-24FC-4230-AB13-A61DC0124D69}" type="datetimeFigureOut">
               <a:rPr lang="fr-FR" smtClean="0"/>
-              <a:t>9/26/16</a:t>
+              <a:t>08/04/2019</a:t>
             </a:fld>
             <a:endParaRPr lang="fr-FR"/>
           </a:p>
@@ -3567,7 +3753,7 @@
           <a:lstStyle/>
           <a:p>
             <a:r>
-              <a:rPr lang="en-US" smtClean="0"/>
+              <a:rPr lang="en-US"/>
               <a:t>Click to edit Master title style</a:t>
             </a:r>
             <a:endParaRPr lang="fr-FR"/>
@@ -3601,35 +3787,35 @@
           <a:p>
             <a:pPr lvl="0"/>
             <a:r>
-              <a:rPr lang="en-US" smtClean="0"/>
+              <a:rPr lang="en-US"/>
               <a:t>Click to edit Master text styles</a:t>
             </a:r>
           </a:p>
           <a:p>
             <a:pPr lvl="1"/>
             <a:r>
-              <a:rPr lang="en-US" smtClean="0"/>
+              <a:rPr lang="en-US"/>
               <a:t>Second level</a:t>
             </a:r>
           </a:p>
           <a:p>
             <a:pPr lvl="2"/>
             <a:r>
-              <a:rPr lang="en-US" smtClean="0"/>
+              <a:rPr lang="en-US"/>
               <a:t>Third level</a:t>
             </a:r>
           </a:p>
           <a:p>
             <a:pPr lvl="3"/>
             <a:r>
-              <a:rPr lang="en-US" smtClean="0"/>
+              <a:rPr lang="en-US"/>
               <a:t>Fourth level</a:t>
             </a:r>
           </a:p>
           <a:p>
             <a:pPr lvl="4"/>
             <a:r>
-              <a:rPr lang="en-US" smtClean="0"/>
+              <a:rPr lang="en-US"/>
               <a:t>Fifth level</a:t>
             </a:r>
             <a:endParaRPr lang="fr-FR"/>
@@ -3671,7 +3857,7 @@
           <a:p>
             <a:fld id="{2014E7C4-24FC-4230-AB13-A61DC0124D69}" type="datetimeFigureOut">
               <a:rPr lang="fr-FR" smtClean="0"/>
-              <a:t>9/26/16</a:t>
+              <a:t>08/04/2019</a:t>
             </a:fld>
             <a:endParaRPr lang="fr-FR"/>
           </a:p>
@@ -4087,27 +4273,7 @@
                 <a:latin typeface="Futura"/>
                 <a:cs typeface="Futura"/>
               </a:rPr>
-              <a:t>COORDINATE REFERENCE SYSTEMS </a:t>
-            </a:r>
-            <a:r>
-              <a:rPr lang="fr-FR" sz="3600" dirty="0">
-                <a:solidFill>
-                  <a:schemeClr val="tx1">
-                    <a:lumMod val="75000"/>
-                    <a:lumOff val="25000"/>
-                  </a:schemeClr>
-                </a:solidFill>
-                <a:effectLst>
-                  <a:outerShdw blurRad="50800" dist="38100" dir="2700000" algn="tl" rotWithShape="0">
-                    <a:schemeClr val="bg1">
-                      <a:alpha val="40000"/>
-                    </a:schemeClr>
-                  </a:outerShdw>
-                </a:effectLst>
-                <a:latin typeface="Futura"/>
-                <a:cs typeface="Futura"/>
-              </a:rPr>
-              <a:t>&amp;</a:t>
+              <a:t>COORDINATE REFERENCE SYSTEMS &amp;</a:t>
             </a:r>
             <a:br>
               <a:rPr lang="fr-FR" sz="3600" dirty="0">
@@ -4148,23 +4314,6 @@
               </a:rPr>
               <a:t>MAP PROJECTIONS</a:t>
             </a:r>
-            <a:endParaRPr lang="fr-FR" sz="3600" dirty="0">
-              <a:solidFill>
-                <a:schemeClr val="tx1">
-                  <a:lumMod val="75000"/>
-                  <a:lumOff val="25000"/>
-                </a:schemeClr>
-              </a:solidFill>
-              <a:effectLst>
-                <a:outerShdw blurRad="50800" dist="38100" dir="2700000" algn="tl" rotWithShape="0">
-                  <a:schemeClr val="bg1">
-                    <a:alpha val="40000"/>
-                  </a:schemeClr>
-                </a:outerShdw>
-              </a:effectLst>
-              <a:latin typeface="Futura"/>
-              <a:cs typeface="Futura"/>
-            </a:endParaRPr>
           </a:p>
         </p:txBody>
       </p:sp>
@@ -4178,13 +4327,447 @@
   <p:clrMapOvr>
     <a:masterClrMapping/>
   </p:clrMapOvr>
-  <p:timing>
-    <p:tnLst>
-      <p:par>
-        <p:cTn xmlns:p14="http://schemas.microsoft.com/office/powerpoint/2010/main" id="1" dur="indefinite" restart="never" nodeType="tmRoot"/>
-      </p:par>
-    </p:tnLst>
-  </p:timing>
+</p:sld>
+</file>
+
+<file path=ppt/slides/slide10.xml><?xml version="1.0" encoding="utf-8"?>
+<p:sld xmlns:a="http://schemas.openxmlformats.org/drawingml/2006/main" xmlns:r="http://schemas.openxmlformats.org/officeDocument/2006/relationships" xmlns:p="http://schemas.openxmlformats.org/presentationml/2006/main">
+  <p:cSld>
+    <p:spTree>
+      <p:nvGrpSpPr>
+        <p:cNvPr id="1" name=""/>
+        <p:cNvGrpSpPr/>
+        <p:nvPr/>
+      </p:nvGrpSpPr>
+      <p:grpSpPr>
+        <a:xfrm>
+          <a:off x="0" y="0"/>
+          <a:ext cx="0" cy="0"/>
+          <a:chOff x="0" y="0"/>
+          <a:chExt cx="0" cy="0"/>
+        </a:xfrm>
+      </p:grpSpPr>
+      <p:sp>
+        <p:nvSpPr>
+          <p:cNvPr id="7" name="Subtitle 2"/>
+          <p:cNvSpPr txBox="1">
+            <a:spLocks/>
+          </p:cNvSpPr>
+          <p:nvPr/>
+        </p:nvSpPr>
+        <p:spPr>
+          <a:xfrm>
+            <a:off x="231102" y="2204864"/>
+            <a:ext cx="8517362" cy="936104"/>
+          </a:xfrm>
+          <a:prstGeom prst="rect">
+            <a:avLst/>
+          </a:prstGeom>
+        </p:spPr>
+        <p:txBody>
+          <a:bodyPr vert="horz" lIns="91440" tIns="45720" rIns="91440" bIns="45720" rtlCol="0">
+            <a:noAutofit/>
+          </a:bodyPr>
+          <a:lstStyle>
+            <a:lvl1pPr marL="0" indent="0" algn="ctr" defTabSz="914400" rtl="0" eaLnBrk="1" latinLnBrk="0" hangingPunct="1">
+              <a:spcBef>
+                <a:spcPct val="20000"/>
+              </a:spcBef>
+              <a:buFont typeface="Arial" pitchFamily="34" charset="0"/>
+              <a:buNone/>
+              <a:defRPr sz="3200" kern="1200">
+                <a:solidFill>
+                  <a:schemeClr val="tx1">
+                    <a:tint val="75000"/>
+                  </a:schemeClr>
+                </a:solidFill>
+                <a:latin typeface="+mn-lt"/>
+                <a:ea typeface="+mn-ea"/>
+                <a:cs typeface="+mn-cs"/>
+              </a:defRPr>
+            </a:lvl1pPr>
+            <a:lvl2pPr marL="457200" indent="0" algn="ctr" defTabSz="914400" rtl="0" eaLnBrk="1" latinLnBrk="0" hangingPunct="1">
+              <a:spcBef>
+                <a:spcPct val="20000"/>
+              </a:spcBef>
+              <a:buFont typeface="Arial" pitchFamily="34" charset="0"/>
+              <a:buNone/>
+              <a:defRPr sz="2800" kern="1200">
+                <a:solidFill>
+                  <a:schemeClr val="tx1">
+                    <a:tint val="75000"/>
+                  </a:schemeClr>
+                </a:solidFill>
+                <a:latin typeface="+mn-lt"/>
+                <a:ea typeface="+mn-ea"/>
+                <a:cs typeface="+mn-cs"/>
+              </a:defRPr>
+            </a:lvl2pPr>
+            <a:lvl3pPr marL="914400" indent="0" algn="ctr" defTabSz="914400" rtl="0" eaLnBrk="1" latinLnBrk="0" hangingPunct="1">
+              <a:spcBef>
+                <a:spcPct val="20000"/>
+              </a:spcBef>
+              <a:buFont typeface="Arial" pitchFamily="34" charset="0"/>
+              <a:buNone/>
+              <a:defRPr sz="2400" kern="1200">
+                <a:solidFill>
+                  <a:schemeClr val="tx1">
+                    <a:tint val="75000"/>
+                  </a:schemeClr>
+                </a:solidFill>
+                <a:latin typeface="+mn-lt"/>
+                <a:ea typeface="+mn-ea"/>
+                <a:cs typeface="+mn-cs"/>
+              </a:defRPr>
+            </a:lvl3pPr>
+            <a:lvl4pPr marL="1371600" indent="0" algn="ctr" defTabSz="914400" rtl="0" eaLnBrk="1" latinLnBrk="0" hangingPunct="1">
+              <a:spcBef>
+                <a:spcPct val="20000"/>
+              </a:spcBef>
+              <a:buFont typeface="Arial" pitchFamily="34" charset="0"/>
+              <a:buNone/>
+              <a:defRPr sz="2000" kern="1200">
+                <a:solidFill>
+                  <a:schemeClr val="tx1">
+                    <a:tint val="75000"/>
+                  </a:schemeClr>
+                </a:solidFill>
+                <a:latin typeface="+mn-lt"/>
+                <a:ea typeface="+mn-ea"/>
+                <a:cs typeface="+mn-cs"/>
+              </a:defRPr>
+            </a:lvl4pPr>
+            <a:lvl5pPr marL="1828800" indent="0" algn="ctr" defTabSz="914400" rtl="0" eaLnBrk="1" latinLnBrk="0" hangingPunct="1">
+              <a:spcBef>
+                <a:spcPct val="20000"/>
+              </a:spcBef>
+              <a:buFont typeface="Arial" pitchFamily="34" charset="0"/>
+              <a:buNone/>
+              <a:defRPr sz="2000" kern="1200">
+                <a:solidFill>
+                  <a:schemeClr val="tx1">
+                    <a:tint val="75000"/>
+                  </a:schemeClr>
+                </a:solidFill>
+                <a:latin typeface="+mn-lt"/>
+                <a:ea typeface="+mn-ea"/>
+                <a:cs typeface="+mn-cs"/>
+              </a:defRPr>
+            </a:lvl5pPr>
+            <a:lvl6pPr marL="2286000" indent="0" algn="ctr" defTabSz="914400" rtl="0" eaLnBrk="1" latinLnBrk="0" hangingPunct="1">
+              <a:spcBef>
+                <a:spcPct val="20000"/>
+              </a:spcBef>
+              <a:buFont typeface="Arial" pitchFamily="34" charset="0"/>
+              <a:buNone/>
+              <a:defRPr sz="2000" kern="1200">
+                <a:solidFill>
+                  <a:schemeClr val="tx1">
+                    <a:tint val="75000"/>
+                  </a:schemeClr>
+                </a:solidFill>
+                <a:latin typeface="+mn-lt"/>
+                <a:ea typeface="+mn-ea"/>
+                <a:cs typeface="+mn-cs"/>
+              </a:defRPr>
+            </a:lvl6pPr>
+            <a:lvl7pPr marL="2743200" indent="0" algn="ctr" defTabSz="914400" rtl="0" eaLnBrk="1" latinLnBrk="0" hangingPunct="1">
+              <a:spcBef>
+                <a:spcPct val="20000"/>
+              </a:spcBef>
+              <a:buFont typeface="Arial" pitchFamily="34" charset="0"/>
+              <a:buNone/>
+              <a:defRPr sz="2000" kern="1200">
+                <a:solidFill>
+                  <a:schemeClr val="tx1">
+                    <a:tint val="75000"/>
+                  </a:schemeClr>
+                </a:solidFill>
+                <a:latin typeface="+mn-lt"/>
+                <a:ea typeface="+mn-ea"/>
+                <a:cs typeface="+mn-cs"/>
+              </a:defRPr>
+            </a:lvl7pPr>
+            <a:lvl8pPr marL="3200400" indent="0" algn="ctr" defTabSz="914400" rtl="0" eaLnBrk="1" latinLnBrk="0" hangingPunct="1">
+              <a:spcBef>
+                <a:spcPct val="20000"/>
+              </a:spcBef>
+              <a:buFont typeface="Arial" pitchFamily="34" charset="0"/>
+              <a:buNone/>
+              <a:defRPr sz="2000" kern="1200">
+                <a:solidFill>
+                  <a:schemeClr val="tx1">
+                    <a:tint val="75000"/>
+                  </a:schemeClr>
+                </a:solidFill>
+                <a:latin typeface="+mn-lt"/>
+                <a:ea typeface="+mn-ea"/>
+                <a:cs typeface="+mn-cs"/>
+              </a:defRPr>
+            </a:lvl8pPr>
+            <a:lvl9pPr marL="3657600" indent="0" algn="ctr" defTabSz="914400" rtl="0" eaLnBrk="1" latinLnBrk="0" hangingPunct="1">
+              <a:spcBef>
+                <a:spcPct val="20000"/>
+              </a:spcBef>
+              <a:buFont typeface="Arial" pitchFamily="34" charset="0"/>
+              <a:buNone/>
+              <a:defRPr sz="2000" kern="1200">
+                <a:solidFill>
+                  <a:schemeClr val="tx1">
+                    <a:tint val="75000"/>
+                  </a:schemeClr>
+                </a:solidFill>
+                <a:latin typeface="+mn-lt"/>
+                <a:ea typeface="+mn-ea"/>
+                <a:cs typeface="+mn-cs"/>
+              </a:defRPr>
+            </a:lvl9pPr>
+          </a:lstStyle>
+          <a:p>
+            <a:pPr marL="571500" indent="-571500">
+              <a:buFont typeface="Arial" pitchFamily="34" charset="0"/>
+              <a:buChar char="•"/>
+            </a:pPr>
+            <a:endParaRPr lang="fr-FR" sz="4400" dirty="0">
+              <a:solidFill>
+                <a:schemeClr val="bg2"/>
+              </a:solidFill>
+            </a:endParaRPr>
+          </a:p>
+          <a:p>
+            <a:endParaRPr lang="fr-FR" sz="4400" dirty="0">
+              <a:solidFill>
+                <a:schemeClr val="bg2"/>
+              </a:solidFill>
+            </a:endParaRPr>
+          </a:p>
+        </p:txBody>
+      </p:sp>
+      <p:sp>
+        <p:nvSpPr>
+          <p:cNvPr id="8" name="Title 1"/>
+          <p:cNvSpPr txBox="1">
+            <a:spLocks/>
+          </p:cNvSpPr>
+          <p:nvPr/>
+        </p:nvSpPr>
+        <p:spPr>
+          <a:xfrm>
+            <a:off x="180000" y="0"/>
+            <a:ext cx="7848872" cy="1008112"/>
+          </a:xfrm>
+          <a:prstGeom prst="rect">
+            <a:avLst/>
+          </a:prstGeom>
+        </p:spPr>
+        <p:txBody>
+          <a:bodyPr vert="horz" lIns="91440" tIns="45720" rIns="91440" bIns="45720" rtlCol="0" anchor="ctr">
+            <a:noAutofit/>
+          </a:bodyPr>
+          <a:lstStyle>
+            <a:lvl1pPr algn="ctr" defTabSz="914400" rtl="0" eaLnBrk="1" latinLnBrk="0" hangingPunct="1">
+              <a:spcBef>
+                <a:spcPct val="0"/>
+              </a:spcBef>
+              <a:buNone/>
+              <a:defRPr sz="4400" kern="1200">
+                <a:solidFill>
+                  <a:schemeClr val="tx1"/>
+                </a:solidFill>
+                <a:latin typeface="+mj-lt"/>
+                <a:ea typeface="+mj-ea"/>
+                <a:cs typeface="+mj-cs"/>
+              </a:defRPr>
+            </a:lvl1pPr>
+          </a:lstStyle>
+          <a:p>
+            <a:pPr algn="l"/>
+            <a:r>
+              <a:rPr lang="fr-FR" sz="2800" dirty="0">
+                <a:solidFill>
+                  <a:schemeClr val="tx1">
+                    <a:lumMod val="75000"/>
+                    <a:lumOff val="25000"/>
+                  </a:schemeClr>
+                </a:solidFill>
+                <a:effectLst>
+                  <a:outerShdw blurRad="50800" dist="38100" dir="2700000" algn="tl" rotWithShape="0">
+                    <a:schemeClr val="bg1">
+                      <a:alpha val="40000"/>
+                    </a:schemeClr>
+                  </a:outerShdw>
+                </a:effectLst>
+                <a:latin typeface="Futura"/>
+                <a:cs typeface="Futura"/>
+              </a:rPr>
+              <a:t>COMPARING MAP PROJECTIONS</a:t>
+            </a:r>
+          </a:p>
+        </p:txBody>
+      </p:sp>
+      <p:sp>
+        <p:nvSpPr>
+          <p:cNvPr id="9" name="Rectangle 8"/>
+          <p:cNvSpPr/>
+          <p:nvPr/>
+        </p:nvSpPr>
+        <p:spPr>
+          <a:xfrm>
+            <a:off x="245224" y="692696"/>
+            <a:ext cx="3390672" cy="338554"/>
+          </a:xfrm>
+          <a:prstGeom prst="rect">
+            <a:avLst/>
+          </a:prstGeom>
+        </p:spPr>
+        <p:txBody>
+          <a:bodyPr wrap="none">
+            <a:spAutoFit/>
+          </a:bodyPr>
+          <a:lstStyle/>
+          <a:p>
+            <a:r>
+              <a:rPr lang="en-US" sz="1600">
+                <a:latin typeface="Futura Condensed"/>
+                <a:cs typeface="Futura Condensed"/>
+              </a:rPr>
+              <a:t>https://www.jasondavies.com/maps/transition/</a:t>
+            </a:r>
+          </a:p>
+        </p:txBody>
+      </p:sp>
+      <p:pic>
+        <p:nvPicPr>
+          <p:cNvPr id="2" name="Picture 1"/>
+          <p:cNvPicPr>
+            <a:picLocks noChangeAspect="1"/>
+          </p:cNvPicPr>
+          <p:nvPr/>
+        </p:nvPicPr>
+        <p:blipFill>
+          <a:blip r:embed="rId3"/>
+          <a:stretch>
+            <a:fillRect/>
+          </a:stretch>
+        </p:blipFill>
+        <p:spPr>
+          <a:xfrm>
+            <a:off x="251520" y="1124744"/>
+            <a:ext cx="5508104" cy="2871653"/>
+          </a:xfrm>
+          <a:prstGeom prst="rect">
+            <a:avLst/>
+          </a:prstGeom>
+        </p:spPr>
+      </p:pic>
+      <p:pic>
+        <p:nvPicPr>
+          <p:cNvPr id="3" name="Picture 2"/>
+          <p:cNvPicPr>
+            <a:picLocks noChangeAspect="1"/>
+          </p:cNvPicPr>
+          <p:nvPr/>
+        </p:nvPicPr>
+        <p:blipFill>
+          <a:blip r:embed="rId4"/>
+          <a:stretch>
+            <a:fillRect/>
+          </a:stretch>
+        </p:blipFill>
+        <p:spPr>
+          <a:xfrm>
+            <a:off x="4178756" y="2924944"/>
+            <a:ext cx="4896085" cy="3856856"/>
+          </a:xfrm>
+          <a:prstGeom prst="rect">
+            <a:avLst/>
+          </a:prstGeom>
+        </p:spPr>
+      </p:pic>
+      <p:sp>
+        <p:nvSpPr>
+          <p:cNvPr id="10" name="Rectangle 9"/>
+          <p:cNvSpPr/>
+          <p:nvPr/>
+        </p:nvSpPr>
+        <p:spPr>
+          <a:xfrm>
+            <a:off x="251520" y="3284984"/>
+            <a:ext cx="737101" cy="338554"/>
+          </a:xfrm>
+          <a:prstGeom prst="rect">
+            <a:avLst/>
+          </a:prstGeom>
+        </p:spPr>
+        <p:txBody>
+          <a:bodyPr wrap="none">
+            <a:spAutoFit/>
+          </a:bodyPr>
+          <a:lstStyle/>
+          <a:p>
+            <a:r>
+              <a:rPr lang="en-US" sz="1600">
+                <a:latin typeface="Futura Condensed"/>
+                <a:cs typeface="Futura Condensed"/>
+              </a:rPr>
+              <a:t>Eckert VI</a:t>
+            </a:r>
+          </a:p>
+        </p:txBody>
+      </p:sp>
+      <p:sp>
+        <p:nvSpPr>
+          <p:cNvPr id="11" name="Rectangle 10"/>
+          <p:cNvSpPr/>
+          <p:nvPr/>
+        </p:nvSpPr>
+        <p:spPr>
+          <a:xfrm>
+            <a:off x="3419872" y="4869160"/>
+            <a:ext cx="761747" cy="338554"/>
+          </a:xfrm>
+          <a:prstGeom prst="rect">
+            <a:avLst/>
+          </a:prstGeom>
+        </p:spPr>
+        <p:txBody>
+          <a:bodyPr wrap="none">
+            <a:spAutoFit/>
+          </a:bodyPr>
+          <a:lstStyle/>
+          <a:p>
+            <a:r>
+              <a:rPr lang="en-US" sz="1600">
+                <a:latin typeface="Futura Condensed"/>
+                <a:cs typeface="Futura Condensed"/>
+              </a:rPr>
+              <a:t>Mercator</a:t>
+            </a:r>
+          </a:p>
+        </p:txBody>
+      </p:sp>
+    </p:spTree>
+    <p:extLst>
+      <p:ext uri="{BB962C8B-B14F-4D97-AF65-F5344CB8AC3E}">
+        <p14:creationId xmlns:p14="http://schemas.microsoft.com/office/powerpoint/2010/main" val="1949897954"/>
+      </p:ext>
+    </p:extLst>
+  </p:cSld>
+  <p:clrMapOvr>
+    <a:masterClrMapping/>
+  </p:clrMapOvr>
+  <mc:AlternateContent xmlns:mc="http://schemas.openxmlformats.org/markup-compatibility/2006" xmlns:p14="http://schemas.microsoft.com/office/powerpoint/2010/main">
+    <mc:Choice Requires="p14">
+      <p:transition spd="med" p14:dur="700">
+        <p:fade/>
+      </p:transition>
+    </mc:Choice>
+    <mc:Fallback xmlns="">
+      <p:transition spd="med">
+        <p:fade/>
+      </p:transition>
+    </mc:Fallback>
+  </mc:AlternateContent>
 </p:sld>
 </file>
 
@@ -4386,7 +4969,7 @@
               <a:buFont typeface="Arial" pitchFamily="34" charset="0"/>
               <a:buChar char="•"/>
             </a:pPr>
-            <a:endParaRPr lang="fr-FR" sz="4400" dirty="0" smtClean="0">
+            <a:endParaRPr lang="fr-FR" sz="4400" dirty="0">
               <a:solidFill>
                 <a:schemeClr val="bg2"/>
               </a:solidFill>
@@ -4417,13 +5000,14 @@
           </a:prstGeom>
           <a:solidFill>
             <a:schemeClr val="tx1">
-              <a:lumMod val="75000"/>
-              <a:lumOff val="25000"/>
+              <a:lumMod val="85000"/>
+              <a:lumOff val="15000"/>
             </a:schemeClr>
           </a:solidFill>
           <a:ln>
             <a:noFill/>
           </a:ln>
+          <a:effectLst/>
         </p:spPr>
         <p:style>
           <a:lnRef idx="1">
@@ -4450,16 +5034,16 @@
       </p:sp>
       <p:grpSp>
         <p:nvGrpSpPr>
-          <p:cNvPr id="8" name="Group 7"/>
+          <p:cNvPr id="11" name="Group 10"/>
           <p:cNvGrpSpPr/>
           <p:nvPr/>
         </p:nvGrpSpPr>
         <p:grpSpPr>
           <a:xfrm>
-            <a:off x="1835696" y="1556792"/>
-            <a:ext cx="5028175" cy="4248472"/>
-            <a:chOff x="1839697" y="1556792"/>
-            <a:chExt cx="5028175" cy="4248472"/>
+            <a:off x="1907704" y="1556792"/>
+            <a:ext cx="4905494" cy="4248472"/>
+            <a:chOff x="3851920" y="2132856"/>
+            <a:chExt cx="4905494" cy="4248472"/>
           </a:xfrm>
         </p:grpSpPr>
         <p:sp>
@@ -4470,21 +5054,22 @@
           </p:nvSpPr>
           <p:spPr>
             <a:xfrm>
-              <a:off x="1839697" y="1556792"/>
-              <a:ext cx="4964360" cy="4248472"/>
+              <a:off x="3851920" y="2132856"/>
+              <a:ext cx="4905494" cy="4248472"/>
             </a:xfrm>
             <a:prstGeom prst="ellipse">
               <a:avLst/>
             </a:prstGeom>
             <a:solidFill>
               <a:schemeClr val="tx1">
-                <a:lumMod val="75000"/>
-                <a:lumOff val="25000"/>
+                <a:lumMod val="85000"/>
+                <a:lumOff val="15000"/>
               </a:schemeClr>
             </a:solidFill>
             <a:ln>
               <a:noFill/>
             </a:ln>
+            <a:effectLst/>
           </p:spPr>
           <p:style>
             <a:lnRef idx="1">
@@ -4519,17 +5104,19 @@
           </p:nvCxnSpPr>
           <p:spPr>
             <a:xfrm flipH="1" flipV="1">
-              <a:off x="4321877" y="1556792"/>
-              <a:ext cx="34100" cy="2124236"/>
+              <a:off x="6304667" y="2132856"/>
+              <a:ext cx="33696" cy="2124236"/>
             </a:xfrm>
             <a:prstGeom prst="straightConnector1">
               <a:avLst/>
             </a:prstGeom>
-            <a:ln>
+            <a:ln w="19050" cmpd="sng">
               <a:solidFill>
-                <a:srgbClr val="FFFFFF"/>
+                <a:srgbClr val="F2F2F2"/>
               </a:solidFill>
-              <a:tailEnd type="arrow"/>
+              <a:prstDash val="solid"/>
+              <a:headEnd type="triangle"/>
+              <a:tailEnd type="triangle"/>
             </a:ln>
           </p:spPr>
           <p:style>
@@ -4550,22 +5137,25 @@
         <p:cxnSp>
           <p:nvCxnSpPr>
             <p:cNvPr id="12" name="Straight Arrow Connector 11"/>
-            <p:cNvCxnSpPr/>
+            <p:cNvCxnSpPr>
+              <a:endCxn id="9" idx="6"/>
+            </p:cNvCxnSpPr>
             <p:nvPr/>
           </p:nvCxnSpPr>
           <p:spPr>
-            <a:xfrm>
-              <a:off x="4355977" y="3682685"/>
-              <a:ext cx="2511895" cy="0"/>
+            <a:xfrm flipV="1">
+              <a:off x="6338363" y="4257092"/>
+              <a:ext cx="2419051" cy="1657"/>
             </a:xfrm>
             <a:prstGeom prst="straightConnector1">
               <a:avLst/>
             </a:prstGeom>
-            <a:ln>
+            <a:ln w="19050" cmpd="sng">
               <a:solidFill>
-                <a:srgbClr val="FFFFFF"/>
+                <a:srgbClr val="F2F2F2"/>
               </a:solidFill>
-              <a:tailEnd type="arrow"/>
+              <a:headEnd type="triangle"/>
+              <a:tailEnd type="triangle"/>
             </a:ln>
           </p:spPr>
           <p:style>
@@ -4591,8 +5181,8 @@
           </p:nvSpPr>
           <p:spPr>
             <a:xfrm>
-              <a:off x="4522523" y="3682685"/>
-              <a:ext cx="1678665" cy="584775"/>
+              <a:off x="6502934" y="4258749"/>
+              <a:ext cx="1482272" cy="523220"/>
             </a:xfrm>
             <a:prstGeom prst="rect">
               <a:avLst/>
@@ -4608,26 +5198,13 @@
             <a:lstStyle/>
             <a:p>
               <a:r>
-                <a:rPr lang="fr-FR" sz="3200" b="1" dirty="0" smtClean="0">
+                <a:rPr lang="fr-FR" sz="2800" dirty="0">
                   <a:solidFill>
                     <a:srgbClr val="FFFFFF"/>
                   </a:solidFill>
                 </a:rPr>
-                <a:t>6378 km</a:t>
+                <a:t>6378 Km </a:t>
               </a:r>
-              <a:r>
-                <a:rPr lang="fr-FR" b="1" dirty="0" smtClean="0">
-                  <a:solidFill>
-                    <a:srgbClr val="FFFFFF"/>
-                  </a:solidFill>
-                </a:rPr>
-                <a:t> </a:t>
-              </a:r>
-              <a:endParaRPr lang="fr-FR" b="1" dirty="0">
-                <a:solidFill>
-                  <a:srgbClr val="FFFFFF"/>
-                </a:solidFill>
-              </a:endParaRPr>
             </a:p>
           </p:txBody>
         </p:sp>
@@ -4639,8 +5216,8 @@
           </p:nvSpPr>
           <p:spPr>
             <a:xfrm>
-              <a:off x="2697896" y="2276872"/>
-              <a:ext cx="1678665" cy="584775"/>
+              <a:off x="4699943" y="2852936"/>
+              <a:ext cx="1467193" cy="523220"/>
             </a:xfrm>
             <a:prstGeom prst="rect">
               <a:avLst/>
@@ -4656,18 +5233,13 @@
             <a:lstStyle/>
             <a:p>
               <a:r>
-                <a:rPr lang="fr-FR" sz="3200" b="1" dirty="0" smtClean="0">
+                <a:rPr lang="fr-FR" sz="2800" dirty="0">
                   <a:solidFill>
                     <a:schemeClr val="bg1"/>
                   </a:solidFill>
                 </a:rPr>
-                <a:t>6356 km</a:t>
+                <a:t>6356 Km</a:t>
               </a:r>
-              <a:endParaRPr lang="fr-FR" b="1" dirty="0">
-                <a:solidFill>
-                  <a:schemeClr val="bg1"/>
-                </a:solidFill>
-              </a:endParaRPr>
             </a:p>
           </p:txBody>
         </p:sp>
@@ -4684,7 +5256,7 @@
         </p:nvSpPr>
         <p:spPr>
           <a:xfrm>
-            <a:off x="179512" y="0"/>
+            <a:off x="179512" y="332656"/>
             <a:ext cx="8784976" cy="1008112"/>
           </a:xfrm>
         </p:spPr>
@@ -4728,22 +5300,10 @@
   <p:clrMapOvr>
     <a:masterClrMapping/>
   </p:clrMapOvr>
-  <mc:AlternateContent xmlns:mc="http://schemas.openxmlformats.org/markup-compatibility/2006" xmlns:p14="http://schemas.microsoft.com/office/powerpoint/2010/main">
-    <mc:Choice Requires="p14">
-      <p:transition spd="med" p14:dur="700">
-        <p:fade/>
-      </p:transition>
-    </mc:Choice>
-    <mc:Fallback xmlns="">
-      <p:transition spd="med">
-        <p:fade/>
-      </p:transition>
-    </mc:Fallback>
-  </mc:AlternateContent>
   <p:timing>
     <p:tnLst>
       <p:par>
-        <p:cTn xmlns:p14="http://schemas.microsoft.com/office/powerpoint/2010/main" id="1" dur="indefinite" restart="never" nodeType="tmRoot">
+        <p:cTn id="1" dur="indefinite" restart="never" nodeType="tmRoot">
           <p:childTnLst>
             <p:seq concurrent="1" nextAc="seek">
               <p:cTn id="2" dur="indefinite" nodeType="mainSeq">
@@ -4819,7 +5379,7 @@
                                           </p:stCondLst>
                                         </p:cTn>
                                         <p:tgtEl>
-                                          <p:spTgt spid="8"/>
+                                          <p:spTgt spid="11"/>
                                         </p:tgtEl>
                                         <p:attrNameLst>
                                           <p:attrName>style.visibility</p:attrName>
@@ -4936,14 +5496,14 @@
             <a:effectLst/>
             <a:extLst>
               <a:ext uri="{909E8E84-426E-40dd-AFC4-6F175D3DCCD1}">
-                <a14:hiddenFill xmlns:a14="http://schemas.microsoft.com/office/drawing/2010/main">
+                <a14:hiddenFill xmlns:a14="http://schemas.microsoft.com/office/drawing/2010/main" xmlns="">
                   <a:solidFill>
                     <a:schemeClr val="accent1"/>
                   </a:solidFill>
                 </a14:hiddenFill>
               </a:ext>
               <a:ext uri="{AF507438-7753-43e0-B8FC-AC1667EBCBE1}">
-                <a14:hiddenEffects xmlns:a14="http://schemas.microsoft.com/office/drawing/2010/main">
+                <a14:hiddenEffects xmlns:a14="http://schemas.microsoft.com/office/drawing/2010/main" xmlns="">
                   <a:effectLst>
                     <a:outerShdw dist="35921" dir="2700000" algn="ctr" rotWithShape="0">
                       <a:schemeClr val="bg2"/>
@@ -5177,7 +5737,7 @@
               <a:buFont typeface="Arial" pitchFamily="34" charset="0"/>
               <a:buChar char="•"/>
             </a:pPr>
-            <a:endParaRPr lang="fr-FR" sz="4400" dirty="0" smtClean="0">
+            <a:endParaRPr lang="fr-FR" sz="4400" dirty="0">
               <a:solidFill>
                 <a:schemeClr val="bg2"/>
               </a:solidFill>
@@ -5393,7 +5953,7 @@
   <p:timing>
     <p:tnLst>
       <p:par>
-        <p:cTn xmlns:p14="http://schemas.microsoft.com/office/powerpoint/2010/main" id="1" dur="indefinite" restart="never" nodeType="tmRoot">
+        <p:cTn id="1" dur="indefinite" restart="never" nodeType="tmRoot">
           <p:childTnLst>
             <p:seq concurrent="1" nextAc="seek">
               <p:cTn id="2" dur="indefinite" nodeType="mainSeq">
@@ -5692,9 +6252,71 @@
           <a:chExt cx="0" cy="0"/>
         </a:xfrm>
       </p:grpSpPr>
+      <p:sp>
+        <p:nvSpPr>
+          <p:cNvPr id="5" name="Title 1"/>
+          <p:cNvSpPr txBox="1">
+            <a:spLocks/>
+          </p:cNvSpPr>
+          <p:nvPr/>
+        </p:nvSpPr>
+        <p:spPr>
+          <a:xfrm>
+            <a:off x="179512" y="0"/>
+            <a:ext cx="8784976" cy="1008112"/>
+          </a:xfrm>
+          <a:prstGeom prst="rect">
+            <a:avLst/>
+          </a:prstGeom>
+        </p:spPr>
+        <p:txBody>
+          <a:bodyPr vert="horz" lIns="91440" tIns="45720" rIns="91440" bIns="45720" rtlCol="0" anchor="ctr">
+            <a:noAutofit/>
+          </a:bodyPr>
+          <a:lstStyle>
+            <a:lvl1pPr algn="ctr" defTabSz="914400" rtl="0" eaLnBrk="1" latinLnBrk="0" hangingPunct="1">
+              <a:spcBef>
+                <a:spcPct val="0"/>
+              </a:spcBef>
+              <a:buNone/>
+              <a:defRPr sz="4400" kern="1200">
+                <a:solidFill>
+                  <a:schemeClr val="tx1"/>
+                </a:solidFill>
+                <a:latin typeface="+mj-lt"/>
+                <a:ea typeface="+mj-ea"/>
+                <a:cs typeface="+mj-cs"/>
+              </a:defRPr>
+            </a:lvl1pPr>
+          </a:lstStyle>
+          <a:p>
+            <a:pPr algn="l"/>
+            <a:r>
+              <a:rPr lang="fr-FR" sz="2800" dirty="0">
+                <a:solidFill>
+                  <a:schemeClr val="tx1">
+                    <a:lumMod val="75000"/>
+                    <a:lumOff val="25000"/>
+                  </a:schemeClr>
+                </a:solidFill>
+                <a:effectLst>
+                  <a:outerShdw blurRad="50800" dist="38100" dir="2700000" algn="tl" rotWithShape="0">
+                    <a:schemeClr val="bg1">
+                      <a:alpha val="40000"/>
+                    </a:schemeClr>
+                  </a:outerShdw>
+                </a:effectLst>
+                <a:latin typeface="Futura"/>
+                <a:cs typeface="Futura"/>
+              </a:rPr>
+              <a:t>SPHERICAL COORDINATES</a:t>
+            </a:r>
+          </a:p>
+        </p:txBody>
+      </p:sp>
       <p:pic>
         <p:nvPicPr>
-          <p:cNvPr id="4" name="Picture 3"/>
+          <p:cNvPr id="3" name="Picture 2"/>
           <p:cNvPicPr>
             <a:picLocks noChangeAspect="1"/>
           </p:cNvPicPr>
@@ -5708,8 +6330,8 @@
         </p:blipFill>
         <p:spPr>
           <a:xfrm>
-            <a:off x="971600" y="733145"/>
-            <a:ext cx="6984776" cy="5648183"/>
+            <a:off x="2289237" y="1196752"/>
+            <a:ext cx="4515011" cy="4248472"/>
           </a:xfrm>
           <a:prstGeom prst="rect">
             <a:avLst/>
@@ -5718,62 +6340,31 @@
       </p:pic>
       <p:sp>
         <p:nvSpPr>
-          <p:cNvPr id="5" name="Title 1"/>
-          <p:cNvSpPr txBox="1">
-            <a:spLocks/>
-          </p:cNvSpPr>
+          <p:cNvPr id="6" name="Rectangle 5"/>
+          <p:cNvSpPr/>
           <p:nvPr/>
         </p:nvSpPr>
         <p:spPr>
           <a:xfrm>
-            <a:off x="179512" y="-27384"/>
-            <a:ext cx="8784976" cy="1008112"/>
+            <a:off x="203050" y="642174"/>
+            <a:ext cx="2608278" cy="338554"/>
           </a:xfrm>
           <a:prstGeom prst="rect">
             <a:avLst/>
           </a:prstGeom>
         </p:spPr>
         <p:txBody>
-          <a:bodyPr vert="horz" lIns="91440" tIns="45720" rIns="91440" bIns="45720" rtlCol="0" anchor="ctr">
-            <a:noAutofit/>
+          <a:bodyPr wrap="none">
+            <a:spAutoFit/>
           </a:bodyPr>
-          <a:lstStyle>
-            <a:lvl1pPr algn="ctr" defTabSz="914400" rtl="0" eaLnBrk="1" latinLnBrk="0" hangingPunct="1">
-              <a:spcBef>
-                <a:spcPct val="0"/>
-              </a:spcBef>
-              <a:buNone/>
-              <a:defRPr sz="4400" kern="1200">
-                <a:solidFill>
-                  <a:schemeClr val="tx1"/>
-                </a:solidFill>
-                <a:latin typeface="+mj-lt"/>
-                <a:ea typeface="+mj-ea"/>
-                <a:cs typeface="+mj-cs"/>
-              </a:defRPr>
-            </a:lvl1pPr>
-          </a:lstStyle>
-          <a:p>
-            <a:pPr algn="l"/>
-            <a:r>
-              <a:rPr lang="fr-FR" sz="2800" dirty="0">
-                <a:solidFill>
-                  <a:schemeClr val="tx1">
-                    <a:lumMod val="75000"/>
-                    <a:lumOff val="25000"/>
-                  </a:schemeClr>
-                </a:solidFill>
-                <a:effectLst>
-                  <a:outerShdw blurRad="50800" dist="38100" dir="2700000" algn="tl" rotWithShape="0">
-                    <a:schemeClr val="bg1">
-                      <a:alpha val="40000"/>
-                    </a:schemeClr>
-                  </a:outerShdw>
-                </a:effectLst>
-                <a:latin typeface="Futura"/>
-                <a:cs typeface="Futura"/>
+          <a:lstStyle/>
+          <a:p>
+            <a:r>
+              <a:rPr lang="en-US" sz="1600">
+                <a:latin typeface="Futura Condensed"/>
+                <a:cs typeface="Futura Condensed"/>
               </a:rPr>
-              <a:t>SPHERICAL COORDINATES</a:t>
+              <a:t>http://www.progonos.com/furuti</a:t>
             </a:r>
           </a:p>
         </p:txBody>
@@ -5788,13 +6379,6 @@
   <p:clrMapOvr>
     <a:masterClrMapping/>
   </p:clrMapOvr>
-  <p:timing>
-    <p:tnLst>
-      <p:par>
-        <p:cTn xmlns:p14="http://schemas.microsoft.com/office/powerpoint/2010/main" id="1" dur="indefinite" restart="never" nodeType="tmRoot"/>
-      </p:par>
-    </p:tnLst>
-  </p:timing>
 </p:sld>
 </file>
 
@@ -5996,24 +6580,24 @@
               <a:buFont typeface="Arial" pitchFamily="34" charset="0"/>
               <a:buChar char="•"/>
             </a:pPr>
-            <a:endParaRPr lang="fr-FR" sz="4400" dirty="0" smtClean="0">
-              <a:solidFill>
-                <a:schemeClr val="bg2"/>
-              </a:solidFill>
-            </a:endParaRPr>
-          </a:p>
-          <a:p>
             <a:endParaRPr lang="fr-FR" sz="4400" dirty="0">
               <a:solidFill>
                 <a:schemeClr val="bg2"/>
               </a:solidFill>
             </a:endParaRPr>
           </a:p>
+          <a:p>
+            <a:endParaRPr lang="fr-FR" sz="4400" dirty="0">
+              <a:solidFill>
+                <a:schemeClr val="bg2"/>
+              </a:solidFill>
+            </a:endParaRPr>
+          </a:p>
         </p:txBody>
       </p:sp>
       <p:pic>
         <p:nvPicPr>
-          <p:cNvPr id="20" name="Picture 5"/>
+          <p:cNvPr id="8" name="Picture 2" descr="5"/>
           <p:cNvPicPr>
             <a:picLocks noChangeAspect="1" noChangeArrowheads="1"/>
           </p:cNvPicPr>
@@ -6034,8 +6618,8 @@
         </p:blipFill>
         <p:spPr bwMode="auto">
           <a:xfrm>
-            <a:off x="1475656" y="1150639"/>
-            <a:ext cx="5544616" cy="5588229"/>
+            <a:off x="410914" y="1533525"/>
+            <a:ext cx="8337550" cy="3900488"/>
           </a:xfrm>
           <a:prstGeom prst="rect">
             <a:avLst/>
@@ -6044,41 +6628,807 @@
           <a:ln>
             <a:noFill/>
           </a:ln>
-          <a:effectLst/>
           <a:extLst>
             <a:ext uri="{909E8E84-426E-40dd-AFC4-6F175D3DCCD1}">
-              <a14:hiddenFill xmlns:a14="http://schemas.microsoft.com/office/drawing/2010/main">
-                <a:solidFill>
-                  <a:schemeClr val="accent1"/>
+              <a14:hiddenFill xmlns:a14="http://schemas.microsoft.com/office/drawing/2010/main" xmlns="">
+                <a:solidFill>
+                  <a:srgbClr val="FFFFFF"/>
                 </a:solidFill>
               </a14:hiddenFill>
             </a:ext>
             <a:ext uri="{91240B29-F687-4f45-9708-019B960494DF}">
-              <a14:hiddenLine xmlns:a14="http://schemas.microsoft.com/office/drawing/2010/main" w="9525">
-                <a:solidFill>
-                  <a:schemeClr val="tx1"/>
+              <a14:hiddenLine xmlns:a14="http://schemas.microsoft.com/office/drawing/2010/main" xmlns="" w="9525">
+                <a:solidFill>
+                  <a:srgbClr val="000000"/>
                 </a:solidFill>
                 <a:miter lim="800000"/>
                 <a:headEnd/>
                 <a:tailEnd/>
               </a14:hiddenLine>
             </a:ext>
-            <a:ext uri="{AF507438-7753-43e0-B8FC-AC1667EBCBE1}">
-              <a14:hiddenEffects xmlns:a14="http://schemas.microsoft.com/office/drawing/2010/main">
-                <a:effectLst>
-                  <a:outerShdw dist="35921" dir="2700000" algn="ctr" rotWithShape="0">
-                    <a:schemeClr val="bg2"/>
-                  </a:outerShdw>
-                </a:effectLst>
-              </a14:hiddenEffects>
-            </a:ext>
           </a:extLst>
         </p:spPr>
       </p:pic>
+      <p:sp>
+        <p:nvSpPr>
+          <p:cNvPr id="9" name="Oval 3"/>
+          <p:cNvSpPr>
+            <a:spLocks noChangeArrowheads="1"/>
+          </p:cNvSpPr>
+          <p:nvPr/>
+        </p:nvSpPr>
+        <p:spPr bwMode="auto">
+          <a:xfrm>
+            <a:off x="3109664" y="3835400"/>
+            <a:ext cx="165100" cy="152400"/>
+          </a:xfrm>
+          <a:prstGeom prst="ellipse">
+            <a:avLst/>
+          </a:prstGeom>
+          <a:solidFill>
+            <a:srgbClr val="E46C0A"/>
+          </a:solidFill>
+          <a:ln w="9525">
+            <a:noFill/>
+            <a:round/>
+            <a:headEnd/>
+            <a:tailEnd/>
+          </a:ln>
+          <a:effectLst/>
+          <a:extLst/>
+        </p:spPr>
+        <p:txBody>
+          <a:bodyPr wrap="none" anchor="ctr"/>
+          <a:lstStyle/>
+          <a:p>
+            <a:endParaRPr lang="fr-FR"/>
+          </a:p>
+        </p:txBody>
+      </p:sp>
+      <p:sp>
+        <p:nvSpPr>
+          <p:cNvPr id="10" name="Oval 4"/>
+          <p:cNvSpPr>
+            <a:spLocks noChangeArrowheads="1"/>
+          </p:cNvSpPr>
+          <p:nvPr/>
+        </p:nvSpPr>
+        <p:spPr bwMode="auto">
+          <a:xfrm>
+            <a:off x="5415012" y="2348880"/>
+            <a:ext cx="165100" cy="152400"/>
+          </a:xfrm>
+          <a:prstGeom prst="ellipse">
+            <a:avLst/>
+          </a:prstGeom>
+          <a:solidFill>
+            <a:srgbClr val="E46C0A"/>
+          </a:solidFill>
+          <a:ln w="9525">
+            <a:noFill/>
+            <a:round/>
+            <a:headEnd/>
+            <a:tailEnd/>
+          </a:ln>
+          <a:effectLst/>
+          <a:extLst/>
+        </p:spPr>
+        <p:txBody>
+          <a:bodyPr wrap="none" anchor="ctr"/>
+          <a:lstStyle/>
+          <a:p>
+            <a:endParaRPr lang="fr-FR"/>
+          </a:p>
+        </p:txBody>
+      </p:sp>
+      <p:sp>
+        <p:nvSpPr>
+          <p:cNvPr id="11" name="Oval 5"/>
+          <p:cNvSpPr>
+            <a:spLocks noChangeArrowheads="1"/>
+          </p:cNvSpPr>
+          <p:nvPr/>
+        </p:nvSpPr>
+        <p:spPr bwMode="auto">
+          <a:xfrm>
+            <a:off x="7452320" y="3616325"/>
+            <a:ext cx="165100" cy="152400"/>
+          </a:xfrm>
+          <a:prstGeom prst="ellipse">
+            <a:avLst/>
+          </a:prstGeom>
+          <a:solidFill>
+            <a:srgbClr val="E46C0A"/>
+          </a:solidFill>
+          <a:ln w="9525">
+            <a:noFill/>
+            <a:round/>
+            <a:headEnd/>
+            <a:tailEnd/>
+          </a:ln>
+          <a:effectLst/>
+          <a:extLst/>
+        </p:spPr>
+        <p:txBody>
+          <a:bodyPr wrap="none" anchor="ctr"/>
+          <a:lstStyle/>
+          <a:p>
+            <a:endParaRPr lang="fr-FR"/>
+          </a:p>
+        </p:txBody>
+      </p:sp>
+      <p:sp>
+        <p:nvSpPr>
+          <p:cNvPr id="13" name="Text Box 42"/>
+          <p:cNvSpPr txBox="1">
+            <a:spLocks noChangeArrowheads="1"/>
+          </p:cNvSpPr>
+          <p:nvPr/>
+        </p:nvSpPr>
+        <p:spPr bwMode="auto">
+          <a:xfrm>
+            <a:off x="1835696" y="2564904"/>
+            <a:ext cx="1031051" cy="877163"/>
+          </a:xfrm>
+          <a:prstGeom prst="rect">
+            <a:avLst/>
+          </a:prstGeom>
+          <a:noFill/>
+          <a:ln w="9525">
+            <a:noFill/>
+            <a:miter lim="800000"/>
+            <a:headEnd/>
+            <a:tailEnd/>
+          </a:ln>
+          <a:effectLst/>
+          <a:extLst/>
+        </p:spPr>
+        <p:txBody>
+          <a:bodyPr wrap="none">
+            <a:spAutoFit/>
+          </a:bodyPr>
+          <a:lstStyle/>
+          <a:p>
+            <a:pPr>
+              <a:lnSpc>
+                <a:spcPct val="130000"/>
+              </a:lnSpc>
+              <a:defRPr/>
+            </a:pPr>
+            <a:r>
+              <a:rPr lang="en-US" sz="2000" b="1">
+                <a:solidFill>
+                  <a:schemeClr val="accent6">
+                    <a:lumMod val="75000"/>
+                  </a:schemeClr>
+                </a:solidFill>
+                <a:latin typeface="Arial" pitchFamily="34" charset="0"/>
+                <a:cs typeface="Arial" pitchFamily="34" charset="0"/>
+              </a:rPr>
+              <a:t>20</a:t>
+            </a:r>
+            <a:r>
+              <a:rPr lang="en-US" sz="2000" b="1" baseline="60000">
+                <a:solidFill>
+                  <a:schemeClr val="accent6">
+                    <a:lumMod val="75000"/>
+                  </a:schemeClr>
+                </a:solidFill>
+                <a:latin typeface="Arial" pitchFamily="34" charset="0"/>
+                <a:cs typeface="Arial" pitchFamily="34" charset="0"/>
+              </a:rPr>
+              <a:t>o</a:t>
+            </a:r>
+            <a:r>
+              <a:rPr lang="en-US" sz="2000" b="1" baseline="40000">
+                <a:solidFill>
+                  <a:schemeClr val="accent6">
+                    <a:lumMod val="75000"/>
+                  </a:schemeClr>
+                </a:solidFill>
+                <a:latin typeface="Arial" pitchFamily="34" charset="0"/>
+                <a:cs typeface="Arial" pitchFamily="34" charset="0"/>
+              </a:rPr>
+              <a:t> </a:t>
+            </a:r>
+            <a:r>
+              <a:rPr lang="en-US" sz="2000" b="1">
+                <a:solidFill>
+                  <a:schemeClr val="accent6">
+                    <a:lumMod val="75000"/>
+                  </a:schemeClr>
+                </a:solidFill>
+                <a:latin typeface="Arial" pitchFamily="34" charset="0"/>
+                <a:cs typeface="Arial" pitchFamily="34" charset="0"/>
+              </a:rPr>
+              <a:t>N</a:t>
+            </a:r>
+          </a:p>
+          <a:p>
+            <a:pPr>
+              <a:lnSpc>
+                <a:spcPct val="130000"/>
+              </a:lnSpc>
+              <a:defRPr/>
+            </a:pPr>
+            <a:r>
+              <a:rPr lang="en-US" sz="2000" b="1">
+                <a:solidFill>
+                  <a:schemeClr val="accent6">
+                    <a:lumMod val="75000"/>
+                  </a:schemeClr>
+                </a:solidFill>
+                <a:latin typeface="Arial" pitchFamily="34" charset="0"/>
+                <a:cs typeface="Arial" pitchFamily="34" charset="0"/>
+              </a:rPr>
+              <a:t>120</a:t>
+            </a:r>
+            <a:r>
+              <a:rPr lang="en-US" sz="2000" b="1" baseline="60000">
+                <a:solidFill>
+                  <a:schemeClr val="accent6">
+                    <a:lumMod val="75000"/>
+                  </a:schemeClr>
+                </a:solidFill>
+                <a:latin typeface="Arial" pitchFamily="34" charset="0"/>
+                <a:cs typeface="Arial" pitchFamily="34" charset="0"/>
+              </a:rPr>
+              <a:t>o</a:t>
+            </a:r>
+            <a:r>
+              <a:rPr lang="en-US" sz="2000" b="1">
+                <a:solidFill>
+                  <a:schemeClr val="accent6">
+                    <a:lumMod val="75000"/>
+                  </a:schemeClr>
+                </a:solidFill>
+                <a:latin typeface="Arial" pitchFamily="34" charset="0"/>
+                <a:cs typeface="Arial" pitchFamily="34" charset="0"/>
+              </a:rPr>
+              <a:t> W</a:t>
+            </a:r>
+            <a:endParaRPr lang="en-US" sz="2000" b="1" baseline="40000">
+              <a:solidFill>
+                <a:schemeClr val="accent6">
+                  <a:lumMod val="75000"/>
+                </a:schemeClr>
+              </a:solidFill>
+              <a:latin typeface="Arial" pitchFamily="34" charset="0"/>
+              <a:cs typeface="Arial" pitchFamily="34" charset="0"/>
+            </a:endParaRPr>
+          </a:p>
+        </p:txBody>
+      </p:sp>
+      <p:sp>
+        <p:nvSpPr>
+          <p:cNvPr id="17" name="Title 1"/>
+          <p:cNvSpPr txBox="1">
+            <a:spLocks/>
+          </p:cNvSpPr>
+          <p:nvPr/>
+        </p:nvSpPr>
+        <p:spPr>
+          <a:xfrm>
+            <a:off x="180000" y="-18503"/>
+            <a:ext cx="8784976" cy="1008112"/>
+          </a:xfrm>
+          <a:prstGeom prst="rect">
+            <a:avLst/>
+          </a:prstGeom>
+        </p:spPr>
+        <p:txBody>
+          <a:bodyPr vert="horz" lIns="91440" tIns="45720" rIns="91440" bIns="45720" rtlCol="0" anchor="ctr">
+            <a:noAutofit/>
+          </a:bodyPr>
+          <a:lstStyle>
+            <a:lvl1pPr algn="ctr" defTabSz="914400" rtl="0" eaLnBrk="1" latinLnBrk="0" hangingPunct="1">
+              <a:spcBef>
+                <a:spcPct val="0"/>
+              </a:spcBef>
+              <a:buNone/>
+              <a:defRPr sz="4400" kern="1200">
+                <a:solidFill>
+                  <a:schemeClr val="tx1"/>
+                </a:solidFill>
+                <a:latin typeface="+mj-lt"/>
+                <a:ea typeface="+mj-ea"/>
+                <a:cs typeface="+mj-cs"/>
+              </a:defRPr>
+            </a:lvl1pPr>
+          </a:lstStyle>
+          <a:p>
+            <a:pPr algn="l"/>
+            <a:r>
+              <a:rPr lang="fr-FR" sz="2800" dirty="0">
+                <a:solidFill>
+                  <a:schemeClr val="tx1">
+                    <a:lumMod val="75000"/>
+                    <a:lumOff val="25000"/>
+                  </a:schemeClr>
+                </a:solidFill>
+                <a:effectLst>
+                  <a:outerShdw blurRad="50800" dist="38100" dir="2700000" algn="tl" rotWithShape="0">
+                    <a:schemeClr val="bg1">
+                      <a:alpha val="40000"/>
+                    </a:schemeClr>
+                  </a:outerShdw>
+                </a:effectLst>
+                <a:latin typeface="Futura"/>
+                <a:cs typeface="Futura"/>
+              </a:rPr>
+              <a:t>CRS &amp; MAP PROJECTIONS</a:t>
+            </a:r>
+          </a:p>
+        </p:txBody>
+      </p:sp>
+      <p:sp>
+        <p:nvSpPr>
+          <p:cNvPr id="18" name="Oval 3"/>
+          <p:cNvSpPr>
+            <a:spLocks noChangeArrowheads="1"/>
+          </p:cNvSpPr>
+          <p:nvPr/>
+        </p:nvSpPr>
+        <p:spPr bwMode="auto">
+          <a:xfrm>
+            <a:off x="1729775" y="2996952"/>
+            <a:ext cx="165100" cy="152400"/>
+          </a:xfrm>
+          <a:prstGeom prst="ellipse">
+            <a:avLst/>
+          </a:prstGeom>
+          <a:solidFill>
+            <a:schemeClr val="accent6">
+              <a:lumMod val="75000"/>
+            </a:schemeClr>
+          </a:solidFill>
+          <a:ln w="9525">
+            <a:noFill/>
+            <a:round/>
+            <a:headEnd/>
+            <a:tailEnd/>
+          </a:ln>
+          <a:effectLst/>
+          <a:extLst/>
+        </p:spPr>
+        <p:txBody>
+          <a:bodyPr wrap="none" anchor="ctr"/>
+          <a:lstStyle/>
+          <a:p>
+            <a:endParaRPr lang="fr-FR"/>
+          </a:p>
+        </p:txBody>
+      </p:sp>
+      <p:sp>
+        <p:nvSpPr>
+          <p:cNvPr id="19" name="Text Box 42"/>
+          <p:cNvSpPr txBox="1">
+            <a:spLocks noChangeArrowheads="1"/>
+          </p:cNvSpPr>
+          <p:nvPr/>
+        </p:nvSpPr>
+        <p:spPr bwMode="auto">
+          <a:xfrm>
+            <a:off x="3203848" y="3429000"/>
+            <a:ext cx="889987" cy="877163"/>
+          </a:xfrm>
+          <a:prstGeom prst="rect">
+            <a:avLst/>
+          </a:prstGeom>
+          <a:noFill/>
+          <a:ln w="9525">
+            <a:noFill/>
+            <a:miter lim="800000"/>
+            <a:headEnd/>
+            <a:tailEnd/>
+          </a:ln>
+          <a:effectLst/>
+          <a:extLst/>
+        </p:spPr>
+        <p:txBody>
+          <a:bodyPr wrap="none">
+            <a:spAutoFit/>
+          </a:bodyPr>
+          <a:lstStyle/>
+          <a:p>
+            <a:pPr>
+              <a:lnSpc>
+                <a:spcPct val="130000"/>
+              </a:lnSpc>
+              <a:defRPr/>
+            </a:pPr>
+            <a:r>
+              <a:rPr lang="en-US" sz="2000" b="1">
+                <a:solidFill>
+                  <a:schemeClr val="accent6">
+                    <a:lumMod val="75000"/>
+                  </a:schemeClr>
+                </a:solidFill>
+                <a:latin typeface="Arial" pitchFamily="34" charset="0"/>
+                <a:cs typeface="Arial" pitchFamily="34" charset="0"/>
+              </a:rPr>
+              <a:t>20</a:t>
+            </a:r>
+            <a:r>
+              <a:rPr lang="en-US" sz="2000" b="1" baseline="60000">
+                <a:solidFill>
+                  <a:schemeClr val="accent6">
+                    <a:lumMod val="75000"/>
+                  </a:schemeClr>
+                </a:solidFill>
+                <a:latin typeface="Arial" pitchFamily="34" charset="0"/>
+                <a:cs typeface="Arial" pitchFamily="34" charset="0"/>
+              </a:rPr>
+              <a:t>o</a:t>
+            </a:r>
+            <a:r>
+              <a:rPr lang="en-US" sz="2000" b="1" baseline="40000">
+                <a:solidFill>
+                  <a:schemeClr val="accent6">
+                    <a:lumMod val="75000"/>
+                  </a:schemeClr>
+                </a:solidFill>
+                <a:latin typeface="Arial" pitchFamily="34" charset="0"/>
+                <a:cs typeface="Arial" pitchFamily="34" charset="0"/>
+              </a:rPr>
+              <a:t> </a:t>
+            </a:r>
+            <a:r>
+              <a:rPr lang="en-US" sz="2000" b="1">
+                <a:solidFill>
+                  <a:schemeClr val="accent6">
+                    <a:lumMod val="75000"/>
+                  </a:schemeClr>
+                </a:solidFill>
+                <a:latin typeface="Arial" pitchFamily="34" charset="0"/>
+                <a:cs typeface="Arial" pitchFamily="34" charset="0"/>
+              </a:rPr>
+              <a:t>S</a:t>
+            </a:r>
+          </a:p>
+          <a:p>
+            <a:pPr>
+              <a:lnSpc>
+                <a:spcPct val="130000"/>
+              </a:lnSpc>
+              <a:defRPr/>
+            </a:pPr>
+            <a:r>
+              <a:rPr lang="en-US" sz="2000" b="1">
+                <a:solidFill>
+                  <a:schemeClr val="accent6">
+                    <a:lumMod val="75000"/>
+                  </a:schemeClr>
+                </a:solidFill>
+                <a:latin typeface="Arial" pitchFamily="34" charset="0"/>
+                <a:cs typeface="Arial" pitchFamily="34" charset="0"/>
+              </a:rPr>
+              <a:t>60</a:t>
+            </a:r>
+            <a:r>
+              <a:rPr lang="en-US" sz="2000" b="1" baseline="60000">
+                <a:solidFill>
+                  <a:schemeClr val="accent6">
+                    <a:lumMod val="75000"/>
+                  </a:schemeClr>
+                </a:solidFill>
+                <a:latin typeface="Arial" pitchFamily="34" charset="0"/>
+                <a:cs typeface="Arial" pitchFamily="34" charset="0"/>
+              </a:rPr>
+              <a:t>o</a:t>
+            </a:r>
+            <a:r>
+              <a:rPr lang="en-US" sz="2000" b="1">
+                <a:solidFill>
+                  <a:schemeClr val="accent6">
+                    <a:lumMod val="75000"/>
+                  </a:schemeClr>
+                </a:solidFill>
+                <a:latin typeface="Arial" pitchFamily="34" charset="0"/>
+                <a:cs typeface="Arial" pitchFamily="34" charset="0"/>
+              </a:rPr>
+              <a:t> W</a:t>
+            </a:r>
+            <a:endParaRPr lang="en-US" sz="2000" b="1" baseline="40000">
+              <a:solidFill>
+                <a:schemeClr val="accent6">
+                  <a:lumMod val="75000"/>
+                </a:schemeClr>
+              </a:solidFill>
+              <a:latin typeface="Arial" pitchFamily="34" charset="0"/>
+              <a:cs typeface="Arial" pitchFamily="34" charset="0"/>
+            </a:endParaRPr>
+          </a:p>
+        </p:txBody>
+      </p:sp>
+      <p:sp>
+        <p:nvSpPr>
+          <p:cNvPr id="20" name="Text Box 42"/>
+          <p:cNvSpPr txBox="1">
+            <a:spLocks noChangeArrowheads="1"/>
+          </p:cNvSpPr>
+          <p:nvPr/>
+        </p:nvSpPr>
+        <p:spPr bwMode="auto">
+          <a:xfrm>
+            <a:off x="5508104" y="1956703"/>
+            <a:ext cx="816725" cy="797421"/>
+          </a:xfrm>
+          <a:prstGeom prst="rect">
+            <a:avLst/>
+          </a:prstGeom>
+          <a:noFill/>
+          <a:ln w="9525">
+            <a:noFill/>
+            <a:miter lim="800000"/>
+            <a:headEnd/>
+            <a:tailEnd/>
+          </a:ln>
+          <a:effectLst/>
+          <a:extLst/>
+        </p:spPr>
+        <p:txBody>
+          <a:bodyPr wrap="none">
+            <a:spAutoFit/>
+          </a:bodyPr>
+          <a:lstStyle/>
+          <a:p>
+            <a:pPr>
+              <a:lnSpc>
+                <a:spcPct val="130000"/>
+              </a:lnSpc>
+              <a:defRPr/>
+            </a:pPr>
+            <a:r>
+              <a:rPr lang="en-US" sz="2000" b="1">
+                <a:solidFill>
+                  <a:schemeClr val="accent6">
+                    <a:lumMod val="75000"/>
+                  </a:schemeClr>
+                </a:solidFill>
+                <a:latin typeface="Arial" pitchFamily="34" charset="0"/>
+                <a:cs typeface="Arial" pitchFamily="34" charset="0"/>
+              </a:rPr>
+              <a:t>50</a:t>
+            </a:r>
+            <a:r>
+              <a:rPr lang="en-US" sz="2000" b="1" baseline="60000">
+                <a:solidFill>
+                  <a:schemeClr val="accent6">
+                    <a:lumMod val="75000"/>
+                  </a:schemeClr>
+                </a:solidFill>
+                <a:latin typeface="Arial" pitchFamily="34" charset="0"/>
+                <a:cs typeface="Arial" pitchFamily="34" charset="0"/>
+              </a:rPr>
+              <a:t>o</a:t>
+            </a:r>
+            <a:r>
+              <a:rPr lang="en-US" sz="2000" b="1" baseline="40000">
+                <a:solidFill>
+                  <a:schemeClr val="accent6">
+                    <a:lumMod val="75000"/>
+                  </a:schemeClr>
+                </a:solidFill>
+                <a:latin typeface="Arial" pitchFamily="34" charset="0"/>
+                <a:cs typeface="Arial" pitchFamily="34" charset="0"/>
+              </a:rPr>
+              <a:t> </a:t>
+            </a:r>
+            <a:r>
+              <a:rPr lang="en-US" sz="2000" b="1">
+                <a:solidFill>
+                  <a:schemeClr val="accent6">
+                    <a:lumMod val="75000"/>
+                  </a:schemeClr>
+                </a:solidFill>
+                <a:latin typeface="Arial" pitchFamily="34" charset="0"/>
+                <a:cs typeface="Arial" pitchFamily="34" charset="0"/>
+              </a:rPr>
+              <a:t>N</a:t>
+            </a:r>
+          </a:p>
+          <a:p>
+            <a:pPr>
+              <a:lnSpc>
+                <a:spcPct val="130000"/>
+              </a:lnSpc>
+              <a:defRPr/>
+            </a:pPr>
+            <a:r>
+              <a:rPr lang="en-US" sz="2000" b="1">
+                <a:solidFill>
+                  <a:schemeClr val="accent6">
+                    <a:lumMod val="75000"/>
+                  </a:schemeClr>
+                </a:solidFill>
+                <a:latin typeface="Arial" pitchFamily="34" charset="0"/>
+                <a:cs typeface="Arial" pitchFamily="34" charset="0"/>
+              </a:rPr>
+              <a:t>40</a:t>
+            </a:r>
+            <a:r>
+              <a:rPr lang="en-US" sz="2000" b="1" baseline="60000">
+                <a:solidFill>
+                  <a:schemeClr val="accent6">
+                    <a:lumMod val="75000"/>
+                  </a:schemeClr>
+                </a:solidFill>
+                <a:latin typeface="Arial" pitchFamily="34" charset="0"/>
+                <a:cs typeface="Arial" pitchFamily="34" charset="0"/>
+              </a:rPr>
+              <a:t>o</a:t>
+            </a:r>
+            <a:r>
+              <a:rPr lang="en-US" sz="2000" b="1">
+                <a:solidFill>
+                  <a:schemeClr val="accent6">
+                    <a:lumMod val="75000"/>
+                  </a:schemeClr>
+                </a:solidFill>
+                <a:latin typeface="Arial" pitchFamily="34" charset="0"/>
+                <a:cs typeface="Arial" pitchFamily="34" charset="0"/>
+              </a:rPr>
+              <a:t> E</a:t>
+            </a:r>
+            <a:endParaRPr lang="en-US" sz="2000" b="1" baseline="40000">
+              <a:solidFill>
+                <a:schemeClr val="accent6">
+                  <a:lumMod val="75000"/>
+                </a:schemeClr>
+              </a:solidFill>
+              <a:latin typeface="Arial" pitchFamily="34" charset="0"/>
+              <a:cs typeface="Arial" pitchFamily="34" charset="0"/>
+            </a:endParaRPr>
+          </a:p>
+        </p:txBody>
+      </p:sp>
+      <p:sp>
+        <p:nvSpPr>
+          <p:cNvPr id="21" name="Text Box 42"/>
+          <p:cNvSpPr txBox="1">
+            <a:spLocks noChangeArrowheads="1"/>
+          </p:cNvSpPr>
+          <p:nvPr/>
+        </p:nvSpPr>
+        <p:spPr bwMode="auto">
+          <a:xfrm>
+            <a:off x="7524328" y="3212976"/>
+            <a:ext cx="959367" cy="877163"/>
+          </a:xfrm>
+          <a:prstGeom prst="rect">
+            <a:avLst/>
+          </a:prstGeom>
+          <a:noFill/>
+          <a:ln w="9525">
+            <a:noFill/>
+            <a:miter lim="800000"/>
+            <a:headEnd/>
+            <a:tailEnd/>
+          </a:ln>
+          <a:effectLst/>
+          <a:extLst/>
+        </p:spPr>
+        <p:txBody>
+          <a:bodyPr wrap="none">
+            <a:spAutoFit/>
+          </a:bodyPr>
+          <a:lstStyle/>
+          <a:p>
+            <a:pPr>
+              <a:lnSpc>
+                <a:spcPct val="130000"/>
+              </a:lnSpc>
+              <a:defRPr/>
+            </a:pPr>
+            <a:r>
+              <a:rPr lang="en-US" sz="2000" b="1">
+                <a:solidFill>
+                  <a:schemeClr val="accent6">
+                    <a:lumMod val="75000"/>
+                  </a:schemeClr>
+                </a:solidFill>
+                <a:latin typeface="Arial" pitchFamily="34" charset="0"/>
+                <a:cs typeface="Arial" pitchFamily="34" charset="0"/>
+              </a:rPr>
+              <a:t>10</a:t>
+            </a:r>
+            <a:r>
+              <a:rPr lang="en-US" sz="2000" b="1" baseline="60000">
+                <a:solidFill>
+                  <a:schemeClr val="accent6">
+                    <a:lumMod val="75000"/>
+                  </a:schemeClr>
+                </a:solidFill>
+                <a:latin typeface="Arial" pitchFamily="34" charset="0"/>
+                <a:cs typeface="Arial" pitchFamily="34" charset="0"/>
+              </a:rPr>
+              <a:t>o</a:t>
+            </a:r>
+            <a:r>
+              <a:rPr lang="en-US" sz="2000" b="1" baseline="40000">
+                <a:solidFill>
+                  <a:schemeClr val="accent6">
+                    <a:lumMod val="75000"/>
+                  </a:schemeClr>
+                </a:solidFill>
+                <a:latin typeface="Arial" pitchFamily="34" charset="0"/>
+                <a:cs typeface="Arial" pitchFamily="34" charset="0"/>
+              </a:rPr>
+              <a:t> </a:t>
+            </a:r>
+            <a:r>
+              <a:rPr lang="en-US" sz="2000" b="1">
+                <a:solidFill>
+                  <a:schemeClr val="accent6">
+                    <a:lumMod val="75000"/>
+                  </a:schemeClr>
+                </a:solidFill>
+                <a:latin typeface="Arial" pitchFamily="34" charset="0"/>
+                <a:cs typeface="Arial" pitchFamily="34" charset="0"/>
+              </a:rPr>
+              <a:t>S</a:t>
+            </a:r>
+          </a:p>
+          <a:p>
+            <a:pPr>
+              <a:lnSpc>
+                <a:spcPct val="130000"/>
+              </a:lnSpc>
+              <a:defRPr/>
+            </a:pPr>
+            <a:r>
+              <a:rPr lang="en-US" sz="2000" b="1">
+                <a:solidFill>
+                  <a:schemeClr val="accent6">
+                    <a:lumMod val="75000"/>
+                  </a:schemeClr>
+                </a:solidFill>
+                <a:latin typeface="Arial" pitchFamily="34" charset="0"/>
+                <a:cs typeface="Arial" pitchFamily="34" charset="0"/>
+              </a:rPr>
+              <a:t>130</a:t>
+            </a:r>
+            <a:r>
+              <a:rPr lang="en-US" sz="2000" b="1" baseline="60000">
+                <a:solidFill>
+                  <a:schemeClr val="accent6">
+                    <a:lumMod val="75000"/>
+                  </a:schemeClr>
+                </a:solidFill>
+                <a:latin typeface="Arial" pitchFamily="34" charset="0"/>
+                <a:cs typeface="Arial" pitchFamily="34" charset="0"/>
+              </a:rPr>
+              <a:t>o</a:t>
+            </a:r>
+            <a:r>
+              <a:rPr lang="en-US" sz="2000" b="1">
+                <a:solidFill>
+                  <a:schemeClr val="accent6">
+                    <a:lumMod val="75000"/>
+                  </a:schemeClr>
+                </a:solidFill>
+                <a:latin typeface="Arial" pitchFamily="34" charset="0"/>
+                <a:cs typeface="Arial" pitchFamily="34" charset="0"/>
+              </a:rPr>
+              <a:t> E</a:t>
+            </a:r>
+            <a:endParaRPr lang="en-US" sz="2000" b="1" baseline="40000">
+              <a:solidFill>
+                <a:schemeClr val="accent6">
+                  <a:lumMod val="75000"/>
+                </a:schemeClr>
+              </a:solidFill>
+              <a:latin typeface="Arial" pitchFamily="34" charset="0"/>
+              <a:cs typeface="Arial" pitchFamily="34" charset="0"/>
+            </a:endParaRPr>
+          </a:p>
+        </p:txBody>
+      </p:sp>
     </p:spTree>
     <p:extLst>
       <p:ext uri="{BB962C8B-B14F-4D97-AF65-F5344CB8AC3E}">
-        <p14:creationId xmlns:p14="http://schemas.microsoft.com/office/powerpoint/2010/main" val="1188739776"/>
+        <p14:creationId xmlns:p14="http://schemas.microsoft.com/office/powerpoint/2010/main" val="3510266232"/>
       </p:ext>
     </p:extLst>
   </p:cSld>
@@ -6100,7 +7450,7 @@
   <p:timing>
     <p:tnLst>
       <p:par>
-        <p:cTn xmlns:p14="http://schemas.microsoft.com/office/powerpoint/2010/main" id="1" dur="indefinite" restart="never" nodeType="tmRoot">
+        <p:cTn id="1" dur="indefinite" restart="never" nodeType="tmRoot">
           <p:childTnLst>
             <p:seq concurrent="1" nextAc="seek">
               <p:cTn id="2" dur="indefinite" nodeType="mainSeq">
@@ -6118,7 +7468,7 @@
                             </p:stCondLst>
                             <p:childTnLst>
                               <p:par>
-                                <p:cTn id="5" presetID="1" presetClass="entr" presetSubtype="0" fill="hold" nodeType="clickEffect">
+                                <p:cTn id="5" presetID="1" presetClass="entr" presetSubtype="0" fill="hold" grpId="0" nodeType="clickEffect">
                                   <p:stCondLst>
                                     <p:cond delay="0"/>
                                   </p:stCondLst>
@@ -6131,7 +7481,142 @@
                                           </p:stCondLst>
                                         </p:cTn>
                                         <p:tgtEl>
+                                          <p:spTgt spid="13"/>
+                                        </p:tgtEl>
+                                        <p:attrNameLst>
+                                          <p:attrName>style.visibility</p:attrName>
+                                        </p:attrNameLst>
+                                      </p:cBhvr>
+                                      <p:to>
+                                        <p:strVal val="visible"/>
+                                      </p:to>
+                                    </p:set>
+                                  </p:childTnLst>
+                                </p:cTn>
+                              </p:par>
+                            </p:childTnLst>
+                          </p:cTn>
+                        </p:par>
+                      </p:childTnLst>
+                    </p:cTn>
+                  </p:par>
+                  <p:par>
+                    <p:cTn id="7" fill="hold">
+                      <p:stCondLst>
+                        <p:cond delay="indefinite"/>
+                      </p:stCondLst>
+                      <p:childTnLst>
+                        <p:par>
+                          <p:cTn id="8" fill="hold">
+                            <p:stCondLst>
+                              <p:cond delay="0"/>
+                            </p:stCondLst>
+                            <p:childTnLst>
+                              <p:par>
+                                <p:cTn id="9" presetID="1" presetClass="entr" presetSubtype="0" fill="hold" grpId="0" nodeType="clickEffect">
+                                  <p:stCondLst>
+                                    <p:cond delay="0"/>
+                                  </p:stCondLst>
+                                  <p:childTnLst>
+                                    <p:set>
+                                      <p:cBhvr>
+                                        <p:cTn id="10" dur="1" fill="hold">
+                                          <p:stCondLst>
+                                            <p:cond delay="0"/>
+                                          </p:stCondLst>
+                                        </p:cTn>
+                                        <p:tgtEl>
+                                          <p:spTgt spid="19"/>
+                                        </p:tgtEl>
+                                        <p:attrNameLst>
+                                          <p:attrName>style.visibility</p:attrName>
+                                        </p:attrNameLst>
+                                      </p:cBhvr>
+                                      <p:to>
+                                        <p:strVal val="visible"/>
+                                      </p:to>
+                                    </p:set>
+                                  </p:childTnLst>
+                                </p:cTn>
+                              </p:par>
+                            </p:childTnLst>
+                          </p:cTn>
+                        </p:par>
+                      </p:childTnLst>
+                    </p:cTn>
+                  </p:par>
+                  <p:par>
+                    <p:cTn id="11" fill="hold">
+                      <p:stCondLst>
+                        <p:cond delay="indefinite"/>
+                      </p:stCondLst>
+                      <p:childTnLst>
+                        <p:par>
+                          <p:cTn id="12" fill="hold">
+                            <p:stCondLst>
+                              <p:cond delay="0"/>
+                            </p:stCondLst>
+                            <p:childTnLst>
+                              <p:par>
+                                <p:cTn id="13" presetID="1" presetClass="entr" presetSubtype="0" fill="hold" grpId="0" nodeType="clickEffect">
+                                  <p:stCondLst>
+                                    <p:cond delay="0"/>
+                                  </p:stCondLst>
+                                  <p:childTnLst>
+                                    <p:set>
+                                      <p:cBhvr>
+                                        <p:cTn id="14" dur="1" fill="hold">
+                                          <p:stCondLst>
+                                            <p:cond delay="0"/>
+                                          </p:stCondLst>
+                                        </p:cTn>
+                                        <p:tgtEl>
                                           <p:spTgt spid="20"/>
+                                        </p:tgtEl>
+                                        <p:attrNameLst>
+                                          <p:attrName>style.visibility</p:attrName>
+                                        </p:attrNameLst>
+                                      </p:cBhvr>
+                                      <p:to>
+                                        <p:strVal val="visible"/>
+                                      </p:to>
+                                    </p:set>
+                                  </p:childTnLst>
+                                </p:cTn>
+                              </p:par>
+                            </p:childTnLst>
+                          </p:cTn>
+                        </p:par>
+                      </p:childTnLst>
+                    </p:cTn>
+                  </p:par>
+                  <p:par>
+                    <p:cTn id="15" fill="hold">
+                      <p:stCondLst>
+                        <p:cond delay="indefinite"/>
+                      </p:stCondLst>
+                      <p:childTnLst>
+                        <p:par>
+                          <p:cTn id="16" fill="hold">
+                            <p:stCondLst>
+                              <p:cond delay="0"/>
+                            </p:stCondLst>
+                            <p:childTnLst>
+                              <p:par>
+                                <p:cTn id="17" presetID="1" presetClass="entr" presetSubtype="0" fill="hold" grpId="0" nodeType="clickEffect">
+                                  <p:stCondLst>
+                                    <p:cond delay="0"/>
+                                  </p:stCondLst>
+                                  <p:childTnLst>
+                                    <p:set>
+                                      <p:cBhvr>
+                                        <p:cTn id="18" dur="1" fill="hold">
+                                          <p:stCondLst>
+                                            <p:cond delay="0"/>
+                                          </p:stCondLst>
+                                        </p:cTn>
+                                        <p:tgtEl>
+                                          <p:spTgt spid="21"/>
                                         </p:tgtEl>
                                         <p:attrNameLst>
                                           <p:attrName>style.visibility</p:attrName>
@@ -6171,6 +7656,12 @@
         </p:cTn>
       </p:par>
     </p:tnLst>
+    <p:bldLst>
+      <p:bldP spid="13" grpId="0"/>
+      <p:bldP spid="19" grpId="0"/>
+      <p:bldP spid="20" grpId="0"/>
+      <p:bldP spid="21" grpId="0"/>
+    </p:bldLst>
   </p:timing>
 </p:sld>
 </file>
@@ -6373,1587 +7864,12 @@
               <a:buFont typeface="Arial" pitchFamily="34" charset="0"/>
               <a:buChar char="•"/>
             </a:pPr>
-            <a:endParaRPr lang="fr-FR" sz="4400" dirty="0" smtClean="0">
-              <a:solidFill>
-                <a:schemeClr val="bg2"/>
-              </a:solidFill>
-            </a:endParaRPr>
-          </a:p>
-          <a:p>
             <a:endParaRPr lang="fr-FR" sz="4400" dirty="0">
               <a:solidFill>
                 <a:schemeClr val="bg2"/>
               </a:solidFill>
             </a:endParaRPr>
           </a:p>
-        </p:txBody>
-      </p:sp>
-      <p:pic>
-        <p:nvPicPr>
-          <p:cNvPr id="8" name="Picture 2" descr="5"/>
-          <p:cNvPicPr>
-            <a:picLocks noChangeAspect="1" noChangeArrowheads="1"/>
-          </p:cNvPicPr>
-          <p:nvPr/>
-        </p:nvPicPr>
-        <p:blipFill>
-          <a:blip r:embed="rId3">
-            <a:extLst>
-              <a:ext uri="{28A0092B-C50C-407E-A947-70E740481C1C}">
-                <a14:useLocalDpi xmlns:a14="http://schemas.microsoft.com/office/drawing/2010/main" val="0"/>
-              </a:ext>
-            </a:extLst>
-          </a:blip>
-          <a:srcRect/>
-          <a:stretch>
-            <a:fillRect/>
-          </a:stretch>
-        </p:blipFill>
-        <p:spPr bwMode="auto">
-          <a:xfrm>
-            <a:off x="410914" y="1533525"/>
-            <a:ext cx="8337550" cy="3900488"/>
-          </a:xfrm>
-          <a:prstGeom prst="rect">
-            <a:avLst/>
-          </a:prstGeom>
-          <a:noFill/>
-          <a:ln>
-            <a:noFill/>
-          </a:ln>
-          <a:extLst>
-            <a:ext uri="{909E8E84-426E-40dd-AFC4-6F175D3DCCD1}">
-              <a14:hiddenFill xmlns:a14="http://schemas.microsoft.com/office/drawing/2010/main">
-                <a:solidFill>
-                  <a:srgbClr val="FFFFFF"/>
-                </a:solidFill>
-              </a14:hiddenFill>
-            </a:ext>
-            <a:ext uri="{91240B29-F687-4f45-9708-019B960494DF}">
-              <a14:hiddenLine xmlns:a14="http://schemas.microsoft.com/office/drawing/2010/main" w="9525">
-                <a:solidFill>
-                  <a:srgbClr val="000000"/>
-                </a:solidFill>
-                <a:miter lim="800000"/>
-                <a:headEnd/>
-                <a:tailEnd/>
-              </a14:hiddenLine>
-            </a:ext>
-          </a:extLst>
-        </p:spPr>
-      </p:pic>
-      <p:sp>
-        <p:nvSpPr>
-          <p:cNvPr id="9" name="Oval 3"/>
-          <p:cNvSpPr>
-            <a:spLocks noChangeArrowheads="1"/>
-          </p:cNvSpPr>
-          <p:nvPr/>
-        </p:nvSpPr>
-        <p:spPr bwMode="auto">
-          <a:xfrm>
-            <a:off x="3109664" y="3835400"/>
-            <a:ext cx="165100" cy="152400"/>
-          </a:xfrm>
-          <a:prstGeom prst="ellipse">
-            <a:avLst/>
-          </a:prstGeom>
-          <a:solidFill>
-            <a:srgbClr val="FF0000"/>
-          </a:solidFill>
-          <a:ln w="9525">
-            <a:noFill/>
-            <a:round/>
-            <a:headEnd/>
-            <a:tailEnd/>
-          </a:ln>
-          <a:effectLst/>
-          <a:extLst>
-            <a:ext uri="{AF507438-7753-43e0-B8FC-AC1667EBCBE1}">
-              <a14:hiddenEffects xmlns:a14="http://schemas.microsoft.com/office/drawing/2010/main">
-                <a:effectLst>
-                  <a:outerShdw dist="35921" dir="2700000" algn="ctr" rotWithShape="0">
-                    <a:schemeClr val="bg2"/>
-                  </a:outerShdw>
-                </a:effectLst>
-              </a14:hiddenEffects>
-            </a:ext>
-          </a:extLst>
-        </p:spPr>
-        <p:txBody>
-          <a:bodyPr wrap="none" anchor="ctr"/>
-          <a:lstStyle/>
-          <a:p>
-            <a:endParaRPr lang="fr-FR"/>
-          </a:p>
-        </p:txBody>
-      </p:sp>
-      <p:sp>
-        <p:nvSpPr>
-          <p:cNvPr id="10" name="Oval 4"/>
-          <p:cNvSpPr>
-            <a:spLocks noChangeArrowheads="1"/>
-          </p:cNvSpPr>
-          <p:nvPr/>
-        </p:nvSpPr>
-        <p:spPr bwMode="auto">
-          <a:xfrm>
-            <a:off x="5415012" y="2348880"/>
-            <a:ext cx="165100" cy="152400"/>
-          </a:xfrm>
-          <a:prstGeom prst="ellipse">
-            <a:avLst/>
-          </a:prstGeom>
-          <a:solidFill>
-            <a:srgbClr val="FF0000"/>
-          </a:solidFill>
-          <a:ln w="9525">
-            <a:noFill/>
-            <a:round/>
-            <a:headEnd/>
-            <a:tailEnd/>
-          </a:ln>
-          <a:effectLst/>
-          <a:extLst>
-            <a:ext uri="{AF507438-7753-43e0-B8FC-AC1667EBCBE1}">
-              <a14:hiddenEffects xmlns:a14="http://schemas.microsoft.com/office/drawing/2010/main">
-                <a:effectLst>
-                  <a:outerShdw dist="35921" dir="2700000" algn="ctr" rotWithShape="0">
-                    <a:schemeClr val="bg2"/>
-                  </a:outerShdw>
-                </a:effectLst>
-              </a14:hiddenEffects>
-            </a:ext>
-          </a:extLst>
-        </p:spPr>
-        <p:txBody>
-          <a:bodyPr wrap="none" anchor="ctr"/>
-          <a:lstStyle/>
-          <a:p>
-            <a:endParaRPr lang="fr-FR"/>
-          </a:p>
-        </p:txBody>
-      </p:sp>
-      <p:sp>
-        <p:nvSpPr>
-          <p:cNvPr id="11" name="Oval 5"/>
-          <p:cNvSpPr>
-            <a:spLocks noChangeArrowheads="1"/>
-          </p:cNvSpPr>
-          <p:nvPr/>
-        </p:nvSpPr>
-        <p:spPr bwMode="auto">
-          <a:xfrm>
-            <a:off x="7452320" y="3616325"/>
-            <a:ext cx="165100" cy="152400"/>
-          </a:xfrm>
-          <a:prstGeom prst="ellipse">
-            <a:avLst/>
-          </a:prstGeom>
-          <a:solidFill>
-            <a:srgbClr val="FF0000"/>
-          </a:solidFill>
-          <a:ln w="9525">
-            <a:noFill/>
-            <a:round/>
-            <a:headEnd/>
-            <a:tailEnd/>
-          </a:ln>
-          <a:effectLst/>
-          <a:extLst>
-            <a:ext uri="{AF507438-7753-43e0-B8FC-AC1667EBCBE1}">
-              <a14:hiddenEffects xmlns:a14="http://schemas.microsoft.com/office/drawing/2010/main">
-                <a:effectLst>
-                  <a:outerShdw dist="35921" dir="2700000" algn="ctr" rotWithShape="0">
-                    <a:schemeClr val="bg2"/>
-                  </a:outerShdw>
-                </a:effectLst>
-              </a14:hiddenEffects>
-            </a:ext>
-          </a:extLst>
-        </p:spPr>
-        <p:txBody>
-          <a:bodyPr wrap="none" anchor="ctr"/>
-          <a:lstStyle/>
-          <a:p>
-            <a:endParaRPr lang="fr-FR"/>
-          </a:p>
-        </p:txBody>
-      </p:sp>
-      <p:sp>
-        <p:nvSpPr>
-          <p:cNvPr id="13" name="Text Box 42"/>
-          <p:cNvSpPr txBox="1">
-            <a:spLocks noChangeArrowheads="1"/>
-          </p:cNvSpPr>
-          <p:nvPr/>
-        </p:nvSpPr>
-        <p:spPr bwMode="auto">
-          <a:xfrm>
-            <a:off x="991939" y="2266950"/>
-            <a:ext cx="1737533" cy="477054"/>
-          </a:xfrm>
-          <a:prstGeom prst="rect">
-            <a:avLst/>
-          </a:prstGeom>
-          <a:solidFill>
-            <a:schemeClr val="bg1"/>
-          </a:solidFill>
-          <a:ln w="9525">
-            <a:solidFill>
-              <a:schemeClr val="bg1"/>
-            </a:solidFill>
-            <a:miter lim="800000"/>
-            <a:headEnd/>
-            <a:tailEnd/>
-          </a:ln>
-          <a:effectLst/>
-          <a:extLst>
-            <a:ext uri="{AF507438-7753-43e0-B8FC-AC1667EBCBE1}">
-              <a14:hiddenEffects xmlns:a14="http://schemas.microsoft.com/office/drawing/2010/main">
-                <a:effectLst>
-                  <a:outerShdw dist="35921" dir="2700000" algn="ctr" rotWithShape="0">
-                    <a:schemeClr val="bg2"/>
-                  </a:outerShdw>
-                </a:effectLst>
-              </a14:hiddenEffects>
-            </a:ext>
-          </a:extLst>
-        </p:spPr>
-        <p:txBody>
-          <a:bodyPr wrap="none">
-            <a:spAutoFit/>
-          </a:bodyPr>
-          <a:lstStyle/>
-          <a:p>
-            <a:pPr>
-              <a:lnSpc>
-                <a:spcPct val="130000"/>
-              </a:lnSpc>
-              <a:defRPr/>
-            </a:pPr>
-            <a:r>
-              <a:rPr lang="en-US" sz="2000" b="1">
-                <a:solidFill>
-                  <a:schemeClr val="tx1">
-                    <a:lumMod val="75000"/>
-                    <a:lumOff val="25000"/>
-                  </a:schemeClr>
-                </a:solidFill>
-                <a:effectLst>
-                  <a:outerShdw blurRad="38100" dist="38100" dir="2700000" algn="tl">
-                    <a:srgbClr val="C0C0C0"/>
-                  </a:outerShdw>
-                </a:effectLst>
-                <a:latin typeface="Arial" pitchFamily="34" charset="0"/>
-                <a:cs typeface="Arial" pitchFamily="34" charset="0"/>
-              </a:rPr>
-              <a:t>20</a:t>
-            </a:r>
-            <a:r>
-              <a:rPr lang="en-US" sz="1400" b="1" baseline="60000">
-                <a:solidFill>
-                  <a:schemeClr val="tx1">
-                    <a:lumMod val="75000"/>
-                    <a:lumOff val="25000"/>
-                  </a:schemeClr>
-                </a:solidFill>
-                <a:effectLst>
-                  <a:outerShdw blurRad="38100" dist="38100" dir="2700000" algn="tl">
-                    <a:srgbClr val="C0C0C0"/>
-                  </a:outerShdw>
-                </a:effectLst>
-                <a:latin typeface="Arial" pitchFamily="34" charset="0"/>
-                <a:cs typeface="Arial" pitchFamily="34" charset="0"/>
-              </a:rPr>
-              <a:t>o</a:t>
-            </a:r>
-            <a:r>
-              <a:rPr lang="en-US" sz="2800" b="1" baseline="40000">
-                <a:solidFill>
-                  <a:schemeClr val="tx1">
-                    <a:lumMod val="75000"/>
-                    <a:lumOff val="25000"/>
-                  </a:schemeClr>
-                </a:solidFill>
-                <a:effectLst>
-                  <a:outerShdw blurRad="38100" dist="38100" dir="2700000" algn="tl">
-                    <a:srgbClr val="C0C0C0"/>
-                  </a:outerShdw>
-                </a:effectLst>
-                <a:latin typeface="Arial" pitchFamily="34" charset="0"/>
-                <a:cs typeface="Arial" pitchFamily="34" charset="0"/>
-              </a:rPr>
-              <a:t> </a:t>
-            </a:r>
-            <a:r>
-              <a:rPr lang="en-US" sz="2000" b="1">
-                <a:solidFill>
-                  <a:schemeClr val="tx1">
-                    <a:lumMod val="75000"/>
-                    <a:lumOff val="25000"/>
-                  </a:schemeClr>
-                </a:solidFill>
-                <a:effectLst>
-                  <a:outerShdw blurRad="38100" dist="38100" dir="2700000" algn="tl">
-                    <a:srgbClr val="C0C0C0"/>
-                  </a:outerShdw>
-                </a:effectLst>
-                <a:latin typeface="Arial" pitchFamily="34" charset="0"/>
-                <a:cs typeface="Arial" pitchFamily="34" charset="0"/>
-              </a:rPr>
-              <a:t>N, 110</a:t>
-            </a:r>
-            <a:r>
-              <a:rPr lang="en-US" sz="1400" b="1" baseline="60000">
-                <a:solidFill>
-                  <a:schemeClr val="tx1">
-                    <a:lumMod val="75000"/>
-                    <a:lumOff val="25000"/>
-                  </a:schemeClr>
-                </a:solidFill>
-                <a:effectLst>
-                  <a:outerShdw blurRad="38100" dist="38100" dir="2700000" algn="tl">
-                    <a:srgbClr val="C0C0C0"/>
-                  </a:outerShdw>
-                </a:effectLst>
-                <a:latin typeface="Arial" pitchFamily="34" charset="0"/>
-                <a:cs typeface="Arial" pitchFamily="34" charset="0"/>
-              </a:rPr>
-              <a:t>o</a:t>
-            </a:r>
-            <a:r>
-              <a:rPr lang="en-US" sz="2000" b="1">
-                <a:solidFill>
-                  <a:schemeClr val="tx1">
-                    <a:lumMod val="75000"/>
-                    <a:lumOff val="25000"/>
-                  </a:schemeClr>
-                </a:solidFill>
-                <a:effectLst>
-                  <a:outerShdw blurRad="38100" dist="38100" dir="2700000" algn="tl">
-                    <a:srgbClr val="C0C0C0"/>
-                  </a:outerShdw>
-                </a:effectLst>
-                <a:latin typeface="Arial" pitchFamily="34" charset="0"/>
-                <a:cs typeface="Arial" pitchFamily="34" charset="0"/>
-              </a:rPr>
-              <a:t> W</a:t>
-            </a:r>
-            <a:endParaRPr lang="en-US" sz="2800" b="1" baseline="40000">
-              <a:solidFill>
-                <a:schemeClr val="tx1">
-                  <a:lumMod val="75000"/>
-                  <a:lumOff val="25000"/>
-                </a:schemeClr>
-              </a:solidFill>
-              <a:effectLst>
-                <a:outerShdw blurRad="38100" dist="38100" dir="2700000" algn="tl">
-                  <a:srgbClr val="C0C0C0"/>
-                </a:outerShdw>
-              </a:effectLst>
-              <a:latin typeface="Arial" pitchFamily="34" charset="0"/>
-              <a:cs typeface="Arial" pitchFamily="34" charset="0"/>
-            </a:endParaRPr>
-          </a:p>
-        </p:txBody>
-      </p:sp>
-      <p:sp>
-        <p:nvSpPr>
-          <p:cNvPr id="14" name="Text Box 43"/>
-          <p:cNvSpPr txBox="1">
-            <a:spLocks noChangeArrowheads="1"/>
-          </p:cNvSpPr>
-          <p:nvPr/>
-        </p:nvSpPr>
-        <p:spPr bwMode="auto">
-          <a:xfrm>
-            <a:off x="2292102" y="4114800"/>
-            <a:ext cx="1599641" cy="477054"/>
-          </a:xfrm>
-          <a:prstGeom prst="rect">
-            <a:avLst/>
-          </a:prstGeom>
-          <a:solidFill>
-            <a:schemeClr val="bg1"/>
-          </a:solidFill>
-          <a:ln>
-            <a:noFill/>
-          </a:ln>
-          <a:effectLst/>
-          <a:extLst>
-            <a:ext uri="{91240B29-F687-4f45-9708-019B960494DF}">
-              <a14:hiddenLine xmlns:a14="http://schemas.microsoft.com/office/drawing/2010/main" w="9525">
-                <a:solidFill>
-                  <a:schemeClr val="tx1"/>
-                </a:solidFill>
-                <a:miter lim="800000"/>
-                <a:headEnd/>
-                <a:tailEnd/>
-              </a14:hiddenLine>
-            </a:ext>
-            <a:ext uri="{AF507438-7753-43e0-B8FC-AC1667EBCBE1}">
-              <a14:hiddenEffects xmlns:a14="http://schemas.microsoft.com/office/drawing/2010/main">
-                <a:effectLst>
-                  <a:outerShdw dist="35921" dir="2700000" algn="ctr" rotWithShape="0">
-                    <a:schemeClr val="bg2"/>
-                  </a:outerShdw>
-                </a:effectLst>
-              </a14:hiddenEffects>
-            </a:ext>
-          </a:extLst>
-        </p:spPr>
-        <p:txBody>
-          <a:bodyPr wrap="none">
-            <a:spAutoFit/>
-          </a:bodyPr>
-          <a:lstStyle/>
-          <a:p>
-            <a:pPr>
-              <a:lnSpc>
-                <a:spcPct val="130000"/>
-              </a:lnSpc>
-              <a:defRPr/>
-            </a:pPr>
-            <a:r>
-              <a:rPr lang="en-US" sz="2000" b="1">
-                <a:solidFill>
-                  <a:srgbClr val="404040"/>
-                </a:solidFill>
-                <a:effectLst>
-                  <a:outerShdw blurRad="38100" dist="38100" dir="2700000" algn="tl">
-                    <a:srgbClr val="C0C0C0"/>
-                  </a:outerShdw>
-                </a:effectLst>
-                <a:latin typeface="Arial" pitchFamily="34" charset="0"/>
-                <a:cs typeface="Arial" pitchFamily="34" charset="0"/>
-              </a:rPr>
-              <a:t>20</a:t>
-            </a:r>
-            <a:r>
-              <a:rPr lang="en-US" sz="1400" b="1" baseline="60000">
-                <a:solidFill>
-                  <a:srgbClr val="404040"/>
-                </a:solidFill>
-                <a:effectLst>
-                  <a:outerShdw blurRad="38100" dist="38100" dir="2700000" algn="tl">
-                    <a:srgbClr val="C0C0C0"/>
-                  </a:outerShdw>
-                </a:effectLst>
-                <a:latin typeface="Arial" pitchFamily="34" charset="0"/>
-                <a:cs typeface="Arial" pitchFamily="34" charset="0"/>
-              </a:rPr>
-              <a:t>o</a:t>
-            </a:r>
-            <a:r>
-              <a:rPr lang="en-US" sz="2000" b="1">
-                <a:solidFill>
-                  <a:srgbClr val="404040"/>
-                </a:solidFill>
-                <a:effectLst>
-                  <a:outerShdw blurRad="38100" dist="38100" dir="2700000" algn="tl">
-                    <a:srgbClr val="C0C0C0"/>
-                  </a:outerShdw>
-                </a:effectLst>
-                <a:latin typeface="Arial" pitchFamily="34" charset="0"/>
-                <a:cs typeface="Arial" pitchFamily="34" charset="0"/>
-              </a:rPr>
-              <a:t> S, 60</a:t>
-            </a:r>
-            <a:r>
-              <a:rPr lang="en-US" sz="1400" b="1" baseline="60000">
-                <a:solidFill>
-                  <a:srgbClr val="404040"/>
-                </a:solidFill>
-                <a:effectLst>
-                  <a:outerShdw blurRad="38100" dist="38100" dir="2700000" algn="tl">
-                    <a:srgbClr val="C0C0C0"/>
-                  </a:outerShdw>
-                </a:effectLst>
-                <a:latin typeface="Arial" pitchFamily="34" charset="0"/>
-                <a:cs typeface="Arial" pitchFamily="34" charset="0"/>
-              </a:rPr>
-              <a:t>o</a:t>
-            </a:r>
-            <a:r>
-              <a:rPr lang="en-US" sz="2000" b="1">
-                <a:solidFill>
-                  <a:srgbClr val="404040"/>
-                </a:solidFill>
-                <a:effectLst>
-                  <a:outerShdw blurRad="38100" dist="38100" dir="2700000" algn="tl">
-                    <a:srgbClr val="C0C0C0"/>
-                  </a:outerShdw>
-                </a:effectLst>
-                <a:latin typeface="Arial" pitchFamily="34" charset="0"/>
-                <a:cs typeface="Arial" pitchFamily="34" charset="0"/>
-              </a:rPr>
-              <a:t> W</a:t>
-            </a:r>
-            <a:endParaRPr lang="en-US" sz="2800" b="1" baseline="40000">
-              <a:solidFill>
-                <a:srgbClr val="404040"/>
-              </a:solidFill>
-              <a:effectLst>
-                <a:outerShdw blurRad="38100" dist="38100" dir="2700000" algn="tl">
-                  <a:srgbClr val="C0C0C0"/>
-                </a:outerShdw>
-              </a:effectLst>
-              <a:latin typeface="Arial" pitchFamily="34" charset="0"/>
-              <a:cs typeface="Arial" pitchFamily="34" charset="0"/>
-            </a:endParaRPr>
-          </a:p>
-        </p:txBody>
-      </p:sp>
-      <p:sp>
-        <p:nvSpPr>
-          <p:cNvPr id="15" name="Text Box 44"/>
-          <p:cNvSpPr txBox="1">
-            <a:spLocks noChangeArrowheads="1"/>
-          </p:cNvSpPr>
-          <p:nvPr/>
-        </p:nvSpPr>
-        <p:spPr bwMode="auto">
-          <a:xfrm>
-            <a:off x="5078164" y="1619250"/>
-            <a:ext cx="1542785" cy="477054"/>
-          </a:xfrm>
-          <a:prstGeom prst="rect">
-            <a:avLst/>
-          </a:prstGeom>
-          <a:solidFill>
-            <a:schemeClr val="bg1"/>
-          </a:solidFill>
-          <a:ln>
-            <a:noFill/>
-          </a:ln>
-          <a:effectLst/>
-          <a:extLst>
-            <a:ext uri="{91240B29-F687-4f45-9708-019B960494DF}">
-              <a14:hiddenLine xmlns:a14="http://schemas.microsoft.com/office/drawing/2010/main" w="9525">
-                <a:solidFill>
-                  <a:schemeClr val="tx1"/>
-                </a:solidFill>
-                <a:miter lim="800000"/>
-                <a:headEnd/>
-                <a:tailEnd/>
-              </a14:hiddenLine>
-            </a:ext>
-            <a:ext uri="{AF507438-7753-43e0-B8FC-AC1667EBCBE1}">
-              <a14:hiddenEffects xmlns:a14="http://schemas.microsoft.com/office/drawing/2010/main">
-                <a:effectLst>
-                  <a:outerShdw dist="35921" dir="2700000" algn="ctr" rotWithShape="0">
-                    <a:schemeClr val="bg2"/>
-                  </a:outerShdw>
-                </a:effectLst>
-              </a14:hiddenEffects>
-            </a:ext>
-          </a:extLst>
-        </p:spPr>
-        <p:txBody>
-          <a:bodyPr wrap="none">
-            <a:spAutoFit/>
-          </a:bodyPr>
-          <a:lstStyle/>
-          <a:p>
-            <a:pPr>
-              <a:lnSpc>
-                <a:spcPct val="130000"/>
-              </a:lnSpc>
-              <a:defRPr/>
-            </a:pPr>
-            <a:r>
-              <a:rPr lang="en-US" sz="2000" b="1">
-                <a:solidFill>
-                  <a:schemeClr val="tx1">
-                    <a:lumMod val="75000"/>
-                    <a:lumOff val="25000"/>
-                  </a:schemeClr>
-                </a:solidFill>
-                <a:effectLst>
-                  <a:outerShdw blurRad="38100" dist="38100" dir="2700000" algn="tl">
-                    <a:srgbClr val="C0C0C0"/>
-                  </a:outerShdw>
-                </a:effectLst>
-                <a:latin typeface="Arial" pitchFamily="34" charset="0"/>
-                <a:cs typeface="Arial" pitchFamily="34" charset="0"/>
-              </a:rPr>
-              <a:t>50</a:t>
-            </a:r>
-            <a:r>
-              <a:rPr lang="en-US" sz="1400" b="1" baseline="60000">
-                <a:solidFill>
-                  <a:schemeClr val="tx1">
-                    <a:lumMod val="75000"/>
-                    <a:lumOff val="25000"/>
-                  </a:schemeClr>
-                </a:solidFill>
-                <a:effectLst>
-                  <a:outerShdw blurRad="38100" dist="38100" dir="2700000" algn="tl">
-                    <a:srgbClr val="C0C0C0"/>
-                  </a:outerShdw>
-                </a:effectLst>
-                <a:latin typeface="Arial" pitchFamily="34" charset="0"/>
-                <a:cs typeface="Arial" pitchFamily="34" charset="0"/>
-              </a:rPr>
-              <a:t>o</a:t>
-            </a:r>
-            <a:r>
-              <a:rPr lang="en-US" sz="2000" b="1">
-                <a:solidFill>
-                  <a:schemeClr val="tx1">
-                    <a:lumMod val="75000"/>
-                    <a:lumOff val="25000"/>
-                  </a:schemeClr>
-                </a:solidFill>
-                <a:effectLst>
-                  <a:outerShdw blurRad="38100" dist="38100" dir="2700000" algn="tl">
-                    <a:srgbClr val="C0C0C0"/>
-                  </a:outerShdw>
-                </a:effectLst>
-                <a:latin typeface="Arial" pitchFamily="34" charset="0"/>
-                <a:cs typeface="Arial" pitchFamily="34" charset="0"/>
-              </a:rPr>
-              <a:t> N, 40</a:t>
-            </a:r>
-            <a:r>
-              <a:rPr lang="en-US" sz="1400" b="1" baseline="60000">
-                <a:solidFill>
-                  <a:schemeClr val="tx1">
-                    <a:lumMod val="75000"/>
-                    <a:lumOff val="25000"/>
-                  </a:schemeClr>
-                </a:solidFill>
-                <a:effectLst>
-                  <a:outerShdw blurRad="38100" dist="38100" dir="2700000" algn="tl">
-                    <a:srgbClr val="C0C0C0"/>
-                  </a:outerShdw>
-                </a:effectLst>
-                <a:latin typeface="Arial" pitchFamily="34" charset="0"/>
-                <a:cs typeface="Arial" pitchFamily="34" charset="0"/>
-              </a:rPr>
-              <a:t>o</a:t>
-            </a:r>
-            <a:r>
-              <a:rPr lang="en-US" sz="2000" b="1">
-                <a:solidFill>
-                  <a:schemeClr val="tx1">
-                    <a:lumMod val="75000"/>
-                    <a:lumOff val="25000"/>
-                  </a:schemeClr>
-                </a:solidFill>
-                <a:effectLst>
-                  <a:outerShdw blurRad="38100" dist="38100" dir="2700000" algn="tl">
-                    <a:srgbClr val="C0C0C0"/>
-                  </a:outerShdw>
-                </a:effectLst>
-                <a:latin typeface="Arial" pitchFamily="34" charset="0"/>
-                <a:cs typeface="Arial" pitchFamily="34" charset="0"/>
-              </a:rPr>
-              <a:t> E</a:t>
-            </a:r>
-            <a:endParaRPr lang="en-US" sz="2800" b="1" baseline="40000">
-              <a:solidFill>
-                <a:schemeClr val="tx1">
-                  <a:lumMod val="75000"/>
-                  <a:lumOff val="25000"/>
-                </a:schemeClr>
-              </a:solidFill>
-              <a:effectLst>
-                <a:outerShdw blurRad="38100" dist="38100" dir="2700000" algn="tl">
-                  <a:srgbClr val="C0C0C0"/>
-                </a:outerShdw>
-              </a:effectLst>
-              <a:latin typeface="Arial" pitchFamily="34" charset="0"/>
-              <a:cs typeface="Arial" pitchFamily="34" charset="0"/>
-            </a:endParaRPr>
-          </a:p>
-        </p:txBody>
-      </p:sp>
-      <p:sp>
-        <p:nvSpPr>
-          <p:cNvPr id="16" name="Text Box 45"/>
-          <p:cNvSpPr txBox="1">
-            <a:spLocks noChangeArrowheads="1"/>
-          </p:cNvSpPr>
-          <p:nvPr/>
-        </p:nvSpPr>
-        <p:spPr bwMode="auto">
-          <a:xfrm>
-            <a:off x="6625977" y="4095750"/>
-            <a:ext cx="1671275" cy="477054"/>
-          </a:xfrm>
-          <a:prstGeom prst="rect">
-            <a:avLst/>
-          </a:prstGeom>
-          <a:solidFill>
-            <a:schemeClr val="bg1"/>
-          </a:solidFill>
-          <a:ln>
-            <a:noFill/>
-          </a:ln>
-          <a:effectLst/>
-          <a:extLst>
-            <a:ext uri="{91240B29-F687-4f45-9708-019B960494DF}">
-              <a14:hiddenLine xmlns:a14="http://schemas.microsoft.com/office/drawing/2010/main" w="9525">
-                <a:solidFill>
-                  <a:schemeClr val="tx1"/>
-                </a:solidFill>
-                <a:miter lim="800000"/>
-                <a:headEnd/>
-                <a:tailEnd/>
-              </a14:hiddenLine>
-            </a:ext>
-            <a:ext uri="{AF507438-7753-43e0-B8FC-AC1667EBCBE1}">
-              <a14:hiddenEffects xmlns:a14="http://schemas.microsoft.com/office/drawing/2010/main">
-                <a:effectLst>
-                  <a:outerShdw dist="35921" dir="2700000" algn="ctr" rotWithShape="0">
-                    <a:schemeClr val="bg2"/>
-                  </a:outerShdw>
-                </a:effectLst>
-              </a14:hiddenEffects>
-            </a:ext>
-          </a:extLst>
-        </p:spPr>
-        <p:txBody>
-          <a:bodyPr wrap="none">
-            <a:spAutoFit/>
-          </a:bodyPr>
-          <a:lstStyle/>
-          <a:p>
-            <a:pPr>
-              <a:lnSpc>
-                <a:spcPct val="130000"/>
-              </a:lnSpc>
-              <a:defRPr/>
-            </a:pPr>
-            <a:r>
-              <a:rPr lang="en-US" sz="2000" b="1">
-                <a:solidFill>
-                  <a:srgbClr val="404040"/>
-                </a:solidFill>
-                <a:effectLst>
-                  <a:outerShdw blurRad="38100" dist="38100" dir="2700000" algn="tl">
-                    <a:srgbClr val="C0C0C0"/>
-                  </a:outerShdw>
-                </a:effectLst>
-                <a:latin typeface="Arial" pitchFamily="34" charset="0"/>
-                <a:cs typeface="Arial" pitchFamily="34" charset="0"/>
-              </a:rPr>
-              <a:t>10</a:t>
-            </a:r>
-            <a:r>
-              <a:rPr lang="en-US" sz="1400" b="1" baseline="60000">
-                <a:solidFill>
-                  <a:srgbClr val="404040"/>
-                </a:solidFill>
-                <a:effectLst>
-                  <a:outerShdw blurRad="38100" dist="38100" dir="2700000" algn="tl">
-                    <a:srgbClr val="C0C0C0"/>
-                  </a:outerShdw>
-                </a:effectLst>
-                <a:latin typeface="Arial" pitchFamily="34" charset="0"/>
-                <a:cs typeface="Arial" pitchFamily="34" charset="0"/>
-              </a:rPr>
-              <a:t>o</a:t>
-            </a:r>
-            <a:r>
-              <a:rPr lang="en-US" sz="2000" b="1">
-                <a:solidFill>
-                  <a:srgbClr val="404040"/>
-                </a:solidFill>
-                <a:effectLst>
-                  <a:outerShdw blurRad="38100" dist="38100" dir="2700000" algn="tl">
-                    <a:srgbClr val="C0C0C0"/>
-                  </a:outerShdw>
-                </a:effectLst>
-                <a:latin typeface="Arial" pitchFamily="34" charset="0"/>
-                <a:cs typeface="Arial" pitchFamily="34" charset="0"/>
-              </a:rPr>
-              <a:t> S, 130</a:t>
-            </a:r>
-            <a:r>
-              <a:rPr lang="en-US" sz="1400" b="1" baseline="60000">
-                <a:solidFill>
-                  <a:srgbClr val="404040"/>
-                </a:solidFill>
-                <a:effectLst>
-                  <a:outerShdw blurRad="38100" dist="38100" dir="2700000" algn="tl">
-                    <a:srgbClr val="C0C0C0"/>
-                  </a:outerShdw>
-                </a:effectLst>
-                <a:latin typeface="Arial" pitchFamily="34" charset="0"/>
-                <a:cs typeface="Arial" pitchFamily="34" charset="0"/>
-              </a:rPr>
-              <a:t>o</a:t>
-            </a:r>
-            <a:r>
-              <a:rPr lang="en-US" sz="2000" b="1">
-                <a:solidFill>
-                  <a:srgbClr val="404040"/>
-                </a:solidFill>
-                <a:effectLst>
-                  <a:outerShdw blurRad="38100" dist="38100" dir="2700000" algn="tl">
-                    <a:srgbClr val="C0C0C0"/>
-                  </a:outerShdw>
-                </a:effectLst>
-                <a:latin typeface="Arial" pitchFamily="34" charset="0"/>
-                <a:cs typeface="Arial" pitchFamily="34" charset="0"/>
-              </a:rPr>
-              <a:t> E</a:t>
-            </a:r>
-            <a:endParaRPr lang="en-US" sz="2800" b="1" baseline="40000">
-              <a:solidFill>
-                <a:srgbClr val="404040"/>
-              </a:solidFill>
-              <a:effectLst>
-                <a:outerShdw blurRad="38100" dist="38100" dir="2700000" algn="tl">
-                  <a:srgbClr val="C0C0C0"/>
-                </a:outerShdw>
-              </a:effectLst>
-              <a:latin typeface="Arial" pitchFamily="34" charset="0"/>
-              <a:cs typeface="Arial" pitchFamily="34" charset="0"/>
-            </a:endParaRPr>
-          </a:p>
-        </p:txBody>
-      </p:sp>
-      <p:sp>
-        <p:nvSpPr>
-          <p:cNvPr id="17" name="Title 1"/>
-          <p:cNvSpPr txBox="1">
-            <a:spLocks/>
-          </p:cNvSpPr>
-          <p:nvPr/>
-        </p:nvSpPr>
-        <p:spPr>
-          <a:xfrm>
-            <a:off x="386628" y="116632"/>
-            <a:ext cx="8784976" cy="1008112"/>
-          </a:xfrm>
-          <a:prstGeom prst="rect">
-            <a:avLst/>
-          </a:prstGeom>
-        </p:spPr>
-        <p:txBody>
-          <a:bodyPr vert="horz" lIns="91440" tIns="45720" rIns="91440" bIns="45720" rtlCol="0" anchor="ctr">
-            <a:noAutofit/>
-          </a:bodyPr>
-          <a:lstStyle>
-            <a:lvl1pPr algn="ctr" defTabSz="914400" rtl="0" eaLnBrk="1" latinLnBrk="0" hangingPunct="1">
-              <a:spcBef>
-                <a:spcPct val="0"/>
-              </a:spcBef>
-              <a:buNone/>
-              <a:defRPr sz="4400" kern="1200">
-                <a:solidFill>
-                  <a:schemeClr val="tx1"/>
-                </a:solidFill>
-                <a:latin typeface="+mj-lt"/>
-                <a:ea typeface="+mj-ea"/>
-                <a:cs typeface="+mj-cs"/>
-              </a:defRPr>
-            </a:lvl1pPr>
-          </a:lstStyle>
-          <a:p>
-            <a:pPr algn="l"/>
-            <a:r>
-              <a:rPr lang="fr-FR" sz="2800" dirty="0">
-                <a:solidFill>
-                  <a:schemeClr val="tx1">
-                    <a:lumMod val="75000"/>
-                    <a:lumOff val="25000"/>
-                  </a:schemeClr>
-                </a:solidFill>
-                <a:effectLst>
-                  <a:outerShdw blurRad="50800" dist="38100" dir="2700000" algn="tl" rotWithShape="0">
-                    <a:schemeClr val="bg1">
-                      <a:alpha val="40000"/>
-                    </a:schemeClr>
-                  </a:outerShdw>
-                </a:effectLst>
-                <a:latin typeface="Futura"/>
-                <a:cs typeface="Futura"/>
-              </a:rPr>
-              <a:t>CRS &amp; MAP PROJECTIONS</a:t>
-            </a:r>
-          </a:p>
-        </p:txBody>
-      </p:sp>
-      <p:sp>
-        <p:nvSpPr>
-          <p:cNvPr id="18" name="Oval 3"/>
-          <p:cNvSpPr>
-            <a:spLocks noChangeArrowheads="1"/>
-          </p:cNvSpPr>
-          <p:nvPr/>
-        </p:nvSpPr>
-        <p:spPr bwMode="auto">
-          <a:xfrm>
-            <a:off x="1729775" y="2996952"/>
-            <a:ext cx="165100" cy="152400"/>
-          </a:xfrm>
-          <a:prstGeom prst="ellipse">
-            <a:avLst/>
-          </a:prstGeom>
-          <a:solidFill>
-            <a:srgbClr val="FF0000"/>
-          </a:solidFill>
-          <a:ln w="9525">
-            <a:noFill/>
-            <a:round/>
-            <a:headEnd/>
-            <a:tailEnd/>
-          </a:ln>
-          <a:effectLst/>
-          <a:extLst>
-            <a:ext uri="{AF507438-7753-43e0-B8FC-AC1667EBCBE1}">
-              <a14:hiddenEffects xmlns:a14="http://schemas.microsoft.com/office/drawing/2010/main">
-                <a:effectLst>
-                  <a:outerShdw dist="35921" dir="2700000" algn="ctr" rotWithShape="0">
-                    <a:schemeClr val="bg2"/>
-                  </a:outerShdw>
-                </a:effectLst>
-              </a14:hiddenEffects>
-            </a:ext>
-          </a:extLst>
-        </p:spPr>
-        <p:txBody>
-          <a:bodyPr wrap="none" anchor="ctr"/>
-          <a:lstStyle/>
-          <a:p>
-            <a:endParaRPr lang="fr-FR"/>
-          </a:p>
-        </p:txBody>
-      </p:sp>
-    </p:spTree>
-    <p:extLst>
-      <p:ext uri="{BB962C8B-B14F-4D97-AF65-F5344CB8AC3E}">
-        <p14:creationId xmlns:p14="http://schemas.microsoft.com/office/powerpoint/2010/main" val="3510266232"/>
-      </p:ext>
-    </p:extLst>
-  </p:cSld>
-  <p:clrMapOvr>
-    <a:masterClrMapping/>
-  </p:clrMapOvr>
-  <mc:AlternateContent xmlns:mc="http://schemas.openxmlformats.org/markup-compatibility/2006" xmlns:p14="http://schemas.microsoft.com/office/powerpoint/2010/main">
-    <mc:Choice Requires="p14">
-      <p:transition spd="med" p14:dur="700">
-        <p:fade/>
-      </p:transition>
-    </mc:Choice>
-    <mc:Fallback xmlns="">
-      <p:transition spd="med">
-        <p:fade/>
-      </p:transition>
-    </mc:Fallback>
-  </mc:AlternateContent>
-  <p:timing>
-    <p:tnLst>
-      <p:par>
-        <p:cTn xmlns:p14="http://schemas.microsoft.com/office/powerpoint/2010/main" id="1" dur="indefinite" restart="never" nodeType="tmRoot">
-          <p:childTnLst>
-            <p:seq concurrent="1" nextAc="seek">
-              <p:cTn id="2" dur="indefinite" nodeType="mainSeq">
-                <p:childTnLst>
-                  <p:par>
-                    <p:cTn id="3" fill="hold">
-                      <p:stCondLst>
-                        <p:cond delay="indefinite"/>
-                      </p:stCondLst>
-                      <p:childTnLst>
-                        <p:par>
-                          <p:cTn id="4" fill="hold">
-                            <p:stCondLst>
-                              <p:cond delay="0"/>
-                            </p:stCondLst>
-                            <p:childTnLst>
-                              <p:par>
-                                <p:cTn id="5" presetID="2" presetClass="entr" presetSubtype="8" fill="hold" grpId="0" nodeType="clickEffect">
-                                  <p:stCondLst>
-                                    <p:cond delay="0"/>
-                                  </p:stCondLst>
-                                  <p:childTnLst>
-                                    <p:set>
-                                      <p:cBhvr>
-                                        <p:cTn id="6" dur="1" fill="hold">
-                                          <p:stCondLst>
-                                            <p:cond delay="0"/>
-                                          </p:stCondLst>
-                                        </p:cTn>
-                                        <p:tgtEl>
-                                          <p:spTgt spid="13"/>
-                                        </p:tgtEl>
-                                        <p:attrNameLst>
-                                          <p:attrName>style.visibility</p:attrName>
-                                        </p:attrNameLst>
-                                      </p:cBhvr>
-                                      <p:to>
-                                        <p:strVal val="visible"/>
-                                      </p:to>
-                                    </p:set>
-                                    <p:anim calcmode="lin" valueType="num">
-                                      <p:cBhvr additive="base">
-                                        <p:cTn id="7" dur="500" fill="hold"/>
-                                        <p:tgtEl>
-                                          <p:spTgt spid="13"/>
-                                        </p:tgtEl>
-                                        <p:attrNameLst>
-                                          <p:attrName>ppt_x</p:attrName>
-                                        </p:attrNameLst>
-                                      </p:cBhvr>
-                                      <p:tavLst>
-                                        <p:tav tm="0">
-                                          <p:val>
-                                            <p:strVal val="0-#ppt_w/2"/>
-                                          </p:val>
-                                        </p:tav>
-                                        <p:tav tm="100000">
-                                          <p:val>
-                                            <p:strVal val="#ppt_x"/>
-                                          </p:val>
-                                        </p:tav>
-                                      </p:tavLst>
-                                    </p:anim>
-                                    <p:anim calcmode="lin" valueType="num">
-                                      <p:cBhvr additive="base">
-                                        <p:cTn id="8" dur="500" fill="hold"/>
-                                        <p:tgtEl>
-                                          <p:spTgt spid="13"/>
-                                        </p:tgtEl>
-                                        <p:attrNameLst>
-                                          <p:attrName>ppt_y</p:attrName>
-                                        </p:attrNameLst>
-                                      </p:cBhvr>
-                                      <p:tavLst>
-                                        <p:tav tm="0">
-                                          <p:val>
-                                            <p:strVal val="#ppt_y"/>
-                                          </p:val>
-                                        </p:tav>
-                                        <p:tav tm="100000">
-                                          <p:val>
-                                            <p:strVal val="#ppt_y"/>
-                                          </p:val>
-                                        </p:tav>
-                                      </p:tavLst>
-                                    </p:anim>
-                                  </p:childTnLst>
-                                </p:cTn>
-                              </p:par>
-                            </p:childTnLst>
-                          </p:cTn>
-                        </p:par>
-                      </p:childTnLst>
-                    </p:cTn>
-                  </p:par>
-                  <p:par>
-                    <p:cTn id="9" fill="hold">
-                      <p:stCondLst>
-                        <p:cond delay="indefinite"/>
-                      </p:stCondLst>
-                      <p:childTnLst>
-                        <p:par>
-                          <p:cTn id="10" fill="hold">
-                            <p:stCondLst>
-                              <p:cond delay="0"/>
-                            </p:stCondLst>
-                            <p:childTnLst>
-                              <p:par>
-                                <p:cTn id="11" presetID="2" presetClass="entr" presetSubtype="4" fill="hold" grpId="0" nodeType="clickEffect">
-                                  <p:stCondLst>
-                                    <p:cond delay="0"/>
-                                  </p:stCondLst>
-                                  <p:childTnLst>
-                                    <p:set>
-                                      <p:cBhvr>
-                                        <p:cTn id="12" dur="1" fill="hold">
-                                          <p:stCondLst>
-                                            <p:cond delay="0"/>
-                                          </p:stCondLst>
-                                        </p:cTn>
-                                        <p:tgtEl>
-                                          <p:spTgt spid="14"/>
-                                        </p:tgtEl>
-                                        <p:attrNameLst>
-                                          <p:attrName>style.visibility</p:attrName>
-                                        </p:attrNameLst>
-                                      </p:cBhvr>
-                                      <p:to>
-                                        <p:strVal val="visible"/>
-                                      </p:to>
-                                    </p:set>
-                                    <p:anim calcmode="lin" valueType="num">
-                                      <p:cBhvr additive="base">
-                                        <p:cTn id="13" dur="500" fill="hold"/>
-                                        <p:tgtEl>
-                                          <p:spTgt spid="14"/>
-                                        </p:tgtEl>
-                                        <p:attrNameLst>
-                                          <p:attrName>ppt_x</p:attrName>
-                                        </p:attrNameLst>
-                                      </p:cBhvr>
-                                      <p:tavLst>
-                                        <p:tav tm="0">
-                                          <p:val>
-                                            <p:strVal val="#ppt_x"/>
-                                          </p:val>
-                                        </p:tav>
-                                        <p:tav tm="100000">
-                                          <p:val>
-                                            <p:strVal val="#ppt_x"/>
-                                          </p:val>
-                                        </p:tav>
-                                      </p:tavLst>
-                                    </p:anim>
-                                    <p:anim calcmode="lin" valueType="num">
-                                      <p:cBhvr additive="base">
-                                        <p:cTn id="14" dur="500" fill="hold"/>
-                                        <p:tgtEl>
-                                          <p:spTgt spid="14"/>
-                                        </p:tgtEl>
-                                        <p:attrNameLst>
-                                          <p:attrName>ppt_y</p:attrName>
-                                        </p:attrNameLst>
-                                      </p:cBhvr>
-                                      <p:tavLst>
-                                        <p:tav tm="0">
-                                          <p:val>
-                                            <p:strVal val="1+#ppt_h/2"/>
-                                          </p:val>
-                                        </p:tav>
-                                        <p:tav tm="100000">
-                                          <p:val>
-                                            <p:strVal val="#ppt_y"/>
-                                          </p:val>
-                                        </p:tav>
-                                      </p:tavLst>
-                                    </p:anim>
-                                  </p:childTnLst>
-                                </p:cTn>
-                              </p:par>
-                            </p:childTnLst>
-                          </p:cTn>
-                        </p:par>
-                      </p:childTnLst>
-                    </p:cTn>
-                  </p:par>
-                  <p:par>
-                    <p:cTn id="15" fill="hold">
-                      <p:stCondLst>
-                        <p:cond delay="indefinite"/>
-                      </p:stCondLst>
-                      <p:childTnLst>
-                        <p:par>
-                          <p:cTn id="16" fill="hold">
-                            <p:stCondLst>
-                              <p:cond delay="0"/>
-                            </p:stCondLst>
-                            <p:childTnLst>
-                              <p:par>
-                                <p:cTn id="17" presetID="2" presetClass="entr" presetSubtype="1" fill="hold" grpId="0" nodeType="clickEffect">
-                                  <p:stCondLst>
-                                    <p:cond delay="0"/>
-                                  </p:stCondLst>
-                                  <p:childTnLst>
-                                    <p:set>
-                                      <p:cBhvr>
-                                        <p:cTn id="18" dur="1" fill="hold">
-                                          <p:stCondLst>
-                                            <p:cond delay="0"/>
-                                          </p:stCondLst>
-                                        </p:cTn>
-                                        <p:tgtEl>
-                                          <p:spTgt spid="15"/>
-                                        </p:tgtEl>
-                                        <p:attrNameLst>
-                                          <p:attrName>style.visibility</p:attrName>
-                                        </p:attrNameLst>
-                                      </p:cBhvr>
-                                      <p:to>
-                                        <p:strVal val="visible"/>
-                                      </p:to>
-                                    </p:set>
-                                    <p:anim calcmode="lin" valueType="num">
-                                      <p:cBhvr additive="base">
-                                        <p:cTn id="19" dur="500" fill="hold"/>
-                                        <p:tgtEl>
-                                          <p:spTgt spid="15"/>
-                                        </p:tgtEl>
-                                        <p:attrNameLst>
-                                          <p:attrName>ppt_x</p:attrName>
-                                        </p:attrNameLst>
-                                      </p:cBhvr>
-                                      <p:tavLst>
-                                        <p:tav tm="0">
-                                          <p:val>
-                                            <p:strVal val="#ppt_x"/>
-                                          </p:val>
-                                        </p:tav>
-                                        <p:tav tm="100000">
-                                          <p:val>
-                                            <p:strVal val="#ppt_x"/>
-                                          </p:val>
-                                        </p:tav>
-                                      </p:tavLst>
-                                    </p:anim>
-                                    <p:anim calcmode="lin" valueType="num">
-                                      <p:cBhvr additive="base">
-                                        <p:cTn id="20" dur="500" fill="hold"/>
-                                        <p:tgtEl>
-                                          <p:spTgt spid="15"/>
-                                        </p:tgtEl>
-                                        <p:attrNameLst>
-                                          <p:attrName>ppt_y</p:attrName>
-                                        </p:attrNameLst>
-                                      </p:cBhvr>
-                                      <p:tavLst>
-                                        <p:tav tm="0">
-                                          <p:val>
-                                            <p:strVal val="0-#ppt_h/2"/>
-                                          </p:val>
-                                        </p:tav>
-                                        <p:tav tm="100000">
-                                          <p:val>
-                                            <p:strVal val="#ppt_y"/>
-                                          </p:val>
-                                        </p:tav>
-                                      </p:tavLst>
-                                    </p:anim>
-                                  </p:childTnLst>
-                                </p:cTn>
-                              </p:par>
-                            </p:childTnLst>
-                          </p:cTn>
-                        </p:par>
-                      </p:childTnLst>
-                    </p:cTn>
-                  </p:par>
-                  <p:par>
-                    <p:cTn id="21" fill="hold">
-                      <p:stCondLst>
-                        <p:cond delay="indefinite"/>
-                      </p:stCondLst>
-                      <p:childTnLst>
-                        <p:par>
-                          <p:cTn id="22" fill="hold">
-                            <p:stCondLst>
-                              <p:cond delay="0"/>
-                            </p:stCondLst>
-                            <p:childTnLst>
-                              <p:par>
-                                <p:cTn id="23" presetID="2" presetClass="entr" presetSubtype="2" fill="hold" grpId="0" nodeType="clickEffect">
-                                  <p:stCondLst>
-                                    <p:cond delay="0"/>
-                                  </p:stCondLst>
-                                  <p:childTnLst>
-                                    <p:set>
-                                      <p:cBhvr>
-                                        <p:cTn id="24" dur="1" fill="hold">
-                                          <p:stCondLst>
-                                            <p:cond delay="0"/>
-                                          </p:stCondLst>
-                                        </p:cTn>
-                                        <p:tgtEl>
-                                          <p:spTgt spid="16"/>
-                                        </p:tgtEl>
-                                        <p:attrNameLst>
-                                          <p:attrName>style.visibility</p:attrName>
-                                        </p:attrNameLst>
-                                      </p:cBhvr>
-                                      <p:to>
-                                        <p:strVal val="visible"/>
-                                      </p:to>
-                                    </p:set>
-                                    <p:anim calcmode="lin" valueType="num">
-                                      <p:cBhvr additive="base">
-                                        <p:cTn id="25" dur="500" fill="hold"/>
-                                        <p:tgtEl>
-                                          <p:spTgt spid="16"/>
-                                        </p:tgtEl>
-                                        <p:attrNameLst>
-                                          <p:attrName>ppt_x</p:attrName>
-                                        </p:attrNameLst>
-                                      </p:cBhvr>
-                                      <p:tavLst>
-                                        <p:tav tm="0">
-                                          <p:val>
-                                            <p:strVal val="1+#ppt_w/2"/>
-                                          </p:val>
-                                        </p:tav>
-                                        <p:tav tm="100000">
-                                          <p:val>
-                                            <p:strVal val="#ppt_x"/>
-                                          </p:val>
-                                        </p:tav>
-                                      </p:tavLst>
-                                    </p:anim>
-                                    <p:anim calcmode="lin" valueType="num">
-                                      <p:cBhvr additive="base">
-                                        <p:cTn id="26" dur="500" fill="hold"/>
-                                        <p:tgtEl>
-                                          <p:spTgt spid="16"/>
-                                        </p:tgtEl>
-                                        <p:attrNameLst>
-                                          <p:attrName>ppt_y</p:attrName>
-                                        </p:attrNameLst>
-                                      </p:cBhvr>
-                                      <p:tavLst>
-                                        <p:tav tm="0">
-                                          <p:val>
-                                            <p:strVal val="#ppt_y"/>
-                                          </p:val>
-                                        </p:tav>
-                                        <p:tav tm="100000">
-                                          <p:val>
-                                            <p:strVal val="#ppt_y"/>
-                                          </p:val>
-                                        </p:tav>
-                                      </p:tavLst>
-                                    </p:anim>
-                                  </p:childTnLst>
-                                </p:cTn>
-                              </p:par>
-                            </p:childTnLst>
-                          </p:cTn>
-                        </p:par>
-                      </p:childTnLst>
-                    </p:cTn>
-                  </p:par>
-                </p:childTnLst>
-              </p:cTn>
-              <p:prevCondLst>
-                <p:cond evt="onPrev" delay="0">
-                  <p:tgtEl>
-                    <p:sldTgt/>
-                  </p:tgtEl>
-                </p:cond>
-              </p:prevCondLst>
-              <p:nextCondLst>
-                <p:cond evt="onNext" delay="0">
-                  <p:tgtEl>
-                    <p:sldTgt/>
-                  </p:tgtEl>
-                </p:cond>
-              </p:nextCondLst>
-            </p:seq>
-          </p:childTnLst>
-        </p:cTn>
-      </p:par>
-    </p:tnLst>
-    <p:bldLst>
-      <p:bldP spid="13" grpId="0" animBg="1"/>
-      <p:bldP spid="14" grpId="0" animBg="1"/>
-      <p:bldP spid="15" grpId="0" animBg="1"/>
-      <p:bldP spid="16" grpId="0" animBg="1"/>
-    </p:bldLst>
-  </p:timing>
-</p:sld>
-</file>
-
-<file path=ppt/slides/slide7.xml><?xml version="1.0" encoding="utf-8"?>
-<p:sld xmlns:a="http://schemas.openxmlformats.org/drawingml/2006/main" xmlns:r="http://schemas.openxmlformats.org/officeDocument/2006/relationships" xmlns:p="http://schemas.openxmlformats.org/presentationml/2006/main" showMasterSp="0">
-  <p:cSld>
-    <p:spTree>
-      <p:nvGrpSpPr>
-        <p:cNvPr id="1" name=""/>
-        <p:cNvGrpSpPr/>
-        <p:nvPr/>
-      </p:nvGrpSpPr>
-      <p:grpSpPr>
-        <a:xfrm>
-          <a:off x="0" y="0"/>
-          <a:ext cx="0" cy="0"/>
-          <a:chOff x="0" y="0"/>
-          <a:chExt cx="0" cy="0"/>
-        </a:xfrm>
-      </p:grpSpPr>
-      <p:sp>
-        <p:nvSpPr>
-          <p:cNvPr id="7" name="Subtitle 2"/>
-          <p:cNvSpPr txBox="1">
-            <a:spLocks/>
-          </p:cNvSpPr>
-          <p:nvPr/>
-        </p:nvSpPr>
-        <p:spPr>
-          <a:xfrm>
-            <a:off x="231102" y="2204864"/>
-            <a:ext cx="8517362" cy="936104"/>
-          </a:xfrm>
-          <a:prstGeom prst="rect">
-            <a:avLst/>
-          </a:prstGeom>
-        </p:spPr>
-        <p:txBody>
-          <a:bodyPr vert="horz" lIns="91440" tIns="45720" rIns="91440" bIns="45720" rtlCol="0">
-            <a:noAutofit/>
-          </a:bodyPr>
-          <a:lstStyle>
-            <a:lvl1pPr marL="0" indent="0" algn="ctr" defTabSz="914400" rtl="0" eaLnBrk="1" latinLnBrk="0" hangingPunct="1">
-              <a:spcBef>
-                <a:spcPct val="20000"/>
-              </a:spcBef>
-              <a:buFont typeface="Arial" pitchFamily="34" charset="0"/>
-              <a:buNone/>
-              <a:defRPr sz="3200" kern="1200">
-                <a:solidFill>
-                  <a:schemeClr val="tx1">
-                    <a:tint val="75000"/>
-                  </a:schemeClr>
-                </a:solidFill>
-                <a:latin typeface="+mn-lt"/>
-                <a:ea typeface="+mn-ea"/>
-                <a:cs typeface="+mn-cs"/>
-              </a:defRPr>
-            </a:lvl1pPr>
-            <a:lvl2pPr marL="457200" indent="0" algn="ctr" defTabSz="914400" rtl="0" eaLnBrk="1" latinLnBrk="0" hangingPunct="1">
-              <a:spcBef>
-                <a:spcPct val="20000"/>
-              </a:spcBef>
-              <a:buFont typeface="Arial" pitchFamily="34" charset="0"/>
-              <a:buNone/>
-              <a:defRPr sz="2800" kern="1200">
-                <a:solidFill>
-                  <a:schemeClr val="tx1">
-                    <a:tint val="75000"/>
-                  </a:schemeClr>
-                </a:solidFill>
-                <a:latin typeface="+mn-lt"/>
-                <a:ea typeface="+mn-ea"/>
-                <a:cs typeface="+mn-cs"/>
-              </a:defRPr>
-            </a:lvl2pPr>
-            <a:lvl3pPr marL="914400" indent="0" algn="ctr" defTabSz="914400" rtl="0" eaLnBrk="1" latinLnBrk="0" hangingPunct="1">
-              <a:spcBef>
-                <a:spcPct val="20000"/>
-              </a:spcBef>
-              <a:buFont typeface="Arial" pitchFamily="34" charset="0"/>
-              <a:buNone/>
-              <a:defRPr sz="2400" kern="1200">
-                <a:solidFill>
-                  <a:schemeClr val="tx1">
-                    <a:tint val="75000"/>
-                  </a:schemeClr>
-                </a:solidFill>
-                <a:latin typeface="+mn-lt"/>
-                <a:ea typeface="+mn-ea"/>
-                <a:cs typeface="+mn-cs"/>
-              </a:defRPr>
-            </a:lvl3pPr>
-            <a:lvl4pPr marL="1371600" indent="0" algn="ctr" defTabSz="914400" rtl="0" eaLnBrk="1" latinLnBrk="0" hangingPunct="1">
-              <a:spcBef>
-                <a:spcPct val="20000"/>
-              </a:spcBef>
-              <a:buFont typeface="Arial" pitchFamily="34" charset="0"/>
-              <a:buNone/>
-              <a:defRPr sz="2000" kern="1200">
-                <a:solidFill>
-                  <a:schemeClr val="tx1">
-                    <a:tint val="75000"/>
-                  </a:schemeClr>
-                </a:solidFill>
-                <a:latin typeface="+mn-lt"/>
-                <a:ea typeface="+mn-ea"/>
-                <a:cs typeface="+mn-cs"/>
-              </a:defRPr>
-            </a:lvl4pPr>
-            <a:lvl5pPr marL="1828800" indent="0" algn="ctr" defTabSz="914400" rtl="0" eaLnBrk="1" latinLnBrk="0" hangingPunct="1">
-              <a:spcBef>
-                <a:spcPct val="20000"/>
-              </a:spcBef>
-              <a:buFont typeface="Arial" pitchFamily="34" charset="0"/>
-              <a:buNone/>
-              <a:defRPr sz="2000" kern="1200">
-                <a:solidFill>
-                  <a:schemeClr val="tx1">
-                    <a:tint val="75000"/>
-                  </a:schemeClr>
-                </a:solidFill>
-                <a:latin typeface="+mn-lt"/>
-                <a:ea typeface="+mn-ea"/>
-                <a:cs typeface="+mn-cs"/>
-              </a:defRPr>
-            </a:lvl5pPr>
-            <a:lvl6pPr marL="2286000" indent="0" algn="ctr" defTabSz="914400" rtl="0" eaLnBrk="1" latinLnBrk="0" hangingPunct="1">
-              <a:spcBef>
-                <a:spcPct val="20000"/>
-              </a:spcBef>
-              <a:buFont typeface="Arial" pitchFamily="34" charset="0"/>
-              <a:buNone/>
-              <a:defRPr sz="2000" kern="1200">
-                <a:solidFill>
-                  <a:schemeClr val="tx1">
-                    <a:tint val="75000"/>
-                  </a:schemeClr>
-                </a:solidFill>
-                <a:latin typeface="+mn-lt"/>
-                <a:ea typeface="+mn-ea"/>
-                <a:cs typeface="+mn-cs"/>
-              </a:defRPr>
-            </a:lvl6pPr>
-            <a:lvl7pPr marL="2743200" indent="0" algn="ctr" defTabSz="914400" rtl="0" eaLnBrk="1" latinLnBrk="0" hangingPunct="1">
-              <a:spcBef>
-                <a:spcPct val="20000"/>
-              </a:spcBef>
-              <a:buFont typeface="Arial" pitchFamily="34" charset="0"/>
-              <a:buNone/>
-              <a:defRPr sz="2000" kern="1200">
-                <a:solidFill>
-                  <a:schemeClr val="tx1">
-                    <a:tint val="75000"/>
-                  </a:schemeClr>
-                </a:solidFill>
-                <a:latin typeface="+mn-lt"/>
-                <a:ea typeface="+mn-ea"/>
-                <a:cs typeface="+mn-cs"/>
-              </a:defRPr>
-            </a:lvl7pPr>
-            <a:lvl8pPr marL="3200400" indent="0" algn="ctr" defTabSz="914400" rtl="0" eaLnBrk="1" latinLnBrk="0" hangingPunct="1">
-              <a:spcBef>
-                <a:spcPct val="20000"/>
-              </a:spcBef>
-              <a:buFont typeface="Arial" pitchFamily="34" charset="0"/>
-              <a:buNone/>
-              <a:defRPr sz="2000" kern="1200">
-                <a:solidFill>
-                  <a:schemeClr val="tx1">
-                    <a:tint val="75000"/>
-                  </a:schemeClr>
-                </a:solidFill>
-                <a:latin typeface="+mn-lt"/>
-                <a:ea typeface="+mn-ea"/>
-                <a:cs typeface="+mn-cs"/>
-              </a:defRPr>
-            </a:lvl8pPr>
-            <a:lvl9pPr marL="3657600" indent="0" algn="ctr" defTabSz="914400" rtl="0" eaLnBrk="1" latinLnBrk="0" hangingPunct="1">
-              <a:spcBef>
-                <a:spcPct val="20000"/>
-              </a:spcBef>
-              <a:buFont typeface="Arial" pitchFamily="34" charset="0"/>
-              <a:buNone/>
-              <a:defRPr sz="2000" kern="1200">
-                <a:solidFill>
-                  <a:schemeClr val="tx1">
-                    <a:tint val="75000"/>
-                  </a:schemeClr>
-                </a:solidFill>
-                <a:latin typeface="+mn-lt"/>
-                <a:ea typeface="+mn-ea"/>
-                <a:cs typeface="+mn-cs"/>
-              </a:defRPr>
-            </a:lvl9pPr>
-          </a:lstStyle>
-          <a:p>
-            <a:pPr marL="571500" indent="-571500">
-              <a:buFont typeface="Arial" pitchFamily="34" charset="0"/>
-              <a:buChar char="•"/>
-            </a:pPr>
-            <a:endParaRPr lang="fr-FR" sz="4400" dirty="0" smtClean="0">
-              <a:solidFill>
-                <a:schemeClr val="bg2"/>
-              </a:solidFill>
-            </a:endParaRPr>
-          </a:p>
           <a:p>
             <a:endParaRPr lang="fr-FR" sz="4400" dirty="0">
               <a:solidFill>
@@ -7963,70 +7879,6 @@
           </a:p>
         </p:txBody>
       </p:sp>
-      <p:pic>
-        <p:nvPicPr>
-          <p:cNvPr id="2050" name="Picture 2"/>
-          <p:cNvPicPr>
-            <a:picLocks noChangeAspect="1" noChangeArrowheads="1"/>
-          </p:cNvPicPr>
-          <p:nvPr/>
-        </p:nvPicPr>
-        <p:blipFill>
-          <a:blip r:embed="rId3">
-            <a:extLst>
-              <a:ext uri="{28A0092B-C50C-407E-A947-70E740481C1C}">
-                <a14:useLocalDpi xmlns:a14="http://schemas.microsoft.com/office/drawing/2010/main" val="0"/>
-              </a:ext>
-            </a:extLst>
-          </a:blip>
-          <a:srcRect/>
-          <a:stretch>
-            <a:fillRect/>
-          </a:stretch>
-        </p:blipFill>
-        <p:spPr bwMode="auto">
-          <a:xfrm>
-            <a:off x="998384" y="1124744"/>
-            <a:ext cx="6982798" cy="5328592"/>
-          </a:xfrm>
-          <a:prstGeom prst="rect">
-            <a:avLst/>
-          </a:prstGeom>
-          <a:noFill/>
-          <a:ln>
-            <a:noFill/>
-          </a:ln>
-          <a:effectLst/>
-          <a:extLst>
-            <a:ext uri="{909E8E84-426E-40dd-AFC4-6F175D3DCCD1}">
-              <a14:hiddenFill xmlns:a14="http://schemas.microsoft.com/office/drawing/2010/main">
-                <a:solidFill>
-                  <a:schemeClr val="accent1"/>
-                </a:solidFill>
-              </a14:hiddenFill>
-            </a:ext>
-            <a:ext uri="{91240B29-F687-4f45-9708-019B960494DF}">
-              <a14:hiddenLine xmlns:a14="http://schemas.microsoft.com/office/drawing/2010/main" w="9525">
-                <a:solidFill>
-                  <a:schemeClr val="tx1"/>
-                </a:solidFill>
-                <a:miter lim="800000"/>
-                <a:headEnd/>
-                <a:tailEnd/>
-              </a14:hiddenLine>
-            </a:ext>
-            <a:ext uri="{AF507438-7753-43e0-B8FC-AC1667EBCBE1}">
-              <a14:hiddenEffects xmlns:a14="http://schemas.microsoft.com/office/drawing/2010/main">
-                <a:effectLst>
-                  <a:outerShdw dist="35921" dir="2700000" algn="ctr" rotWithShape="0">
-                    <a:schemeClr val="bg2"/>
-                  </a:outerShdw>
-                </a:effectLst>
-              </a14:hiddenEffects>
-            </a:ext>
-          </a:extLst>
-        </p:spPr>
-      </p:pic>
       <p:sp>
         <p:nvSpPr>
           <p:cNvPr id="8" name="Title 1"/>
@@ -8037,8 +7889,8 @@
         </p:nvSpPr>
         <p:spPr>
           <a:xfrm>
-            <a:off x="323528" y="44624"/>
-            <a:ext cx="8784976" cy="1008112"/>
+            <a:off x="180000" y="0"/>
+            <a:ext cx="7848872" cy="1008112"/>
           </a:xfrm>
           <a:prstGeom prst="rect">
             <a:avLst/>
@@ -8085,6 +7937,61 @@
                 <a:cs typeface="Futura"/>
               </a:rPr>
               <a:t>FLATTEN THE WORLD</a:t>
+            </a:r>
+          </a:p>
+        </p:txBody>
+      </p:sp>
+      <p:pic>
+        <p:nvPicPr>
+          <p:cNvPr id="2" name="Picture 1"/>
+          <p:cNvPicPr>
+            <a:picLocks noChangeAspect="1"/>
+          </p:cNvPicPr>
+          <p:nvPr/>
+        </p:nvPicPr>
+        <p:blipFill>
+          <a:blip r:embed="rId3"/>
+          <a:stretch>
+            <a:fillRect/>
+          </a:stretch>
+        </p:blipFill>
+        <p:spPr>
+          <a:xfrm>
+            <a:off x="2051720" y="980728"/>
+            <a:ext cx="4918716" cy="5301208"/>
+          </a:xfrm>
+          <a:prstGeom prst="rect">
+            <a:avLst/>
+          </a:prstGeom>
+        </p:spPr>
+      </p:pic>
+      <p:sp>
+        <p:nvSpPr>
+          <p:cNvPr id="6" name="Rectangle 5"/>
+          <p:cNvSpPr/>
+          <p:nvPr/>
+        </p:nvSpPr>
+        <p:spPr>
+          <a:xfrm>
+            <a:off x="197274" y="692696"/>
+            <a:ext cx="2608278" cy="338554"/>
+          </a:xfrm>
+          <a:prstGeom prst="rect">
+            <a:avLst/>
+          </a:prstGeom>
+        </p:spPr>
+        <p:txBody>
+          <a:bodyPr wrap="none">
+            <a:spAutoFit/>
+          </a:bodyPr>
+          <a:lstStyle/>
+          <a:p>
+            <a:r>
+              <a:rPr lang="en-US" sz="1600">
+                <a:latin typeface="Futura Condensed"/>
+                <a:cs typeface="Futura Condensed"/>
+              </a:rPr>
+              <a:t>http://www.progonos.com/furuti</a:t>
             </a:r>
           </a:p>
         </p:txBody>
@@ -8111,18 +8018,11 @@
       </p:transition>
     </mc:Fallback>
   </mc:AlternateContent>
-  <p:timing>
-    <p:tnLst>
-      <p:par>
-        <p:cTn xmlns:p14="http://schemas.microsoft.com/office/powerpoint/2010/main" id="1" dur="indefinite" restart="never" nodeType="tmRoot"/>
-      </p:par>
-    </p:tnLst>
-  </p:timing>
 </p:sld>
 </file>
 
-<file path=ppt/slides/slide8.xml><?xml version="1.0" encoding="utf-8"?>
-<p:sld xmlns:a="http://schemas.openxmlformats.org/drawingml/2006/main" xmlns:r="http://schemas.openxmlformats.org/officeDocument/2006/relationships" xmlns:p="http://schemas.openxmlformats.org/presentationml/2006/main" showMasterSp="0">
+<file path=ppt/slides/slide7.xml><?xml version="1.0" encoding="utf-8"?>
+<p:sld xmlns:a="http://schemas.openxmlformats.org/drawingml/2006/main" xmlns:r="http://schemas.openxmlformats.org/officeDocument/2006/relationships" xmlns:p="http://schemas.openxmlformats.org/presentationml/2006/main">
   <p:cSld>
     <p:spTree>
       <p:nvGrpSpPr>
@@ -8319,216 +8219,24 @@
               <a:buFont typeface="Arial" pitchFamily="34" charset="0"/>
               <a:buChar char="•"/>
             </a:pPr>
-            <a:endParaRPr lang="fr-FR" sz="4400" dirty="0" smtClean="0">
-              <a:solidFill>
-                <a:schemeClr val="bg2"/>
-              </a:solidFill>
-            </a:endParaRPr>
-          </a:p>
-          <a:p>
             <a:endParaRPr lang="fr-FR" sz="4400" dirty="0">
               <a:solidFill>
                 <a:schemeClr val="bg2"/>
               </a:solidFill>
             </a:endParaRPr>
           </a:p>
-        </p:txBody>
-      </p:sp>
-      <p:pic>
-        <p:nvPicPr>
-          <p:cNvPr id="3075" name="Picture 3"/>
-          <p:cNvPicPr>
-            <a:picLocks noChangeAspect="1" noChangeArrowheads="1"/>
-          </p:cNvPicPr>
-          <p:nvPr/>
-        </p:nvPicPr>
-        <p:blipFill>
-          <a:blip r:embed="rId3">
-            <a:extLst>
-              <a:ext uri="{28A0092B-C50C-407E-A947-70E740481C1C}">
-                <a14:useLocalDpi xmlns:a14="http://schemas.microsoft.com/office/drawing/2010/main" val="0"/>
-              </a:ext>
-            </a:extLst>
-          </a:blip>
-          <a:srcRect/>
-          <a:stretch>
-            <a:fillRect/>
-          </a:stretch>
-        </p:blipFill>
-        <p:spPr bwMode="auto">
-          <a:xfrm>
-            <a:off x="231102" y="1094049"/>
-            <a:ext cx="3333750" cy="2590800"/>
-          </a:xfrm>
-          <a:prstGeom prst="rect">
-            <a:avLst/>
-          </a:prstGeom>
-          <a:noFill/>
-          <a:ln>
-            <a:noFill/>
-          </a:ln>
-          <a:effectLst/>
-          <a:extLst>
-            <a:ext uri="{909E8E84-426E-40dd-AFC4-6F175D3DCCD1}">
-              <a14:hiddenFill xmlns:a14="http://schemas.microsoft.com/office/drawing/2010/main">
-                <a:solidFill>
-                  <a:schemeClr val="accent1"/>
-                </a:solidFill>
-              </a14:hiddenFill>
-            </a:ext>
-            <a:ext uri="{91240B29-F687-4f45-9708-019B960494DF}">
-              <a14:hiddenLine xmlns:a14="http://schemas.microsoft.com/office/drawing/2010/main" w="9525">
-                <a:solidFill>
-                  <a:schemeClr val="tx1"/>
-                </a:solidFill>
-                <a:miter lim="800000"/>
-                <a:headEnd/>
-                <a:tailEnd/>
-              </a14:hiddenLine>
-            </a:ext>
-            <a:ext uri="{AF507438-7753-43e0-B8FC-AC1667EBCBE1}">
-              <a14:hiddenEffects xmlns:a14="http://schemas.microsoft.com/office/drawing/2010/main">
-                <a:effectLst>
-                  <a:outerShdw dist="35921" dir="2700000" algn="ctr" rotWithShape="0">
-                    <a:schemeClr val="bg2"/>
-                  </a:outerShdw>
-                </a:effectLst>
-              </a14:hiddenEffects>
-            </a:ext>
-          </a:extLst>
-        </p:spPr>
-      </p:pic>
-      <p:pic>
-        <p:nvPicPr>
-          <p:cNvPr id="3076" name="Picture 4"/>
-          <p:cNvPicPr>
-            <a:picLocks noChangeAspect="1" noChangeArrowheads="1"/>
-          </p:cNvPicPr>
-          <p:nvPr/>
-        </p:nvPicPr>
-        <p:blipFill>
-          <a:blip r:embed="rId4">
-            <a:extLst>
-              <a:ext uri="{28A0092B-C50C-407E-A947-70E740481C1C}">
-                <a14:useLocalDpi xmlns:a14="http://schemas.microsoft.com/office/drawing/2010/main" val="0"/>
-              </a:ext>
-            </a:extLst>
-          </a:blip>
-          <a:srcRect/>
-          <a:stretch>
-            <a:fillRect/>
-          </a:stretch>
-        </p:blipFill>
-        <p:spPr bwMode="auto">
-          <a:xfrm>
-            <a:off x="3779911" y="989274"/>
-            <a:ext cx="5191125" cy="2800350"/>
-          </a:xfrm>
-          <a:prstGeom prst="rect">
-            <a:avLst/>
-          </a:prstGeom>
-          <a:noFill/>
-          <a:ln>
-            <a:noFill/>
-          </a:ln>
-          <a:effectLst/>
-          <a:extLst>
-            <a:ext uri="{909E8E84-426E-40dd-AFC4-6F175D3DCCD1}">
-              <a14:hiddenFill xmlns:a14="http://schemas.microsoft.com/office/drawing/2010/main">
-                <a:solidFill>
-                  <a:schemeClr val="accent1"/>
-                </a:solidFill>
-              </a14:hiddenFill>
-            </a:ext>
-            <a:ext uri="{91240B29-F687-4f45-9708-019B960494DF}">
-              <a14:hiddenLine xmlns:a14="http://schemas.microsoft.com/office/drawing/2010/main" w="9525">
-                <a:solidFill>
-                  <a:schemeClr val="tx1"/>
-                </a:solidFill>
-                <a:miter lim="800000"/>
-                <a:headEnd/>
-                <a:tailEnd/>
-              </a14:hiddenLine>
-            </a:ext>
-            <a:ext uri="{AF507438-7753-43e0-B8FC-AC1667EBCBE1}">
-              <a14:hiddenEffects xmlns:a14="http://schemas.microsoft.com/office/drawing/2010/main">
-                <a:effectLst>
-                  <a:outerShdw dist="35921" dir="2700000" algn="ctr" rotWithShape="0">
-                    <a:schemeClr val="bg2"/>
-                  </a:outerShdw>
-                </a:effectLst>
-              </a14:hiddenEffects>
-            </a:ext>
-          </a:extLst>
-        </p:spPr>
-      </p:pic>
-      <p:pic>
-        <p:nvPicPr>
-          <p:cNvPr id="3077" name="Picture 5"/>
-          <p:cNvPicPr>
-            <a:picLocks noChangeAspect="1" noChangeArrowheads="1"/>
-          </p:cNvPicPr>
-          <p:nvPr/>
-        </p:nvPicPr>
-        <p:blipFill>
-          <a:blip r:embed="rId5">
-            <a:extLst>
-              <a:ext uri="{28A0092B-C50C-407E-A947-70E740481C1C}">
-                <a14:useLocalDpi xmlns:a14="http://schemas.microsoft.com/office/drawing/2010/main" val="0"/>
-              </a:ext>
-            </a:extLst>
-          </a:blip>
-          <a:srcRect/>
-          <a:stretch>
-            <a:fillRect/>
-          </a:stretch>
-        </p:blipFill>
-        <p:spPr bwMode="auto">
-          <a:xfrm>
-            <a:off x="1897977" y="3931493"/>
-            <a:ext cx="4876800" cy="2809875"/>
-          </a:xfrm>
-          <a:prstGeom prst="rect">
-            <a:avLst/>
-          </a:prstGeom>
-          <a:noFill/>
-          <a:ln>
-            <a:noFill/>
-          </a:ln>
-          <a:effectLst/>
-          <a:extLst>
-            <a:ext uri="{909E8E84-426E-40dd-AFC4-6F175D3DCCD1}">
-              <a14:hiddenFill xmlns:a14="http://schemas.microsoft.com/office/drawing/2010/main">
-                <a:solidFill>
-                  <a:schemeClr val="accent1"/>
-                </a:solidFill>
-              </a14:hiddenFill>
-            </a:ext>
-            <a:ext uri="{91240B29-F687-4f45-9708-019B960494DF}">
-              <a14:hiddenLine xmlns:a14="http://schemas.microsoft.com/office/drawing/2010/main" w="9525">
-                <a:solidFill>
-                  <a:schemeClr val="tx1"/>
-                </a:solidFill>
-                <a:miter lim="800000"/>
-                <a:headEnd/>
-                <a:tailEnd/>
-              </a14:hiddenLine>
-            </a:ext>
-            <a:ext uri="{AF507438-7753-43e0-B8FC-AC1667EBCBE1}">
-              <a14:hiddenEffects xmlns:a14="http://schemas.microsoft.com/office/drawing/2010/main">
-                <a:effectLst>
-                  <a:outerShdw dist="35921" dir="2700000" algn="ctr" rotWithShape="0">
-                    <a:schemeClr val="bg2"/>
-                  </a:outerShdw>
-                </a:effectLst>
-              </a14:hiddenEffects>
-            </a:ext>
-          </a:extLst>
-        </p:spPr>
-      </p:pic>
-      <p:sp>
-        <p:nvSpPr>
-          <p:cNvPr id="9" name="Title 1"/>
+          <a:p>
+            <a:endParaRPr lang="fr-FR" sz="4400" dirty="0">
+              <a:solidFill>
+                <a:schemeClr val="bg2"/>
+              </a:solidFill>
+            </a:endParaRPr>
+          </a:p>
+        </p:txBody>
+      </p:sp>
+      <p:sp>
+        <p:nvSpPr>
+          <p:cNvPr id="8" name="Title 1"/>
           <p:cNvSpPr txBox="1">
             <a:spLocks/>
           </p:cNvSpPr>
@@ -8536,8 +8244,8 @@
         </p:nvSpPr>
         <p:spPr>
           <a:xfrm>
-            <a:off x="323528" y="44624"/>
-            <a:ext cx="8784976" cy="1008112"/>
+            <a:off x="180000" y="0"/>
+            <a:ext cx="7848872" cy="1008112"/>
           </a:xfrm>
           <a:prstGeom prst="rect">
             <a:avLst/>
@@ -8583,15 +8291,70 @@
                 <a:latin typeface="Futura"/>
                 <a:cs typeface="Futura"/>
               </a:rPr>
-              <a:t>DISTORTONS</a:t>
-            </a:r>
-          </a:p>
-        </p:txBody>
-      </p:sp>
+              <a:t>TYPES &amp; ASPECTS OF MAP PROJECTIONS</a:t>
+            </a:r>
+          </a:p>
+        </p:txBody>
+      </p:sp>
+      <p:sp>
+        <p:nvSpPr>
+          <p:cNvPr id="6" name="Rectangle 5"/>
+          <p:cNvSpPr/>
+          <p:nvPr/>
+        </p:nvSpPr>
+        <p:spPr>
+          <a:xfrm>
+            <a:off x="197274" y="692696"/>
+            <a:ext cx="2608278" cy="338554"/>
+          </a:xfrm>
+          <a:prstGeom prst="rect">
+            <a:avLst/>
+          </a:prstGeom>
+        </p:spPr>
+        <p:txBody>
+          <a:bodyPr wrap="none">
+            <a:spAutoFit/>
+          </a:bodyPr>
+          <a:lstStyle/>
+          <a:p>
+            <a:r>
+              <a:rPr lang="en-US" sz="1600">
+                <a:latin typeface="Futura Condensed"/>
+                <a:cs typeface="Futura Condensed"/>
+              </a:rPr>
+              <a:t>http://www.progonos.com/furuti</a:t>
+            </a:r>
+          </a:p>
+        </p:txBody>
+      </p:sp>
+      <p:pic>
+        <p:nvPicPr>
+          <p:cNvPr id="3" name="Picture 2"/>
+          <p:cNvPicPr>
+            <a:picLocks noChangeAspect="1"/>
+          </p:cNvPicPr>
+          <p:nvPr/>
+        </p:nvPicPr>
+        <p:blipFill>
+          <a:blip r:embed="rId3"/>
+          <a:stretch>
+            <a:fillRect/>
+          </a:stretch>
+        </p:blipFill>
+        <p:spPr>
+          <a:xfrm>
+            <a:off x="2555776" y="1196752"/>
+            <a:ext cx="4492476" cy="5315985"/>
+          </a:xfrm>
+          <a:prstGeom prst="rect">
+            <a:avLst/>
+          </a:prstGeom>
+        </p:spPr>
+      </p:pic>
     </p:spTree>
     <p:extLst>
       <p:ext uri="{BB962C8B-B14F-4D97-AF65-F5344CB8AC3E}">
-        <p14:creationId xmlns:p14="http://schemas.microsoft.com/office/powerpoint/2010/main" val="2302265803"/>
+        <p14:creationId xmlns:p14="http://schemas.microsoft.com/office/powerpoint/2010/main" val="1178962538"/>
       </p:ext>
     </p:extLst>
   </p:cSld>
@@ -8610,13 +8373,716 @@
       </p:transition>
     </mc:Fallback>
   </mc:AlternateContent>
-  <p:timing>
-    <p:tnLst>
-      <p:par>
-        <p:cTn xmlns:p14="http://schemas.microsoft.com/office/powerpoint/2010/main" id="1" dur="indefinite" restart="never" nodeType="tmRoot"/>
-      </p:par>
-    </p:tnLst>
-  </p:timing>
+</p:sld>
+</file>
+
+<file path=ppt/slides/slide8.xml><?xml version="1.0" encoding="utf-8"?>
+<p:sld xmlns:a="http://schemas.openxmlformats.org/drawingml/2006/main" xmlns:r="http://schemas.openxmlformats.org/officeDocument/2006/relationships" xmlns:p="http://schemas.openxmlformats.org/presentationml/2006/main">
+  <p:cSld>
+    <p:spTree>
+      <p:nvGrpSpPr>
+        <p:cNvPr id="1" name=""/>
+        <p:cNvGrpSpPr/>
+        <p:nvPr/>
+      </p:nvGrpSpPr>
+      <p:grpSpPr>
+        <a:xfrm>
+          <a:off x="0" y="0"/>
+          <a:ext cx="0" cy="0"/>
+          <a:chOff x="0" y="0"/>
+          <a:chExt cx="0" cy="0"/>
+        </a:xfrm>
+      </p:grpSpPr>
+      <p:sp>
+        <p:nvSpPr>
+          <p:cNvPr id="7" name="Subtitle 2"/>
+          <p:cNvSpPr txBox="1">
+            <a:spLocks/>
+          </p:cNvSpPr>
+          <p:nvPr/>
+        </p:nvSpPr>
+        <p:spPr>
+          <a:xfrm>
+            <a:off x="231102" y="2204864"/>
+            <a:ext cx="8517362" cy="936104"/>
+          </a:xfrm>
+          <a:prstGeom prst="rect">
+            <a:avLst/>
+          </a:prstGeom>
+        </p:spPr>
+        <p:txBody>
+          <a:bodyPr vert="horz" lIns="91440" tIns="45720" rIns="91440" bIns="45720" rtlCol="0">
+            <a:noAutofit/>
+          </a:bodyPr>
+          <a:lstStyle>
+            <a:lvl1pPr marL="0" indent="0" algn="ctr" defTabSz="914400" rtl="0" eaLnBrk="1" latinLnBrk="0" hangingPunct="1">
+              <a:spcBef>
+                <a:spcPct val="20000"/>
+              </a:spcBef>
+              <a:buFont typeface="Arial" pitchFamily="34" charset="0"/>
+              <a:buNone/>
+              <a:defRPr sz="3200" kern="1200">
+                <a:solidFill>
+                  <a:schemeClr val="tx1">
+                    <a:tint val="75000"/>
+                  </a:schemeClr>
+                </a:solidFill>
+                <a:latin typeface="+mn-lt"/>
+                <a:ea typeface="+mn-ea"/>
+                <a:cs typeface="+mn-cs"/>
+              </a:defRPr>
+            </a:lvl1pPr>
+            <a:lvl2pPr marL="457200" indent="0" algn="ctr" defTabSz="914400" rtl="0" eaLnBrk="1" latinLnBrk="0" hangingPunct="1">
+              <a:spcBef>
+                <a:spcPct val="20000"/>
+              </a:spcBef>
+              <a:buFont typeface="Arial" pitchFamily="34" charset="0"/>
+              <a:buNone/>
+              <a:defRPr sz="2800" kern="1200">
+                <a:solidFill>
+                  <a:schemeClr val="tx1">
+                    <a:tint val="75000"/>
+                  </a:schemeClr>
+                </a:solidFill>
+                <a:latin typeface="+mn-lt"/>
+                <a:ea typeface="+mn-ea"/>
+                <a:cs typeface="+mn-cs"/>
+              </a:defRPr>
+            </a:lvl2pPr>
+            <a:lvl3pPr marL="914400" indent="0" algn="ctr" defTabSz="914400" rtl="0" eaLnBrk="1" latinLnBrk="0" hangingPunct="1">
+              <a:spcBef>
+                <a:spcPct val="20000"/>
+              </a:spcBef>
+              <a:buFont typeface="Arial" pitchFamily="34" charset="0"/>
+              <a:buNone/>
+              <a:defRPr sz="2400" kern="1200">
+                <a:solidFill>
+                  <a:schemeClr val="tx1">
+                    <a:tint val="75000"/>
+                  </a:schemeClr>
+                </a:solidFill>
+                <a:latin typeface="+mn-lt"/>
+                <a:ea typeface="+mn-ea"/>
+                <a:cs typeface="+mn-cs"/>
+              </a:defRPr>
+            </a:lvl3pPr>
+            <a:lvl4pPr marL="1371600" indent="0" algn="ctr" defTabSz="914400" rtl="0" eaLnBrk="1" latinLnBrk="0" hangingPunct="1">
+              <a:spcBef>
+                <a:spcPct val="20000"/>
+              </a:spcBef>
+              <a:buFont typeface="Arial" pitchFamily="34" charset="0"/>
+              <a:buNone/>
+              <a:defRPr sz="2000" kern="1200">
+                <a:solidFill>
+                  <a:schemeClr val="tx1">
+                    <a:tint val="75000"/>
+                  </a:schemeClr>
+                </a:solidFill>
+                <a:latin typeface="+mn-lt"/>
+                <a:ea typeface="+mn-ea"/>
+                <a:cs typeface="+mn-cs"/>
+              </a:defRPr>
+            </a:lvl4pPr>
+            <a:lvl5pPr marL="1828800" indent="0" algn="ctr" defTabSz="914400" rtl="0" eaLnBrk="1" latinLnBrk="0" hangingPunct="1">
+              <a:spcBef>
+                <a:spcPct val="20000"/>
+              </a:spcBef>
+              <a:buFont typeface="Arial" pitchFamily="34" charset="0"/>
+              <a:buNone/>
+              <a:defRPr sz="2000" kern="1200">
+                <a:solidFill>
+                  <a:schemeClr val="tx1">
+                    <a:tint val="75000"/>
+                  </a:schemeClr>
+                </a:solidFill>
+                <a:latin typeface="+mn-lt"/>
+                <a:ea typeface="+mn-ea"/>
+                <a:cs typeface="+mn-cs"/>
+              </a:defRPr>
+            </a:lvl5pPr>
+            <a:lvl6pPr marL="2286000" indent="0" algn="ctr" defTabSz="914400" rtl="0" eaLnBrk="1" latinLnBrk="0" hangingPunct="1">
+              <a:spcBef>
+                <a:spcPct val="20000"/>
+              </a:spcBef>
+              <a:buFont typeface="Arial" pitchFamily="34" charset="0"/>
+              <a:buNone/>
+              <a:defRPr sz="2000" kern="1200">
+                <a:solidFill>
+                  <a:schemeClr val="tx1">
+                    <a:tint val="75000"/>
+                  </a:schemeClr>
+                </a:solidFill>
+                <a:latin typeface="+mn-lt"/>
+                <a:ea typeface="+mn-ea"/>
+                <a:cs typeface="+mn-cs"/>
+              </a:defRPr>
+            </a:lvl6pPr>
+            <a:lvl7pPr marL="2743200" indent="0" algn="ctr" defTabSz="914400" rtl="0" eaLnBrk="1" latinLnBrk="0" hangingPunct="1">
+              <a:spcBef>
+                <a:spcPct val="20000"/>
+              </a:spcBef>
+              <a:buFont typeface="Arial" pitchFamily="34" charset="0"/>
+              <a:buNone/>
+              <a:defRPr sz="2000" kern="1200">
+                <a:solidFill>
+                  <a:schemeClr val="tx1">
+                    <a:tint val="75000"/>
+                  </a:schemeClr>
+                </a:solidFill>
+                <a:latin typeface="+mn-lt"/>
+                <a:ea typeface="+mn-ea"/>
+                <a:cs typeface="+mn-cs"/>
+              </a:defRPr>
+            </a:lvl7pPr>
+            <a:lvl8pPr marL="3200400" indent="0" algn="ctr" defTabSz="914400" rtl="0" eaLnBrk="1" latinLnBrk="0" hangingPunct="1">
+              <a:spcBef>
+                <a:spcPct val="20000"/>
+              </a:spcBef>
+              <a:buFont typeface="Arial" pitchFamily="34" charset="0"/>
+              <a:buNone/>
+              <a:defRPr sz="2000" kern="1200">
+                <a:solidFill>
+                  <a:schemeClr val="tx1">
+                    <a:tint val="75000"/>
+                  </a:schemeClr>
+                </a:solidFill>
+                <a:latin typeface="+mn-lt"/>
+                <a:ea typeface="+mn-ea"/>
+                <a:cs typeface="+mn-cs"/>
+              </a:defRPr>
+            </a:lvl8pPr>
+            <a:lvl9pPr marL="3657600" indent="0" algn="ctr" defTabSz="914400" rtl="0" eaLnBrk="1" latinLnBrk="0" hangingPunct="1">
+              <a:spcBef>
+                <a:spcPct val="20000"/>
+              </a:spcBef>
+              <a:buFont typeface="Arial" pitchFamily="34" charset="0"/>
+              <a:buNone/>
+              <a:defRPr sz="2000" kern="1200">
+                <a:solidFill>
+                  <a:schemeClr val="tx1">
+                    <a:tint val="75000"/>
+                  </a:schemeClr>
+                </a:solidFill>
+                <a:latin typeface="+mn-lt"/>
+                <a:ea typeface="+mn-ea"/>
+                <a:cs typeface="+mn-cs"/>
+              </a:defRPr>
+            </a:lvl9pPr>
+          </a:lstStyle>
+          <a:p>
+            <a:pPr marL="571500" indent="-571500">
+              <a:buFont typeface="Arial" pitchFamily="34" charset="0"/>
+              <a:buChar char="•"/>
+            </a:pPr>
+            <a:endParaRPr lang="fr-FR" sz="4400" dirty="0">
+              <a:solidFill>
+                <a:schemeClr val="bg2"/>
+              </a:solidFill>
+            </a:endParaRPr>
+          </a:p>
+          <a:p>
+            <a:endParaRPr lang="fr-FR" sz="4400" dirty="0">
+              <a:solidFill>
+                <a:schemeClr val="bg2"/>
+              </a:solidFill>
+            </a:endParaRPr>
+          </a:p>
+        </p:txBody>
+      </p:sp>
+      <p:sp>
+        <p:nvSpPr>
+          <p:cNvPr id="8" name="Title 1"/>
+          <p:cNvSpPr txBox="1">
+            <a:spLocks/>
+          </p:cNvSpPr>
+          <p:nvPr/>
+        </p:nvSpPr>
+        <p:spPr>
+          <a:xfrm>
+            <a:off x="180000" y="0"/>
+            <a:ext cx="7848872" cy="1008112"/>
+          </a:xfrm>
+          <a:prstGeom prst="rect">
+            <a:avLst/>
+          </a:prstGeom>
+        </p:spPr>
+        <p:txBody>
+          <a:bodyPr vert="horz" lIns="91440" tIns="45720" rIns="91440" bIns="45720" rtlCol="0" anchor="ctr">
+            <a:noAutofit/>
+          </a:bodyPr>
+          <a:lstStyle>
+            <a:lvl1pPr algn="ctr" defTabSz="914400" rtl="0" eaLnBrk="1" latinLnBrk="0" hangingPunct="1">
+              <a:spcBef>
+                <a:spcPct val="0"/>
+              </a:spcBef>
+              <a:buNone/>
+              <a:defRPr sz="4400" kern="1200">
+                <a:solidFill>
+                  <a:schemeClr val="tx1"/>
+                </a:solidFill>
+                <a:latin typeface="+mj-lt"/>
+                <a:ea typeface="+mj-ea"/>
+                <a:cs typeface="+mj-cs"/>
+              </a:defRPr>
+            </a:lvl1pPr>
+          </a:lstStyle>
+          <a:p>
+            <a:pPr algn="l"/>
+            <a:r>
+              <a:rPr lang="fr-FR" sz="2800" dirty="0">
+                <a:solidFill>
+                  <a:schemeClr val="tx1">
+                    <a:lumMod val="75000"/>
+                    <a:lumOff val="25000"/>
+                  </a:schemeClr>
+                </a:solidFill>
+                <a:effectLst>
+                  <a:outerShdw blurRad="50800" dist="38100" dir="2700000" algn="tl" rotWithShape="0">
+                    <a:schemeClr val="bg1">
+                      <a:alpha val="40000"/>
+                    </a:schemeClr>
+                  </a:outerShdw>
+                </a:effectLst>
+                <a:latin typeface="Futura"/>
+                <a:cs typeface="Futura"/>
+              </a:rPr>
+              <a:t>TYPES &amp; ASPECTS OF MAP PROJECTIONS</a:t>
+            </a:r>
+          </a:p>
+        </p:txBody>
+      </p:sp>
+      <p:sp>
+        <p:nvSpPr>
+          <p:cNvPr id="6" name="Rectangle 5"/>
+          <p:cNvSpPr/>
+          <p:nvPr/>
+        </p:nvSpPr>
+        <p:spPr>
+          <a:xfrm>
+            <a:off x="197274" y="692696"/>
+            <a:ext cx="3390672" cy="338554"/>
+          </a:xfrm>
+          <a:prstGeom prst="rect">
+            <a:avLst/>
+          </a:prstGeom>
+        </p:spPr>
+        <p:txBody>
+          <a:bodyPr wrap="none">
+            <a:spAutoFit/>
+          </a:bodyPr>
+          <a:lstStyle/>
+          <a:p>
+            <a:r>
+              <a:rPr lang="en-US" sz="1600">
+                <a:latin typeface="Futura Condensed"/>
+                <a:cs typeface="Futura Condensed"/>
+              </a:rPr>
+              <a:t>https://www.jasondavies.com/maps/transition/</a:t>
+            </a:r>
+          </a:p>
+        </p:txBody>
+      </p:sp>
+      <p:pic>
+        <p:nvPicPr>
+          <p:cNvPr id="2" name="Picture 1"/>
+          <p:cNvPicPr>
+            <a:picLocks noChangeAspect="1"/>
+          </p:cNvPicPr>
+          <p:nvPr/>
+        </p:nvPicPr>
+        <p:blipFill>
+          <a:blip r:embed="rId3"/>
+          <a:stretch>
+            <a:fillRect/>
+          </a:stretch>
+        </p:blipFill>
+        <p:spPr>
+          <a:xfrm>
+            <a:off x="2339752" y="1412776"/>
+            <a:ext cx="4612867" cy="4293096"/>
+          </a:xfrm>
+          <a:prstGeom prst="rect">
+            <a:avLst/>
+          </a:prstGeom>
+        </p:spPr>
+      </p:pic>
+    </p:spTree>
+    <p:extLst>
+      <p:ext uri="{BB962C8B-B14F-4D97-AF65-F5344CB8AC3E}">
+        <p14:creationId xmlns:p14="http://schemas.microsoft.com/office/powerpoint/2010/main" val="3551686369"/>
+      </p:ext>
+    </p:extLst>
+  </p:cSld>
+  <p:clrMapOvr>
+    <a:masterClrMapping/>
+  </p:clrMapOvr>
+  <mc:AlternateContent xmlns:mc="http://schemas.openxmlformats.org/markup-compatibility/2006" xmlns:p14="http://schemas.microsoft.com/office/powerpoint/2010/main">
+    <mc:Choice Requires="p14">
+      <p:transition spd="med" p14:dur="700">
+        <p:fade/>
+      </p:transition>
+    </mc:Choice>
+    <mc:Fallback xmlns="">
+      <p:transition spd="med">
+        <p:fade/>
+      </p:transition>
+    </mc:Fallback>
+  </mc:AlternateContent>
+</p:sld>
+</file>
+
+<file path=ppt/slides/slide9.xml><?xml version="1.0" encoding="utf-8"?>
+<p:sld xmlns:a="http://schemas.openxmlformats.org/drawingml/2006/main" xmlns:r="http://schemas.openxmlformats.org/officeDocument/2006/relationships" xmlns:p="http://schemas.openxmlformats.org/presentationml/2006/main">
+  <p:cSld>
+    <p:spTree>
+      <p:nvGrpSpPr>
+        <p:cNvPr id="1" name=""/>
+        <p:cNvGrpSpPr/>
+        <p:nvPr/>
+      </p:nvGrpSpPr>
+      <p:grpSpPr>
+        <a:xfrm>
+          <a:off x="0" y="0"/>
+          <a:ext cx="0" cy="0"/>
+          <a:chOff x="0" y="0"/>
+          <a:chExt cx="0" cy="0"/>
+        </a:xfrm>
+      </p:grpSpPr>
+      <p:sp>
+        <p:nvSpPr>
+          <p:cNvPr id="7" name="Subtitle 2"/>
+          <p:cNvSpPr txBox="1">
+            <a:spLocks/>
+          </p:cNvSpPr>
+          <p:nvPr/>
+        </p:nvSpPr>
+        <p:spPr>
+          <a:xfrm>
+            <a:off x="231102" y="2204864"/>
+            <a:ext cx="8517362" cy="936104"/>
+          </a:xfrm>
+          <a:prstGeom prst="rect">
+            <a:avLst/>
+          </a:prstGeom>
+        </p:spPr>
+        <p:txBody>
+          <a:bodyPr vert="horz" lIns="91440" tIns="45720" rIns="91440" bIns="45720" rtlCol="0">
+            <a:noAutofit/>
+          </a:bodyPr>
+          <a:lstStyle>
+            <a:lvl1pPr marL="0" indent="0" algn="ctr" defTabSz="914400" rtl="0" eaLnBrk="1" latinLnBrk="0" hangingPunct="1">
+              <a:spcBef>
+                <a:spcPct val="20000"/>
+              </a:spcBef>
+              <a:buFont typeface="Arial" pitchFamily="34" charset="0"/>
+              <a:buNone/>
+              <a:defRPr sz="3200" kern="1200">
+                <a:solidFill>
+                  <a:schemeClr val="tx1">
+                    <a:tint val="75000"/>
+                  </a:schemeClr>
+                </a:solidFill>
+                <a:latin typeface="+mn-lt"/>
+                <a:ea typeface="+mn-ea"/>
+                <a:cs typeface="+mn-cs"/>
+              </a:defRPr>
+            </a:lvl1pPr>
+            <a:lvl2pPr marL="457200" indent="0" algn="ctr" defTabSz="914400" rtl="0" eaLnBrk="1" latinLnBrk="0" hangingPunct="1">
+              <a:spcBef>
+                <a:spcPct val="20000"/>
+              </a:spcBef>
+              <a:buFont typeface="Arial" pitchFamily="34" charset="0"/>
+              <a:buNone/>
+              <a:defRPr sz="2800" kern="1200">
+                <a:solidFill>
+                  <a:schemeClr val="tx1">
+                    <a:tint val="75000"/>
+                  </a:schemeClr>
+                </a:solidFill>
+                <a:latin typeface="+mn-lt"/>
+                <a:ea typeface="+mn-ea"/>
+                <a:cs typeface="+mn-cs"/>
+              </a:defRPr>
+            </a:lvl2pPr>
+            <a:lvl3pPr marL="914400" indent="0" algn="ctr" defTabSz="914400" rtl="0" eaLnBrk="1" latinLnBrk="0" hangingPunct="1">
+              <a:spcBef>
+                <a:spcPct val="20000"/>
+              </a:spcBef>
+              <a:buFont typeface="Arial" pitchFamily="34" charset="0"/>
+              <a:buNone/>
+              <a:defRPr sz="2400" kern="1200">
+                <a:solidFill>
+                  <a:schemeClr val="tx1">
+                    <a:tint val="75000"/>
+                  </a:schemeClr>
+                </a:solidFill>
+                <a:latin typeface="+mn-lt"/>
+                <a:ea typeface="+mn-ea"/>
+                <a:cs typeface="+mn-cs"/>
+              </a:defRPr>
+            </a:lvl3pPr>
+            <a:lvl4pPr marL="1371600" indent="0" algn="ctr" defTabSz="914400" rtl="0" eaLnBrk="1" latinLnBrk="0" hangingPunct="1">
+              <a:spcBef>
+                <a:spcPct val="20000"/>
+              </a:spcBef>
+              <a:buFont typeface="Arial" pitchFamily="34" charset="0"/>
+              <a:buNone/>
+              <a:defRPr sz="2000" kern="1200">
+                <a:solidFill>
+                  <a:schemeClr val="tx1">
+                    <a:tint val="75000"/>
+                  </a:schemeClr>
+                </a:solidFill>
+                <a:latin typeface="+mn-lt"/>
+                <a:ea typeface="+mn-ea"/>
+                <a:cs typeface="+mn-cs"/>
+              </a:defRPr>
+            </a:lvl4pPr>
+            <a:lvl5pPr marL="1828800" indent="0" algn="ctr" defTabSz="914400" rtl="0" eaLnBrk="1" latinLnBrk="0" hangingPunct="1">
+              <a:spcBef>
+                <a:spcPct val="20000"/>
+              </a:spcBef>
+              <a:buFont typeface="Arial" pitchFamily="34" charset="0"/>
+              <a:buNone/>
+              <a:defRPr sz="2000" kern="1200">
+                <a:solidFill>
+                  <a:schemeClr val="tx1">
+                    <a:tint val="75000"/>
+                  </a:schemeClr>
+                </a:solidFill>
+                <a:latin typeface="+mn-lt"/>
+                <a:ea typeface="+mn-ea"/>
+                <a:cs typeface="+mn-cs"/>
+              </a:defRPr>
+            </a:lvl5pPr>
+            <a:lvl6pPr marL="2286000" indent="0" algn="ctr" defTabSz="914400" rtl="0" eaLnBrk="1" latinLnBrk="0" hangingPunct="1">
+              <a:spcBef>
+                <a:spcPct val="20000"/>
+              </a:spcBef>
+              <a:buFont typeface="Arial" pitchFamily="34" charset="0"/>
+              <a:buNone/>
+              <a:defRPr sz="2000" kern="1200">
+                <a:solidFill>
+                  <a:schemeClr val="tx1">
+                    <a:tint val="75000"/>
+                  </a:schemeClr>
+                </a:solidFill>
+                <a:latin typeface="+mn-lt"/>
+                <a:ea typeface="+mn-ea"/>
+                <a:cs typeface="+mn-cs"/>
+              </a:defRPr>
+            </a:lvl6pPr>
+            <a:lvl7pPr marL="2743200" indent="0" algn="ctr" defTabSz="914400" rtl="0" eaLnBrk="1" latinLnBrk="0" hangingPunct="1">
+              <a:spcBef>
+                <a:spcPct val="20000"/>
+              </a:spcBef>
+              <a:buFont typeface="Arial" pitchFamily="34" charset="0"/>
+              <a:buNone/>
+              <a:defRPr sz="2000" kern="1200">
+                <a:solidFill>
+                  <a:schemeClr val="tx1">
+                    <a:tint val="75000"/>
+                  </a:schemeClr>
+                </a:solidFill>
+                <a:latin typeface="+mn-lt"/>
+                <a:ea typeface="+mn-ea"/>
+                <a:cs typeface="+mn-cs"/>
+              </a:defRPr>
+            </a:lvl7pPr>
+            <a:lvl8pPr marL="3200400" indent="0" algn="ctr" defTabSz="914400" rtl="0" eaLnBrk="1" latinLnBrk="0" hangingPunct="1">
+              <a:spcBef>
+                <a:spcPct val="20000"/>
+              </a:spcBef>
+              <a:buFont typeface="Arial" pitchFamily="34" charset="0"/>
+              <a:buNone/>
+              <a:defRPr sz="2000" kern="1200">
+                <a:solidFill>
+                  <a:schemeClr val="tx1">
+                    <a:tint val="75000"/>
+                  </a:schemeClr>
+                </a:solidFill>
+                <a:latin typeface="+mn-lt"/>
+                <a:ea typeface="+mn-ea"/>
+                <a:cs typeface="+mn-cs"/>
+              </a:defRPr>
+            </a:lvl8pPr>
+            <a:lvl9pPr marL="3657600" indent="0" algn="ctr" defTabSz="914400" rtl="0" eaLnBrk="1" latinLnBrk="0" hangingPunct="1">
+              <a:spcBef>
+                <a:spcPct val="20000"/>
+              </a:spcBef>
+              <a:buFont typeface="Arial" pitchFamily="34" charset="0"/>
+              <a:buNone/>
+              <a:defRPr sz="2000" kern="1200">
+                <a:solidFill>
+                  <a:schemeClr val="tx1">
+                    <a:tint val="75000"/>
+                  </a:schemeClr>
+                </a:solidFill>
+                <a:latin typeface="+mn-lt"/>
+                <a:ea typeface="+mn-ea"/>
+                <a:cs typeface="+mn-cs"/>
+              </a:defRPr>
+            </a:lvl9pPr>
+          </a:lstStyle>
+          <a:p>
+            <a:pPr marL="571500" indent="-571500">
+              <a:buFont typeface="Arial" pitchFamily="34" charset="0"/>
+              <a:buChar char="•"/>
+            </a:pPr>
+            <a:endParaRPr lang="fr-FR" sz="4400" dirty="0">
+              <a:solidFill>
+                <a:schemeClr val="bg2"/>
+              </a:solidFill>
+            </a:endParaRPr>
+          </a:p>
+          <a:p>
+            <a:endParaRPr lang="fr-FR" sz="4400" dirty="0">
+              <a:solidFill>
+                <a:schemeClr val="bg2"/>
+              </a:solidFill>
+            </a:endParaRPr>
+          </a:p>
+        </p:txBody>
+      </p:sp>
+      <p:sp>
+        <p:nvSpPr>
+          <p:cNvPr id="8" name="Title 1"/>
+          <p:cNvSpPr txBox="1">
+            <a:spLocks/>
+          </p:cNvSpPr>
+          <p:nvPr/>
+        </p:nvSpPr>
+        <p:spPr>
+          <a:xfrm>
+            <a:off x="180000" y="0"/>
+            <a:ext cx="7848872" cy="1008112"/>
+          </a:xfrm>
+          <a:prstGeom prst="rect">
+            <a:avLst/>
+          </a:prstGeom>
+        </p:spPr>
+        <p:txBody>
+          <a:bodyPr vert="horz" lIns="91440" tIns="45720" rIns="91440" bIns="45720" rtlCol="0" anchor="ctr">
+            <a:noAutofit/>
+          </a:bodyPr>
+          <a:lstStyle>
+            <a:lvl1pPr algn="ctr" defTabSz="914400" rtl="0" eaLnBrk="1" latinLnBrk="0" hangingPunct="1">
+              <a:spcBef>
+                <a:spcPct val="0"/>
+              </a:spcBef>
+              <a:buNone/>
+              <a:defRPr sz="4400" kern="1200">
+                <a:solidFill>
+                  <a:schemeClr val="tx1"/>
+                </a:solidFill>
+                <a:latin typeface="+mj-lt"/>
+                <a:ea typeface="+mj-ea"/>
+                <a:cs typeface="+mj-cs"/>
+              </a:defRPr>
+            </a:lvl1pPr>
+          </a:lstStyle>
+          <a:p>
+            <a:pPr algn="l"/>
+            <a:r>
+              <a:rPr lang="fr-FR" sz="2800" dirty="0">
+                <a:solidFill>
+                  <a:schemeClr val="tx1">
+                    <a:lumMod val="75000"/>
+                    <a:lumOff val="25000"/>
+                  </a:schemeClr>
+                </a:solidFill>
+                <a:effectLst>
+                  <a:outerShdw blurRad="50800" dist="38100" dir="2700000" algn="tl" rotWithShape="0">
+                    <a:schemeClr val="bg1">
+                      <a:alpha val="40000"/>
+                    </a:schemeClr>
+                  </a:outerShdw>
+                </a:effectLst>
+                <a:latin typeface="Futura"/>
+                <a:cs typeface="Futura"/>
+              </a:rPr>
+              <a:t>COMPARING MAP PROJECTIONS</a:t>
+            </a:r>
+          </a:p>
+        </p:txBody>
+      </p:sp>
+      <p:sp>
+        <p:nvSpPr>
+          <p:cNvPr id="6" name="Rectangle 5"/>
+          <p:cNvSpPr/>
+          <p:nvPr/>
+        </p:nvSpPr>
+        <p:spPr>
+          <a:xfrm>
+            <a:off x="197274" y="692696"/>
+            <a:ext cx="3980577" cy="338554"/>
+          </a:xfrm>
+          <a:prstGeom prst="rect">
+            <a:avLst/>
+          </a:prstGeom>
+        </p:spPr>
+        <p:txBody>
+          <a:bodyPr wrap="none">
+            <a:spAutoFit/>
+          </a:bodyPr>
+          <a:lstStyle/>
+          <a:p>
+            <a:r>
+              <a:rPr lang="en-US" sz="1600">
+                <a:latin typeface="Futura Condensed"/>
+                <a:cs typeface="Futura Condensed"/>
+              </a:rPr>
+              <a:t>https://bl.ocks.org/syntagmatic/ba569633d51ebec6ec6e</a:t>
+            </a:r>
+          </a:p>
+        </p:txBody>
+      </p:sp>
+      <p:pic>
+        <p:nvPicPr>
+          <p:cNvPr id="5" name="Picture 4"/>
+          <p:cNvPicPr>
+            <a:picLocks noChangeAspect="1"/>
+          </p:cNvPicPr>
+          <p:nvPr/>
+        </p:nvPicPr>
+        <p:blipFill>
+          <a:blip r:embed="rId3"/>
+          <a:stretch>
+            <a:fillRect/>
+          </a:stretch>
+        </p:blipFill>
+        <p:spPr>
+          <a:xfrm>
+            <a:off x="1259632" y="1340768"/>
+            <a:ext cx="6120680" cy="4970590"/>
+          </a:xfrm>
+          <a:prstGeom prst="rect">
+            <a:avLst/>
+          </a:prstGeom>
+        </p:spPr>
+      </p:pic>
+    </p:spTree>
+    <p:extLst>
+      <p:ext uri="{BB962C8B-B14F-4D97-AF65-F5344CB8AC3E}">
+        <p14:creationId xmlns:p14="http://schemas.microsoft.com/office/powerpoint/2010/main" val="474791865"/>
+      </p:ext>
+    </p:extLst>
+  </p:cSld>
+  <p:clrMapOvr>
+    <a:masterClrMapping/>
+  </p:clrMapOvr>
+  <mc:AlternateContent xmlns:mc="http://schemas.openxmlformats.org/markup-compatibility/2006" xmlns:p14="http://schemas.microsoft.com/office/powerpoint/2010/main">
+    <mc:Choice Requires="p14">
+      <p:transition spd="med" p14:dur="700">
+        <p:fade/>
+      </p:transition>
+    </mc:Choice>
+    <mc:Fallback xmlns="">
+      <p:transition spd="med">
+        <p:fade/>
+      </p:transition>
+    </mc:Fallback>
+  </mc:AlternateContent>
 </p:sld>
 </file>
 
